--- a/CMQA/ConOps/CONOPS Cases/RASCAL-CONOPS2.pptx
+++ b/CMQA/ConOps/CONOPS Cases/RASCAL-CONOPS2.pptx
@@ -351,7 +351,8 @@
           <a:p>
             <a:fld id="{39B8DBA3-BC19-4FE8-B13C-54945517916F}" type="datetimeFigureOut">
               <a:rPr lang="en-US" smtClean="0"/>
-              <a:t>3/4/2014</a:t>
+              <a:pPr/>
+              <a:t>3/11/2014</a:t>
             </a:fld>
             <a:endParaRPr lang="en-US"/>
           </a:p>
@@ -393,6 +394,7 @@
           <a:p>
             <a:fld id="{97973572-D21E-4BB5-B457-43F97DD3B4D0}" type="slidenum">
               <a:rPr lang="en-US" smtClean="0"/>
+              <a:pPr/>
               <a:t>‹#›</a:t>
             </a:fld>
             <a:endParaRPr lang="en-US"/>
@@ -574,7 +576,8 @@
           <a:p>
             <a:fld id="{39B8DBA3-BC19-4FE8-B13C-54945517916F}" type="datetimeFigureOut">
               <a:rPr lang="en-US" smtClean="0"/>
-              <a:t>3/4/2014</a:t>
+              <a:pPr/>
+              <a:t>3/11/2014</a:t>
             </a:fld>
             <a:endParaRPr lang="en-US"/>
           </a:p>
@@ -616,6 +619,7 @@
           <a:p>
             <a:fld id="{97973572-D21E-4BB5-B457-43F97DD3B4D0}" type="slidenum">
               <a:rPr lang="en-US" smtClean="0"/>
+              <a:pPr/>
               <a:t>‹#›</a:t>
             </a:fld>
             <a:endParaRPr lang="en-US"/>
@@ -854,7 +858,8 @@
           <a:p>
             <a:fld id="{39B8DBA3-BC19-4FE8-B13C-54945517916F}" type="datetimeFigureOut">
               <a:rPr lang="en-US" smtClean="0"/>
-              <a:t>3/4/2014</a:t>
+              <a:pPr/>
+              <a:t>3/11/2014</a:t>
             </a:fld>
             <a:endParaRPr lang="en-US"/>
           </a:p>
@@ -901,6 +906,7 @@
           <a:p>
             <a:fld id="{97973572-D21E-4BB5-B457-43F97DD3B4D0}" type="slidenum">
               <a:rPr lang="en-US" smtClean="0"/>
+              <a:pPr/>
               <a:t>‹#›</a:t>
             </a:fld>
             <a:endParaRPr lang="en-US"/>
@@ -1033,7 +1039,8 @@
           <a:p>
             <a:fld id="{39B8DBA3-BC19-4FE8-B13C-54945517916F}" type="datetimeFigureOut">
               <a:rPr lang="en-US" smtClean="0"/>
-              <a:t>3/4/2014</a:t>
+              <a:pPr/>
+              <a:t>3/11/2014</a:t>
             </a:fld>
             <a:endParaRPr lang="en-US"/>
           </a:p>
@@ -1075,6 +1082,7 @@
           <a:p>
             <a:fld id="{97973572-D21E-4BB5-B457-43F97DD3B4D0}" type="slidenum">
               <a:rPr lang="en-US" smtClean="0"/>
+              <a:pPr/>
               <a:t>‹#›</a:t>
             </a:fld>
             <a:endParaRPr lang="en-US"/>
@@ -1386,7 +1394,8 @@
           <a:p>
             <a:fld id="{39B8DBA3-BC19-4FE8-B13C-54945517916F}" type="datetimeFigureOut">
               <a:rPr lang="en-US" smtClean="0"/>
-              <a:t>3/4/2014</a:t>
+              <a:pPr/>
+              <a:t>3/11/2014</a:t>
             </a:fld>
             <a:endParaRPr lang="en-US"/>
           </a:p>
@@ -1428,6 +1437,7 @@
           <a:p>
             <a:fld id="{97973572-D21E-4BB5-B457-43F97DD3B4D0}" type="slidenum">
               <a:rPr lang="en-US" smtClean="0"/>
+              <a:pPr/>
               <a:t>‹#›</a:t>
             </a:fld>
             <a:endParaRPr lang="en-US"/>
@@ -1673,7 +1683,8 @@
           <a:p>
             <a:fld id="{39B8DBA3-BC19-4FE8-B13C-54945517916F}" type="datetimeFigureOut">
               <a:rPr lang="en-US" smtClean="0"/>
-              <a:t>3/4/2014</a:t>
+              <a:pPr/>
+              <a:t>3/11/2014</a:t>
             </a:fld>
             <a:endParaRPr lang="en-US"/>
           </a:p>
@@ -1715,6 +1726,7 @@
           <a:p>
             <a:fld id="{97973572-D21E-4BB5-B457-43F97DD3B4D0}" type="slidenum">
               <a:rPr lang="en-US" smtClean="0"/>
+              <a:pPr/>
               <a:t>‹#›</a:t>
             </a:fld>
             <a:endParaRPr lang="en-US"/>
@@ -2095,7 +2107,8 @@
           <a:p>
             <a:fld id="{39B8DBA3-BC19-4FE8-B13C-54945517916F}" type="datetimeFigureOut">
               <a:rPr lang="en-US" smtClean="0"/>
-              <a:t>3/4/2014</a:t>
+              <a:pPr/>
+              <a:t>3/11/2014</a:t>
             </a:fld>
             <a:endParaRPr lang="en-US"/>
           </a:p>
@@ -2137,6 +2150,7 @@
           <a:p>
             <a:fld id="{97973572-D21E-4BB5-B457-43F97DD3B4D0}" type="slidenum">
               <a:rPr lang="en-US" smtClean="0"/>
+              <a:pPr/>
               <a:t>‹#›</a:t>
             </a:fld>
             <a:endParaRPr lang="en-US"/>
@@ -2210,7 +2224,8 @@
           <a:p>
             <a:fld id="{39B8DBA3-BC19-4FE8-B13C-54945517916F}" type="datetimeFigureOut">
               <a:rPr lang="en-US" smtClean="0"/>
-              <a:t>3/4/2014</a:t>
+              <a:pPr/>
+              <a:t>3/11/2014</a:t>
             </a:fld>
             <a:endParaRPr lang="en-US"/>
           </a:p>
@@ -2252,6 +2267,7 @@
           <a:p>
             <a:fld id="{97973572-D21E-4BB5-B457-43F97DD3B4D0}" type="slidenum">
               <a:rPr lang="en-US" smtClean="0"/>
+              <a:pPr/>
               <a:t>‹#›</a:t>
             </a:fld>
             <a:endParaRPr lang="en-US"/>
@@ -2300,7 +2316,8 @@
           <a:p>
             <a:fld id="{39B8DBA3-BC19-4FE8-B13C-54945517916F}" type="datetimeFigureOut">
               <a:rPr lang="en-US" smtClean="0"/>
-              <a:t>3/4/2014</a:t>
+              <a:pPr/>
+              <a:t>3/11/2014</a:t>
             </a:fld>
             <a:endParaRPr lang="en-US"/>
           </a:p>
@@ -2342,6 +2359,7 @@
           <a:p>
             <a:fld id="{97973572-D21E-4BB5-B457-43F97DD3B4D0}" type="slidenum">
               <a:rPr lang="en-US" smtClean="0"/>
+              <a:pPr/>
               <a:t>‹#›</a:t>
             </a:fld>
             <a:endParaRPr lang="en-US"/>
@@ -2578,7 +2596,8 @@
           <a:p>
             <a:fld id="{39B8DBA3-BC19-4FE8-B13C-54945517916F}" type="datetimeFigureOut">
               <a:rPr lang="en-US" smtClean="0"/>
-              <a:t>3/4/2014</a:t>
+              <a:pPr/>
+              <a:t>3/11/2014</a:t>
             </a:fld>
             <a:endParaRPr lang="en-US"/>
           </a:p>
@@ -2620,6 +2639,7 @@
           <a:p>
             <a:fld id="{97973572-D21E-4BB5-B457-43F97DD3B4D0}" type="slidenum">
               <a:rPr lang="en-US" smtClean="0"/>
+              <a:pPr/>
               <a:t>‹#›</a:t>
             </a:fld>
             <a:endParaRPr lang="en-US"/>
@@ -2939,7 +2959,8 @@
           <a:p>
             <a:fld id="{39B8DBA3-BC19-4FE8-B13C-54945517916F}" type="datetimeFigureOut">
               <a:rPr lang="en-US" smtClean="0"/>
-              <a:t>3/4/2014</a:t>
+              <a:pPr/>
+              <a:t>3/11/2014</a:t>
             </a:fld>
             <a:endParaRPr lang="en-US"/>
           </a:p>
@@ -3095,6 +3116,7 @@
           <a:p>
             <a:fld id="{97973572-D21E-4BB5-B457-43F97DD3B4D0}" type="slidenum">
               <a:rPr lang="en-US" smtClean="0"/>
+              <a:pPr/>
               <a:t>‹#›</a:t>
             </a:fld>
             <a:endParaRPr lang="en-US"/>
@@ -3376,7 +3398,8 @@
           <a:p>
             <a:fld id="{39B8DBA3-BC19-4FE8-B13C-54945517916F}" type="datetimeFigureOut">
               <a:rPr lang="en-US" smtClean="0"/>
-              <a:t>3/4/2014</a:t>
+              <a:pPr/>
+              <a:t>3/11/2014</a:t>
             </a:fld>
             <a:endParaRPr lang="en-US"/>
           </a:p>
@@ -3456,6 +3479,7 @@
           <a:p>
             <a:fld id="{97973572-D21E-4BB5-B457-43F97DD3B4D0}" type="slidenum">
               <a:rPr lang="en-US" smtClean="0"/>
+              <a:pPr/>
               <a:t>‹#›</a:t>
             </a:fld>
             <a:endParaRPr lang="en-US"/>
@@ -3826,7 +3850,7 @@
           <a:lstStyle/>
           <a:p>
             <a:pPr algn="ctr"/>
-            <a:endParaRPr lang="en-US"/>
+            <a:endParaRPr lang="en-US" dirty="0"/>
           </a:p>
         </p:txBody>
       </p:sp>
@@ -4072,25 +4096,21 @@
       </p:sp>
       <p:sp>
         <p:nvSpPr>
-          <p:cNvPr id="11" name="TextBox 10"/>
+          <p:cNvPr id="15" name="TextBox 14"/>
           <p:cNvSpPr txBox="1"/>
           <p:nvPr/>
         </p:nvSpPr>
         <p:spPr>
           <a:xfrm>
-            <a:off x="5715000" y="4876800"/>
-            <a:ext cx="304800" cy="369332"/>
+            <a:off x="6172200" y="4444425"/>
+            <a:ext cx="1828800" cy="584775"/>
           </a:xfrm>
           <a:prstGeom prst="rect">
             <a:avLst/>
           </a:prstGeom>
-          <a:solidFill>
-            <a:schemeClr val="bg1"/>
-          </a:solidFill>
+          <a:noFill/>
           <a:ln>
-            <a:solidFill>
-              <a:schemeClr val="bg1"/>
-            </a:solidFill>
+            <a:noFill/>
           </a:ln>
         </p:spPr>
         <p:txBody>
@@ -4099,14 +4119,863 @@
           </a:bodyPr>
           <a:lstStyle/>
           <a:p>
+            <a:pPr algn="ctr"/>
             <a:r>
-              <a:rPr lang="en-US" dirty="0" smtClean="0"/>
-              <a:t>1</a:t>
+              <a:rPr lang="en-US" sz="1600" dirty="0" smtClean="0"/>
+              <a:t>Acquisition and Checkout</a:t>
             </a:r>
-            <a:endParaRPr lang="en-US" dirty="0"/>
+            <a:endParaRPr lang="en-US" sz="1600" dirty="0"/>
           </a:p>
         </p:txBody>
       </p:sp>
+      <p:grpSp>
+        <p:nvGrpSpPr>
+          <p:cNvPr id="204" name="Group 203"/>
+          <p:cNvGrpSpPr/>
+          <p:nvPr/>
+        </p:nvGrpSpPr>
+        <p:grpSpPr>
+          <a:xfrm>
+            <a:off x="5334000" y="5358825"/>
+            <a:ext cx="1295400" cy="965775"/>
+            <a:chOff x="5042336" y="5257800"/>
+            <a:chExt cx="1295400" cy="965775"/>
+          </a:xfrm>
+        </p:grpSpPr>
+        <p:sp>
+          <p:nvSpPr>
+            <p:cNvPr id="11" name="TextBox 10"/>
+            <p:cNvSpPr txBox="1"/>
+            <p:nvPr/>
+          </p:nvSpPr>
+          <p:spPr>
+            <a:xfrm>
+              <a:off x="5042336" y="5638800"/>
+              <a:ext cx="1295400" cy="584775"/>
+            </a:xfrm>
+            <a:prstGeom prst="rect">
+              <a:avLst/>
+            </a:prstGeom>
+            <a:noFill/>
+            <a:ln>
+              <a:noFill/>
+            </a:ln>
+          </p:spPr>
+          <p:txBody>
+            <a:bodyPr wrap="square" rtlCol="0">
+              <a:spAutoFit/>
+            </a:bodyPr>
+            <a:lstStyle/>
+            <a:p>
+              <a:pPr algn="ctr"/>
+              <a:r>
+                <a:rPr lang="en-US" sz="1600" dirty="0" smtClean="0"/>
+                <a:t>Launch and Ejection</a:t>
+              </a:r>
+              <a:endParaRPr lang="en-US" sz="1600" dirty="0"/>
+            </a:p>
+          </p:txBody>
+        </p:sp>
+        <p:sp>
+          <p:nvSpPr>
+            <p:cNvPr id="30" name="Rectangle 29"/>
+            <p:cNvSpPr/>
+            <p:nvPr/>
+          </p:nvSpPr>
+          <p:spPr>
+            <a:xfrm>
+              <a:off x="5486400" y="5257800"/>
+              <a:ext cx="152400" cy="304800"/>
+            </a:xfrm>
+            <a:prstGeom prst="rect">
+              <a:avLst/>
+            </a:prstGeom>
+            <a:solidFill>
+              <a:schemeClr val="accent6"/>
+            </a:solidFill>
+            <a:ln>
+              <a:solidFill>
+                <a:schemeClr val="accent6"/>
+              </a:solidFill>
+            </a:ln>
+          </p:spPr>
+          <p:style>
+            <a:lnRef idx="2">
+              <a:schemeClr val="accent1">
+                <a:shade val="50000"/>
+              </a:schemeClr>
+            </a:lnRef>
+            <a:fillRef idx="1">
+              <a:schemeClr val="accent1"/>
+            </a:fillRef>
+            <a:effectRef idx="0">
+              <a:schemeClr val="accent1"/>
+            </a:effectRef>
+            <a:fontRef idx="minor">
+              <a:schemeClr val="lt1"/>
+            </a:fontRef>
+          </p:style>
+          <p:txBody>
+            <a:bodyPr rtlCol="0" anchor="ctr"/>
+            <a:lstStyle/>
+            <a:p>
+              <a:pPr algn="ctr"/>
+              <a:endParaRPr lang="en-US"/>
+            </a:p>
+          </p:txBody>
+        </p:sp>
+        <p:sp>
+          <p:nvSpPr>
+            <p:cNvPr id="31" name="Rectangle 30"/>
+            <p:cNvSpPr/>
+            <p:nvPr/>
+          </p:nvSpPr>
+          <p:spPr>
+            <a:xfrm>
+              <a:off x="5715000" y="5257800"/>
+              <a:ext cx="152400" cy="304800"/>
+            </a:xfrm>
+            <a:prstGeom prst="rect">
+              <a:avLst/>
+            </a:prstGeom>
+            <a:solidFill>
+              <a:schemeClr val="accent4"/>
+            </a:solidFill>
+            <a:ln>
+              <a:solidFill>
+                <a:schemeClr val="accent4"/>
+              </a:solidFill>
+            </a:ln>
+          </p:spPr>
+          <p:style>
+            <a:lnRef idx="2">
+              <a:schemeClr val="accent1">
+                <a:shade val="50000"/>
+              </a:schemeClr>
+            </a:lnRef>
+            <a:fillRef idx="1">
+              <a:schemeClr val="accent1"/>
+            </a:fillRef>
+            <a:effectRef idx="0">
+              <a:schemeClr val="accent1"/>
+            </a:effectRef>
+            <a:fontRef idx="minor">
+              <a:schemeClr val="lt1"/>
+            </a:fontRef>
+          </p:style>
+          <p:txBody>
+            <a:bodyPr rtlCol="0" anchor="ctr"/>
+            <a:lstStyle/>
+            <a:p>
+              <a:pPr algn="ctr"/>
+              <a:endParaRPr lang="en-US"/>
+            </a:p>
+          </p:txBody>
+        </p:sp>
+      </p:grpSp>
+      <p:grpSp>
+        <p:nvGrpSpPr>
+          <p:cNvPr id="216" name="Group 215"/>
+          <p:cNvGrpSpPr/>
+          <p:nvPr/>
+        </p:nvGrpSpPr>
+        <p:grpSpPr>
+          <a:xfrm>
+            <a:off x="3285123" y="6188770"/>
+            <a:ext cx="1524000" cy="663879"/>
+            <a:chOff x="3381375" y="5827825"/>
+            <a:chExt cx="1524000" cy="663879"/>
+          </a:xfrm>
+        </p:grpSpPr>
+        <p:sp>
+          <p:nvSpPr>
+            <p:cNvPr id="14" name="TextBox 13"/>
+            <p:cNvSpPr txBox="1"/>
+            <p:nvPr/>
+          </p:nvSpPr>
+          <p:spPr>
+            <a:xfrm>
+              <a:off x="3381375" y="6153150"/>
+              <a:ext cx="1524000" cy="338554"/>
+            </a:xfrm>
+            <a:prstGeom prst="rect">
+              <a:avLst/>
+            </a:prstGeom>
+            <a:noFill/>
+            <a:ln>
+              <a:noFill/>
+            </a:ln>
+          </p:spPr>
+          <p:txBody>
+            <a:bodyPr wrap="square" rtlCol="0">
+              <a:spAutoFit/>
+            </a:bodyPr>
+            <a:lstStyle/>
+            <a:p>
+              <a:r>
+                <a:rPr lang="en-US" sz="1600" dirty="0" smtClean="0"/>
+                <a:t>Separation</a:t>
+              </a:r>
+              <a:endParaRPr lang="en-US" sz="1600" dirty="0"/>
+            </a:p>
+          </p:txBody>
+        </p:sp>
+        <p:grpSp>
+          <p:nvGrpSpPr>
+            <p:cNvPr id="190" name="Group 189"/>
+            <p:cNvGrpSpPr/>
+            <p:nvPr/>
+          </p:nvGrpSpPr>
+          <p:grpSpPr>
+            <a:xfrm>
+              <a:off x="3628900" y="5827825"/>
+              <a:ext cx="533400" cy="304800"/>
+              <a:chOff x="3581400" y="6172200"/>
+              <a:chExt cx="533400" cy="304800"/>
+            </a:xfrm>
+          </p:grpSpPr>
+          <p:sp>
+            <p:nvSpPr>
+              <p:cNvPr id="39" name="Rectangle 38"/>
+              <p:cNvSpPr/>
+              <p:nvPr/>
+            </p:nvSpPr>
+            <p:spPr>
+              <a:xfrm>
+                <a:off x="3962400" y="6172200"/>
+                <a:ext cx="152400" cy="304800"/>
+              </a:xfrm>
+              <a:prstGeom prst="rect">
+                <a:avLst/>
+              </a:prstGeom>
+              <a:solidFill>
+                <a:schemeClr val="accent4"/>
+              </a:solidFill>
+              <a:ln>
+                <a:solidFill>
+                  <a:schemeClr val="accent4"/>
+                </a:solidFill>
+              </a:ln>
+            </p:spPr>
+            <p:style>
+              <a:lnRef idx="2">
+                <a:schemeClr val="accent1">
+                  <a:shade val="50000"/>
+                </a:schemeClr>
+              </a:lnRef>
+              <a:fillRef idx="1">
+                <a:schemeClr val="accent1"/>
+              </a:fillRef>
+              <a:effectRef idx="0">
+                <a:schemeClr val="accent1"/>
+              </a:effectRef>
+              <a:fontRef idx="minor">
+                <a:schemeClr val="lt1"/>
+              </a:fontRef>
+            </p:style>
+            <p:txBody>
+              <a:bodyPr rtlCol="0" anchor="ctr"/>
+              <a:lstStyle/>
+              <a:p>
+                <a:pPr algn="ctr"/>
+                <a:endParaRPr lang="en-US"/>
+              </a:p>
+            </p:txBody>
+          </p:sp>
+          <p:cxnSp>
+            <p:nvCxnSpPr>
+              <p:cNvPr id="40" name="Straight Connector 39"/>
+              <p:cNvCxnSpPr/>
+              <p:nvPr/>
+            </p:nvCxnSpPr>
+            <p:spPr>
+              <a:xfrm>
+                <a:off x="3733800" y="6172200"/>
+                <a:ext cx="152400" cy="0"/>
+              </a:xfrm>
+              <a:prstGeom prst="line">
+                <a:avLst/>
+              </a:prstGeom>
+              <a:ln>
+                <a:solidFill>
+                  <a:schemeClr val="tx1"/>
+                </a:solidFill>
+              </a:ln>
+            </p:spPr>
+            <p:style>
+              <a:lnRef idx="1">
+                <a:schemeClr val="accent1"/>
+              </a:lnRef>
+              <a:fillRef idx="0">
+                <a:schemeClr val="accent1"/>
+              </a:fillRef>
+              <a:effectRef idx="0">
+                <a:schemeClr val="accent1"/>
+              </a:effectRef>
+              <a:fontRef idx="minor">
+                <a:schemeClr val="tx1"/>
+              </a:fontRef>
+            </p:style>
+          </p:cxnSp>
+          <p:cxnSp>
+            <p:nvCxnSpPr>
+              <p:cNvPr id="41" name="Straight Connector 40"/>
+              <p:cNvCxnSpPr/>
+              <p:nvPr/>
+            </p:nvCxnSpPr>
+            <p:spPr>
+              <a:xfrm>
+                <a:off x="3733800" y="6400800"/>
+                <a:ext cx="76200" cy="0"/>
+              </a:xfrm>
+              <a:prstGeom prst="line">
+                <a:avLst/>
+              </a:prstGeom>
+              <a:ln>
+                <a:solidFill>
+                  <a:schemeClr val="tx1"/>
+                </a:solidFill>
+              </a:ln>
+            </p:spPr>
+            <p:style>
+              <a:lnRef idx="1">
+                <a:schemeClr val="accent1"/>
+              </a:lnRef>
+              <a:fillRef idx="0">
+                <a:schemeClr val="accent1"/>
+              </a:fillRef>
+              <a:effectRef idx="0">
+                <a:schemeClr val="accent1"/>
+              </a:effectRef>
+              <a:fontRef idx="minor">
+                <a:schemeClr val="tx1"/>
+              </a:fontRef>
+            </p:style>
+          </p:cxnSp>
+          <p:cxnSp>
+            <p:nvCxnSpPr>
+              <p:cNvPr id="42" name="Straight Connector 41"/>
+              <p:cNvCxnSpPr/>
+              <p:nvPr/>
+            </p:nvCxnSpPr>
+            <p:spPr>
+              <a:xfrm>
+                <a:off x="3733800" y="6248400"/>
+                <a:ext cx="76200" cy="0"/>
+              </a:xfrm>
+              <a:prstGeom prst="line">
+                <a:avLst/>
+              </a:prstGeom>
+              <a:ln>
+                <a:solidFill>
+                  <a:schemeClr val="tx1"/>
+                </a:solidFill>
+              </a:ln>
+            </p:spPr>
+            <p:style>
+              <a:lnRef idx="1">
+                <a:schemeClr val="accent1"/>
+              </a:lnRef>
+              <a:fillRef idx="0">
+                <a:schemeClr val="accent1"/>
+              </a:fillRef>
+              <a:effectRef idx="0">
+                <a:schemeClr val="accent1"/>
+              </a:effectRef>
+              <a:fontRef idx="minor">
+                <a:schemeClr val="tx1"/>
+              </a:fontRef>
+            </p:style>
+          </p:cxnSp>
+          <p:cxnSp>
+            <p:nvCxnSpPr>
+              <p:cNvPr id="43" name="Straight Connector 42"/>
+              <p:cNvCxnSpPr/>
+              <p:nvPr/>
+            </p:nvCxnSpPr>
+            <p:spPr>
+              <a:xfrm>
+                <a:off x="3733800" y="6324600"/>
+                <a:ext cx="152400" cy="0"/>
+              </a:xfrm>
+              <a:prstGeom prst="line">
+                <a:avLst/>
+              </a:prstGeom>
+              <a:ln>
+                <a:solidFill>
+                  <a:schemeClr val="tx1"/>
+                </a:solidFill>
+              </a:ln>
+            </p:spPr>
+            <p:style>
+              <a:lnRef idx="1">
+                <a:schemeClr val="accent1"/>
+              </a:lnRef>
+              <a:fillRef idx="0">
+                <a:schemeClr val="accent1"/>
+              </a:fillRef>
+              <a:effectRef idx="0">
+                <a:schemeClr val="accent1"/>
+              </a:effectRef>
+              <a:fontRef idx="minor">
+                <a:schemeClr val="tx1"/>
+              </a:fontRef>
+            </p:style>
+          </p:cxnSp>
+          <p:cxnSp>
+            <p:nvCxnSpPr>
+              <p:cNvPr id="44" name="Straight Connector 43"/>
+              <p:cNvCxnSpPr/>
+              <p:nvPr/>
+            </p:nvCxnSpPr>
+            <p:spPr>
+              <a:xfrm>
+                <a:off x="3733800" y="6477000"/>
+                <a:ext cx="152400" cy="0"/>
+              </a:xfrm>
+              <a:prstGeom prst="line">
+                <a:avLst/>
+              </a:prstGeom>
+              <a:ln>
+                <a:solidFill>
+                  <a:schemeClr val="tx1"/>
+                </a:solidFill>
+              </a:ln>
+            </p:spPr>
+            <p:style>
+              <a:lnRef idx="1">
+                <a:schemeClr val="accent1"/>
+              </a:lnRef>
+              <a:fillRef idx="0">
+                <a:schemeClr val="accent1"/>
+              </a:fillRef>
+              <a:effectRef idx="0">
+                <a:schemeClr val="accent1"/>
+              </a:effectRef>
+              <a:fontRef idx="minor">
+                <a:schemeClr val="tx1"/>
+              </a:fontRef>
+            </p:style>
+          </p:cxnSp>
+          <p:sp>
+            <p:nvSpPr>
+              <p:cNvPr id="38" name="Rectangle 37"/>
+              <p:cNvSpPr/>
+              <p:nvPr/>
+            </p:nvSpPr>
+            <p:spPr>
+              <a:xfrm>
+                <a:off x="3581400" y="6172200"/>
+                <a:ext cx="152400" cy="304800"/>
+              </a:xfrm>
+              <a:prstGeom prst="rect">
+                <a:avLst/>
+              </a:prstGeom>
+              <a:solidFill>
+                <a:schemeClr val="accent6"/>
+              </a:solidFill>
+              <a:ln>
+                <a:solidFill>
+                  <a:schemeClr val="accent6"/>
+                </a:solidFill>
+              </a:ln>
+            </p:spPr>
+            <p:style>
+              <a:lnRef idx="2">
+                <a:schemeClr val="accent1">
+                  <a:shade val="50000"/>
+                </a:schemeClr>
+              </a:lnRef>
+              <a:fillRef idx="1">
+                <a:schemeClr val="accent1"/>
+              </a:fillRef>
+              <a:effectRef idx="0">
+                <a:schemeClr val="accent1"/>
+              </a:effectRef>
+              <a:fontRef idx="minor">
+                <a:schemeClr val="lt1"/>
+              </a:fontRef>
+            </p:style>
+            <p:txBody>
+              <a:bodyPr rtlCol="0" anchor="ctr"/>
+              <a:lstStyle/>
+              <a:p>
+                <a:pPr algn="ctr"/>
+                <a:endParaRPr lang="en-US"/>
+              </a:p>
+            </p:txBody>
+          </p:sp>
+        </p:grpSp>
+      </p:grpSp>
+      <p:grpSp>
+        <p:nvGrpSpPr>
+          <p:cNvPr id="221" name="Group 220"/>
+          <p:cNvGrpSpPr/>
+          <p:nvPr/>
+        </p:nvGrpSpPr>
+        <p:grpSpPr>
+          <a:xfrm>
+            <a:off x="3473028" y="5273853"/>
+            <a:ext cx="1524000" cy="777700"/>
+            <a:chOff x="3617406" y="4912908"/>
+            <a:chExt cx="1524000" cy="777700"/>
+          </a:xfrm>
+        </p:grpSpPr>
+        <p:sp>
+          <p:nvSpPr>
+            <p:cNvPr id="13" name="TextBox 12"/>
+            <p:cNvSpPr txBox="1"/>
+            <p:nvPr/>
+          </p:nvSpPr>
+          <p:spPr>
+            <a:xfrm>
+              <a:off x="3617406" y="5352054"/>
+              <a:ext cx="1524000" cy="338554"/>
+            </a:xfrm>
+            <a:prstGeom prst="rect">
+              <a:avLst/>
+            </a:prstGeom>
+            <a:noFill/>
+            <a:ln>
+              <a:noFill/>
+            </a:ln>
+          </p:spPr>
+          <p:txBody>
+            <a:bodyPr wrap="square" rtlCol="0">
+              <a:spAutoFit/>
+            </a:bodyPr>
+            <a:lstStyle/>
+            <a:p>
+              <a:r>
+                <a:rPr lang="en-US" sz="1600" dirty="0" smtClean="0"/>
+                <a:t>ISK Maneuver</a:t>
+              </a:r>
+              <a:endParaRPr lang="en-US" sz="1600" dirty="0"/>
+            </a:p>
+          </p:txBody>
+        </p:sp>
+        <p:grpSp>
+          <p:nvGrpSpPr>
+            <p:cNvPr id="192" name="Group 191"/>
+            <p:cNvGrpSpPr/>
+            <p:nvPr/>
+          </p:nvGrpSpPr>
+          <p:grpSpPr>
+            <a:xfrm>
+              <a:off x="3889290" y="4912908"/>
+              <a:ext cx="685800" cy="457200"/>
+              <a:chOff x="3810000" y="5029200"/>
+              <a:chExt cx="685800" cy="457200"/>
+            </a:xfrm>
+          </p:grpSpPr>
+          <p:sp>
+            <p:nvSpPr>
+              <p:cNvPr id="45" name="Rectangle 44"/>
+              <p:cNvSpPr/>
+              <p:nvPr/>
+            </p:nvSpPr>
+            <p:spPr>
+              <a:xfrm>
+                <a:off x="4343400" y="5105400"/>
+                <a:ext cx="152400" cy="304800"/>
+              </a:xfrm>
+              <a:prstGeom prst="rect">
+                <a:avLst/>
+              </a:prstGeom>
+              <a:solidFill>
+                <a:schemeClr val="accent4"/>
+              </a:solidFill>
+              <a:ln>
+                <a:solidFill>
+                  <a:schemeClr val="accent4"/>
+                </a:solidFill>
+              </a:ln>
+            </p:spPr>
+            <p:style>
+              <a:lnRef idx="2">
+                <a:schemeClr val="accent1">
+                  <a:shade val="50000"/>
+                </a:schemeClr>
+              </a:lnRef>
+              <a:fillRef idx="1">
+                <a:schemeClr val="accent1"/>
+              </a:fillRef>
+              <a:effectRef idx="0">
+                <a:schemeClr val="accent1"/>
+              </a:effectRef>
+              <a:fontRef idx="minor">
+                <a:schemeClr val="lt1"/>
+              </a:fontRef>
+            </p:style>
+            <p:txBody>
+              <a:bodyPr rtlCol="0" anchor="ctr"/>
+              <a:lstStyle/>
+              <a:p>
+                <a:pPr algn="ctr"/>
+                <a:endParaRPr lang="en-US"/>
+              </a:p>
+            </p:txBody>
+          </p:sp>
+          <p:cxnSp>
+            <p:nvCxnSpPr>
+              <p:cNvPr id="46" name="Straight Connector 45"/>
+              <p:cNvCxnSpPr/>
+              <p:nvPr/>
+            </p:nvCxnSpPr>
+            <p:spPr>
+              <a:xfrm>
+                <a:off x="3810000" y="5105400"/>
+                <a:ext cx="152400" cy="0"/>
+              </a:xfrm>
+              <a:prstGeom prst="line">
+                <a:avLst/>
+              </a:prstGeom>
+              <a:ln>
+                <a:solidFill>
+                  <a:schemeClr val="tx1"/>
+                </a:solidFill>
+              </a:ln>
+            </p:spPr>
+            <p:style>
+              <a:lnRef idx="1">
+                <a:schemeClr val="accent1"/>
+              </a:lnRef>
+              <a:fillRef idx="0">
+                <a:schemeClr val="accent1"/>
+              </a:fillRef>
+              <a:effectRef idx="0">
+                <a:schemeClr val="accent1"/>
+              </a:effectRef>
+              <a:fontRef idx="minor">
+                <a:schemeClr val="tx1"/>
+              </a:fontRef>
+            </p:style>
+          </p:cxnSp>
+          <p:cxnSp>
+            <p:nvCxnSpPr>
+              <p:cNvPr id="47" name="Straight Connector 46"/>
+              <p:cNvCxnSpPr/>
+              <p:nvPr/>
+            </p:nvCxnSpPr>
+            <p:spPr>
+              <a:xfrm>
+                <a:off x="3810000" y="5029200"/>
+                <a:ext cx="152400" cy="76200"/>
+              </a:xfrm>
+              <a:prstGeom prst="line">
+                <a:avLst/>
+              </a:prstGeom>
+              <a:ln>
+                <a:solidFill>
+                  <a:schemeClr val="tx1"/>
+                </a:solidFill>
+              </a:ln>
+            </p:spPr>
+            <p:style>
+              <a:lnRef idx="1">
+                <a:schemeClr val="accent1"/>
+              </a:lnRef>
+              <a:fillRef idx="0">
+                <a:schemeClr val="accent1"/>
+              </a:fillRef>
+              <a:effectRef idx="0">
+                <a:schemeClr val="accent1"/>
+              </a:effectRef>
+              <a:fontRef idx="minor">
+                <a:schemeClr val="tx1"/>
+              </a:fontRef>
+            </p:style>
+          </p:cxnSp>
+          <p:cxnSp>
+            <p:nvCxnSpPr>
+              <p:cNvPr id="48" name="Straight Connector 47"/>
+              <p:cNvCxnSpPr/>
+              <p:nvPr/>
+            </p:nvCxnSpPr>
+            <p:spPr>
+              <a:xfrm flipV="1">
+                <a:off x="3810000" y="5105400"/>
+                <a:ext cx="152400" cy="76200"/>
+              </a:xfrm>
+              <a:prstGeom prst="line">
+                <a:avLst/>
+              </a:prstGeom>
+              <a:ln>
+                <a:solidFill>
+                  <a:schemeClr val="tx1"/>
+                </a:solidFill>
+              </a:ln>
+            </p:spPr>
+            <p:style>
+              <a:lnRef idx="1">
+                <a:schemeClr val="accent1"/>
+              </a:lnRef>
+              <a:fillRef idx="0">
+                <a:schemeClr val="accent1"/>
+              </a:fillRef>
+              <a:effectRef idx="0">
+                <a:schemeClr val="accent1"/>
+              </a:effectRef>
+              <a:fontRef idx="minor">
+                <a:schemeClr val="tx1"/>
+              </a:fontRef>
+            </p:style>
+          </p:cxnSp>
+          <p:cxnSp>
+            <p:nvCxnSpPr>
+              <p:cNvPr id="49" name="Straight Connector 48"/>
+              <p:cNvCxnSpPr/>
+              <p:nvPr/>
+            </p:nvCxnSpPr>
+            <p:spPr>
+              <a:xfrm>
+                <a:off x="3810000" y="5410200"/>
+                <a:ext cx="152400" cy="0"/>
+              </a:xfrm>
+              <a:prstGeom prst="line">
+                <a:avLst/>
+              </a:prstGeom>
+              <a:ln>
+                <a:solidFill>
+                  <a:schemeClr val="tx1"/>
+                </a:solidFill>
+              </a:ln>
+            </p:spPr>
+            <p:style>
+              <a:lnRef idx="1">
+                <a:schemeClr val="accent1"/>
+              </a:lnRef>
+              <a:fillRef idx="0">
+                <a:schemeClr val="accent1"/>
+              </a:fillRef>
+              <a:effectRef idx="0">
+                <a:schemeClr val="accent1"/>
+              </a:effectRef>
+              <a:fontRef idx="minor">
+                <a:schemeClr val="tx1"/>
+              </a:fontRef>
+            </p:style>
+          </p:cxnSp>
+          <p:cxnSp>
+            <p:nvCxnSpPr>
+              <p:cNvPr id="50" name="Straight Connector 49"/>
+              <p:cNvCxnSpPr/>
+              <p:nvPr/>
+            </p:nvCxnSpPr>
+            <p:spPr>
+              <a:xfrm>
+                <a:off x="3810000" y="5334000"/>
+                <a:ext cx="152400" cy="76200"/>
+              </a:xfrm>
+              <a:prstGeom prst="line">
+                <a:avLst/>
+              </a:prstGeom>
+              <a:ln>
+                <a:solidFill>
+                  <a:schemeClr val="tx1"/>
+                </a:solidFill>
+              </a:ln>
+            </p:spPr>
+            <p:style>
+              <a:lnRef idx="1">
+                <a:schemeClr val="accent1"/>
+              </a:lnRef>
+              <a:fillRef idx="0">
+                <a:schemeClr val="accent1"/>
+              </a:fillRef>
+              <a:effectRef idx="0">
+                <a:schemeClr val="accent1"/>
+              </a:effectRef>
+              <a:fontRef idx="minor">
+                <a:schemeClr val="tx1"/>
+              </a:fontRef>
+            </p:style>
+          </p:cxnSp>
+          <p:cxnSp>
+            <p:nvCxnSpPr>
+              <p:cNvPr id="51" name="Straight Connector 50"/>
+              <p:cNvCxnSpPr/>
+              <p:nvPr/>
+            </p:nvCxnSpPr>
+            <p:spPr>
+              <a:xfrm flipV="1">
+                <a:off x="3810000" y="5410200"/>
+                <a:ext cx="152400" cy="76200"/>
+              </a:xfrm>
+              <a:prstGeom prst="line">
+                <a:avLst/>
+              </a:prstGeom>
+              <a:ln>
+                <a:solidFill>
+                  <a:schemeClr val="tx1"/>
+                </a:solidFill>
+              </a:ln>
+            </p:spPr>
+            <p:style>
+              <a:lnRef idx="1">
+                <a:schemeClr val="accent1"/>
+              </a:lnRef>
+              <a:fillRef idx="0">
+                <a:schemeClr val="accent1"/>
+              </a:fillRef>
+              <a:effectRef idx="0">
+                <a:schemeClr val="accent1"/>
+              </a:effectRef>
+              <a:fontRef idx="minor">
+                <a:schemeClr val="tx1"/>
+              </a:fontRef>
+            </p:style>
+          </p:cxnSp>
+          <p:sp>
+            <p:nvSpPr>
+              <p:cNvPr id="52" name="Rectangle 51"/>
+              <p:cNvSpPr/>
+              <p:nvPr/>
+            </p:nvSpPr>
+            <p:spPr>
+              <a:xfrm>
+                <a:off x="3962400" y="5105400"/>
+                <a:ext cx="152400" cy="304800"/>
+              </a:xfrm>
+              <a:prstGeom prst="rect">
+                <a:avLst/>
+              </a:prstGeom>
+              <a:solidFill>
+                <a:schemeClr val="accent6"/>
+              </a:solidFill>
+              <a:ln>
+                <a:solidFill>
+                  <a:schemeClr val="accent6"/>
+                </a:solidFill>
+              </a:ln>
+            </p:spPr>
+            <p:style>
+              <a:lnRef idx="2">
+                <a:schemeClr val="accent1">
+                  <a:shade val="50000"/>
+                </a:schemeClr>
+              </a:lnRef>
+              <a:fillRef idx="1">
+                <a:schemeClr val="accent1"/>
+              </a:fillRef>
+              <a:effectRef idx="0">
+                <a:schemeClr val="accent1"/>
+              </a:effectRef>
+              <a:fontRef idx="minor">
+                <a:schemeClr val="lt1"/>
+              </a:fontRef>
+            </p:style>
+            <p:txBody>
+              <a:bodyPr rtlCol="0" anchor="ctr"/>
+              <a:lstStyle/>
+              <a:p>
+                <a:pPr algn="ctr"/>
+                <a:endParaRPr lang="en-US"/>
+              </a:p>
+            </p:txBody>
+          </p:sp>
+        </p:grpSp>
+      </p:grpSp>
       <p:sp>
         <p:nvSpPr>
           <p:cNvPr id="12" name="TextBox 11"/>
@@ -4115,19 +4984,15 @@
         </p:nvSpPr>
         <p:spPr>
           <a:xfrm>
-            <a:off x="4724400" y="3657600"/>
-            <a:ext cx="304800" cy="369332"/>
+            <a:off x="3922797" y="4894344"/>
+            <a:ext cx="1676400" cy="338554"/>
           </a:xfrm>
           <a:prstGeom prst="rect">
             <a:avLst/>
           </a:prstGeom>
-          <a:solidFill>
-            <a:schemeClr val="bg1"/>
-          </a:solidFill>
+          <a:noFill/>
           <a:ln>
-            <a:solidFill>
-              <a:schemeClr val="bg1"/>
-            </a:solidFill>
+            <a:noFill/>
           </a:ln>
         </p:spPr>
         <p:txBody>
@@ -4137,235 +5002,170 @@
           <a:lstStyle/>
           <a:p>
             <a:r>
-              <a:rPr lang="en-US" dirty="0" smtClean="0"/>
-              <a:t>5</a:t>
+              <a:rPr lang="en-US" sz="1600" dirty="0" smtClean="0"/>
+              <a:t>ISK Verification</a:t>
             </a:r>
-            <a:endParaRPr lang="en-US" dirty="0"/>
+            <a:endParaRPr lang="en-US" sz="1600" dirty="0"/>
           </a:p>
         </p:txBody>
       </p:sp>
-      <p:sp>
-        <p:nvSpPr>
-          <p:cNvPr id="13" name="TextBox 12"/>
-          <p:cNvSpPr txBox="1"/>
+      <p:grpSp>
+        <p:nvGrpSpPr>
+          <p:cNvPr id="189" name="Group 188"/>
+          <p:cNvGrpSpPr/>
           <p:nvPr/>
-        </p:nvSpPr>
-        <p:spPr>
+        </p:nvGrpSpPr>
+        <p:grpSpPr>
           <a:xfrm>
-            <a:off x="3962400" y="4648200"/>
-            <a:ext cx="304800" cy="369332"/>
+            <a:off x="4290863" y="4286024"/>
+            <a:ext cx="457200" cy="609600"/>
+            <a:chOff x="4379025" y="4038600"/>
+            <a:chExt cx="457200" cy="609600"/>
           </a:xfrm>
-          <a:prstGeom prst="rect">
-            <a:avLst/>
-          </a:prstGeom>
-          <a:solidFill>
-            <a:schemeClr val="bg1"/>
-          </a:solidFill>
-          <a:ln>
+        </p:grpSpPr>
+        <p:sp>
+          <p:nvSpPr>
+            <p:cNvPr id="53" name="Arc 52"/>
+            <p:cNvSpPr/>
+            <p:nvPr/>
+          </p:nvSpPr>
+          <p:spPr>
+            <a:xfrm>
+              <a:off x="4379025" y="4114800"/>
+              <a:ext cx="457200" cy="457200"/>
+            </a:xfrm>
+            <a:prstGeom prst="arc">
+              <a:avLst>
+                <a:gd name="adj1" fmla="val 9532380"/>
+                <a:gd name="adj2" fmla="val 6294069"/>
+              </a:avLst>
+            </a:prstGeom>
+            <a:ln>
+              <a:solidFill>
+                <a:schemeClr val="tx1"/>
+              </a:solidFill>
+            </a:ln>
+          </p:spPr>
+          <p:style>
+            <a:lnRef idx="1">
+              <a:schemeClr val="accent1"/>
+            </a:lnRef>
+            <a:fillRef idx="0">
+              <a:schemeClr val="accent1"/>
+            </a:fillRef>
+            <a:effectRef idx="0">
+              <a:schemeClr val="accent1"/>
+            </a:effectRef>
+            <a:fontRef idx="minor">
+              <a:schemeClr val="tx1"/>
+            </a:fontRef>
+          </p:style>
+          <p:txBody>
+            <a:bodyPr rtlCol="0" anchor="ctr"/>
+            <a:lstStyle/>
+            <a:p>
+              <a:pPr algn="ctr"/>
+              <a:endParaRPr lang="en-US"/>
+            </a:p>
+          </p:txBody>
+        </p:sp>
+        <p:sp>
+          <p:nvSpPr>
+            <p:cNvPr id="54" name="Rectangle 53"/>
+            <p:cNvSpPr/>
+            <p:nvPr/>
+          </p:nvSpPr>
+          <p:spPr>
+            <a:xfrm>
+              <a:off x="4419600" y="4343400"/>
+              <a:ext cx="152400" cy="304800"/>
+            </a:xfrm>
+            <a:prstGeom prst="rect">
+              <a:avLst/>
+            </a:prstGeom>
             <a:solidFill>
-              <a:schemeClr val="bg1"/>
+              <a:schemeClr val="accent6"/>
             </a:solidFill>
-          </a:ln>
-        </p:spPr>
-        <p:txBody>
-          <a:bodyPr wrap="square" rtlCol="0">
-            <a:spAutoFit/>
-          </a:bodyPr>
-          <a:lstStyle/>
-          <a:p>
-            <a:r>
-              <a:rPr lang="en-US" dirty="0" smtClean="0"/>
-              <a:t>4</a:t>
-            </a:r>
-            <a:endParaRPr lang="en-US" dirty="0"/>
-          </a:p>
-        </p:txBody>
-      </p:sp>
-      <p:sp>
-        <p:nvSpPr>
-          <p:cNvPr id="14" name="TextBox 13"/>
-          <p:cNvSpPr txBox="1"/>
-          <p:nvPr/>
-        </p:nvSpPr>
-        <p:spPr>
-          <a:xfrm>
-            <a:off x="3429000" y="5791200"/>
-            <a:ext cx="304800" cy="369332"/>
-          </a:xfrm>
-          <a:prstGeom prst="rect">
-            <a:avLst/>
-          </a:prstGeom>
-          <a:solidFill>
-            <a:schemeClr val="bg1"/>
-          </a:solidFill>
-          <a:ln>
+            <a:ln>
+              <a:solidFill>
+                <a:schemeClr val="accent6"/>
+              </a:solidFill>
+            </a:ln>
+          </p:spPr>
+          <p:style>
+            <a:lnRef idx="2">
+              <a:schemeClr val="accent1">
+                <a:shade val="50000"/>
+              </a:schemeClr>
+            </a:lnRef>
+            <a:fillRef idx="1">
+              <a:schemeClr val="accent1"/>
+            </a:fillRef>
+            <a:effectRef idx="0">
+              <a:schemeClr val="accent1"/>
+            </a:effectRef>
+            <a:fontRef idx="minor">
+              <a:schemeClr val="lt1"/>
+            </a:fontRef>
+          </p:style>
+          <p:txBody>
+            <a:bodyPr rtlCol="0" anchor="ctr"/>
+            <a:lstStyle/>
+            <a:p>
+              <a:pPr algn="ctr"/>
+              <a:endParaRPr lang="en-US"/>
+            </a:p>
+          </p:txBody>
+        </p:sp>
+        <p:sp>
+          <p:nvSpPr>
+            <p:cNvPr id="55" name="Rectangle 54"/>
+            <p:cNvSpPr/>
+            <p:nvPr/>
+          </p:nvSpPr>
+          <p:spPr>
+            <a:xfrm>
+              <a:off x="4648200" y="4038600"/>
+              <a:ext cx="76200" cy="228600"/>
+            </a:xfrm>
+            <a:prstGeom prst="rect">
+              <a:avLst/>
+            </a:prstGeom>
             <a:solidFill>
-              <a:schemeClr val="bg1"/>
+              <a:schemeClr val="accent4"/>
             </a:solidFill>
-          </a:ln>
-        </p:spPr>
-        <p:txBody>
-          <a:bodyPr wrap="square" rtlCol="0">
-            <a:spAutoFit/>
-          </a:bodyPr>
-          <a:lstStyle/>
-          <a:p>
-            <a:r>
-              <a:rPr lang="en-US" dirty="0" smtClean="0"/>
-              <a:t>3</a:t>
-            </a:r>
-            <a:endParaRPr lang="en-US" dirty="0"/>
-          </a:p>
-        </p:txBody>
-      </p:sp>
-      <p:sp>
-        <p:nvSpPr>
-          <p:cNvPr id="15" name="TextBox 14"/>
-          <p:cNvSpPr txBox="1"/>
-          <p:nvPr/>
-        </p:nvSpPr>
-        <p:spPr>
-          <a:xfrm>
-            <a:off x="7772400" y="3352800"/>
-            <a:ext cx="304800" cy="369332"/>
-          </a:xfrm>
-          <a:prstGeom prst="rect">
-            <a:avLst/>
-          </a:prstGeom>
-          <a:solidFill>
-            <a:schemeClr val="bg1"/>
-          </a:solidFill>
-          <a:ln>
-            <a:solidFill>
-              <a:schemeClr val="bg1"/>
-            </a:solidFill>
-          </a:ln>
-        </p:spPr>
-        <p:txBody>
-          <a:bodyPr wrap="square" rtlCol="0">
-            <a:spAutoFit/>
-          </a:bodyPr>
-          <a:lstStyle/>
-          <a:p>
-            <a:r>
-              <a:rPr lang="en-US" dirty="0" smtClean="0"/>
-              <a:t>2</a:t>
-            </a:r>
-            <a:endParaRPr lang="en-US" dirty="0"/>
-          </a:p>
-        </p:txBody>
-      </p:sp>
-      <p:sp>
-        <p:nvSpPr>
-          <p:cNvPr id="16" name="TextBox 15"/>
-          <p:cNvSpPr txBox="1"/>
-          <p:nvPr/>
-        </p:nvSpPr>
-        <p:spPr>
-          <a:xfrm>
-            <a:off x="8839200" y="1295400"/>
-            <a:ext cx="304800" cy="369332"/>
-          </a:xfrm>
-          <a:prstGeom prst="rect">
-            <a:avLst/>
-          </a:prstGeom>
-          <a:solidFill>
-            <a:schemeClr val="bg1"/>
-          </a:solidFill>
-          <a:ln>
-            <a:solidFill>
-              <a:schemeClr val="bg1"/>
-            </a:solidFill>
-          </a:ln>
-        </p:spPr>
-        <p:txBody>
-          <a:bodyPr wrap="square" rtlCol="0">
-            <a:spAutoFit/>
-          </a:bodyPr>
-          <a:lstStyle/>
-          <a:p>
-            <a:r>
-              <a:rPr lang="en-US" dirty="0" smtClean="0"/>
-              <a:t>9</a:t>
-            </a:r>
-            <a:endParaRPr lang="en-US" dirty="0"/>
-          </a:p>
-        </p:txBody>
-      </p:sp>
-      <p:sp>
-        <p:nvSpPr>
-          <p:cNvPr id="17" name="TextBox 16"/>
-          <p:cNvSpPr txBox="1"/>
-          <p:nvPr/>
-        </p:nvSpPr>
-        <p:spPr>
-          <a:xfrm>
-            <a:off x="7620000" y="1600200"/>
-            <a:ext cx="304800" cy="369332"/>
-          </a:xfrm>
-          <a:prstGeom prst="rect">
-            <a:avLst/>
-          </a:prstGeom>
-          <a:solidFill>
-            <a:schemeClr val="bg1"/>
-          </a:solidFill>
-          <a:ln>
-            <a:solidFill>
-              <a:schemeClr val="bg1"/>
-            </a:solidFill>
-          </a:ln>
-        </p:spPr>
-        <p:txBody>
-          <a:bodyPr wrap="square" rtlCol="0">
-            <a:spAutoFit/>
-          </a:bodyPr>
-          <a:lstStyle/>
-          <a:p>
-            <a:r>
-              <a:rPr lang="en-US" dirty="0" smtClean="0"/>
-              <a:t>8</a:t>
-            </a:r>
-            <a:endParaRPr lang="en-US" dirty="0"/>
-          </a:p>
-        </p:txBody>
-      </p:sp>
-      <p:sp>
-        <p:nvSpPr>
-          <p:cNvPr id="18" name="TextBox 17"/>
-          <p:cNvSpPr txBox="1"/>
-          <p:nvPr/>
-        </p:nvSpPr>
-        <p:spPr>
-          <a:xfrm>
-            <a:off x="6553200" y="2133600"/>
-            <a:ext cx="304800" cy="369332"/>
-          </a:xfrm>
-          <a:prstGeom prst="rect">
-            <a:avLst/>
-          </a:prstGeom>
-          <a:solidFill>
-            <a:schemeClr val="bg1"/>
-          </a:solidFill>
-          <a:ln>
-            <a:solidFill>
-              <a:schemeClr val="bg1"/>
-            </a:solidFill>
-          </a:ln>
-        </p:spPr>
-        <p:txBody>
-          <a:bodyPr wrap="square" rtlCol="0">
-            <a:spAutoFit/>
-          </a:bodyPr>
-          <a:lstStyle/>
-          <a:p>
-            <a:r>
-              <a:rPr lang="en-US" dirty="0"/>
-              <a:t>7</a:t>
-            </a:r>
-            <a:endParaRPr lang="en-US" dirty="0"/>
-          </a:p>
-        </p:txBody>
-      </p:sp>
+            <a:ln>
+              <a:solidFill>
+                <a:schemeClr val="accent4"/>
+              </a:solidFill>
+            </a:ln>
+          </p:spPr>
+          <p:style>
+            <a:lnRef idx="2">
+              <a:schemeClr val="accent1">
+                <a:shade val="50000"/>
+              </a:schemeClr>
+            </a:lnRef>
+            <a:fillRef idx="1">
+              <a:schemeClr val="accent1"/>
+            </a:fillRef>
+            <a:effectRef idx="0">
+              <a:schemeClr val="accent1"/>
+            </a:effectRef>
+            <a:fontRef idx="minor">
+              <a:schemeClr val="lt1"/>
+            </a:fontRef>
+          </p:style>
+          <p:txBody>
+            <a:bodyPr rtlCol="0" anchor="ctr"/>
+            <a:lstStyle/>
+            <a:p>
+              <a:pPr algn="ctr"/>
+              <a:endParaRPr lang="en-US"/>
+            </a:p>
+          </p:txBody>
+        </p:sp>
+      </p:grpSp>
       <p:sp>
         <p:nvSpPr>
           <p:cNvPr id="19" name="TextBox 18"/>
@@ -4374,19 +5174,15 @@
         </p:nvSpPr>
         <p:spPr>
           <a:xfrm>
-            <a:off x="5562600" y="2895600"/>
-            <a:ext cx="304800" cy="369332"/>
+            <a:off x="4497306" y="3631530"/>
+            <a:ext cx="1905000" cy="584775"/>
           </a:xfrm>
           <a:prstGeom prst="rect">
             <a:avLst/>
           </a:prstGeom>
-          <a:solidFill>
-            <a:schemeClr val="bg1"/>
-          </a:solidFill>
+          <a:noFill/>
           <a:ln>
-            <a:solidFill>
-              <a:schemeClr val="bg1"/>
-            </a:solidFill>
+            <a:noFill/>
           </a:ln>
         </p:spPr>
         <p:txBody>
@@ -4395,1356 +5191,12 @@
           </a:bodyPr>
           <a:lstStyle/>
           <a:p>
+            <a:pPr algn="ctr"/>
             <a:r>
-              <a:rPr lang="en-US" dirty="0"/>
-              <a:t>6</a:t>
+              <a:rPr lang="en-US" sz="1600" dirty="0" smtClean="0"/>
+              <a:t>Continued Separation and RSK</a:t>
             </a:r>
-            <a:endParaRPr lang="en-US" dirty="0"/>
-          </a:p>
-        </p:txBody>
-      </p:sp>
-      <p:sp>
-        <p:nvSpPr>
-          <p:cNvPr id="20" name="TextBox 19"/>
-          <p:cNvSpPr txBox="1"/>
-          <p:nvPr/>
-        </p:nvSpPr>
-        <p:spPr>
-          <a:xfrm>
-            <a:off x="3200400" y="2895600"/>
-            <a:ext cx="457200" cy="369332"/>
-          </a:xfrm>
-          <a:prstGeom prst="rect">
-            <a:avLst/>
-          </a:prstGeom>
-          <a:solidFill>
-            <a:schemeClr val="bg1"/>
-          </a:solidFill>
-          <a:ln>
-            <a:solidFill>
-              <a:schemeClr val="bg1"/>
-            </a:solidFill>
-          </a:ln>
-        </p:spPr>
-        <p:txBody>
-          <a:bodyPr wrap="square" rtlCol="0">
-            <a:spAutoFit/>
-          </a:bodyPr>
-          <a:lstStyle/>
-          <a:p>
-            <a:r>
-              <a:rPr lang="en-US" dirty="0" smtClean="0"/>
-              <a:t>11</a:t>
-            </a:r>
-            <a:endParaRPr lang="en-US" dirty="0"/>
-          </a:p>
-        </p:txBody>
-      </p:sp>
-      <p:sp>
-        <p:nvSpPr>
-          <p:cNvPr id="21" name="TextBox 20"/>
-          <p:cNvSpPr txBox="1"/>
-          <p:nvPr/>
-        </p:nvSpPr>
-        <p:spPr>
-          <a:xfrm>
-            <a:off x="1905000" y="4953000"/>
-            <a:ext cx="457200" cy="369332"/>
-          </a:xfrm>
-          <a:prstGeom prst="rect">
-            <a:avLst/>
-          </a:prstGeom>
-          <a:solidFill>
-            <a:schemeClr val="bg1"/>
-          </a:solidFill>
-          <a:ln>
-            <a:solidFill>
-              <a:schemeClr val="bg1"/>
-            </a:solidFill>
-          </a:ln>
-        </p:spPr>
-        <p:txBody>
-          <a:bodyPr wrap="square" rtlCol="0">
-            <a:spAutoFit/>
-          </a:bodyPr>
-          <a:lstStyle/>
-          <a:p>
-            <a:r>
-              <a:rPr lang="en-US" dirty="0" smtClean="0"/>
-              <a:t>10</a:t>
-            </a:r>
-            <a:endParaRPr lang="en-US" dirty="0"/>
-          </a:p>
-        </p:txBody>
-      </p:sp>
-      <p:sp>
-        <p:nvSpPr>
-          <p:cNvPr id="22" name="TextBox 21"/>
-          <p:cNvSpPr txBox="1"/>
-          <p:nvPr/>
-        </p:nvSpPr>
-        <p:spPr>
-          <a:xfrm>
-            <a:off x="838200" y="3429000"/>
-            <a:ext cx="457200" cy="369332"/>
-          </a:xfrm>
-          <a:prstGeom prst="rect">
-            <a:avLst/>
-          </a:prstGeom>
-          <a:solidFill>
-            <a:schemeClr val="bg1"/>
-          </a:solidFill>
-          <a:ln>
-            <a:solidFill>
-              <a:schemeClr val="bg1"/>
-            </a:solidFill>
-          </a:ln>
-        </p:spPr>
-        <p:txBody>
-          <a:bodyPr wrap="square" rtlCol="0">
-            <a:spAutoFit/>
-          </a:bodyPr>
-          <a:lstStyle/>
-          <a:p>
-            <a:r>
-              <a:rPr lang="en-US" dirty="0" smtClean="0"/>
-              <a:t>13</a:t>
-            </a:r>
-            <a:endParaRPr lang="en-US" dirty="0"/>
-          </a:p>
-        </p:txBody>
-      </p:sp>
-      <p:sp>
-        <p:nvSpPr>
-          <p:cNvPr id="23" name="TextBox 22"/>
-          <p:cNvSpPr txBox="1"/>
-          <p:nvPr/>
-        </p:nvSpPr>
-        <p:spPr>
-          <a:xfrm>
-            <a:off x="5562600" y="914400"/>
-            <a:ext cx="457200" cy="369332"/>
-          </a:xfrm>
-          <a:prstGeom prst="rect">
-            <a:avLst/>
-          </a:prstGeom>
-          <a:solidFill>
-            <a:schemeClr val="bg1"/>
-          </a:solidFill>
-          <a:ln>
-            <a:solidFill>
-              <a:schemeClr val="bg1"/>
-            </a:solidFill>
-          </a:ln>
-        </p:spPr>
-        <p:txBody>
-          <a:bodyPr wrap="square" rtlCol="0">
-            <a:spAutoFit/>
-          </a:bodyPr>
-          <a:lstStyle/>
-          <a:p>
-            <a:r>
-              <a:rPr lang="en-US" dirty="0" smtClean="0"/>
-              <a:t>12</a:t>
-            </a:r>
-            <a:endParaRPr lang="en-US" dirty="0"/>
-          </a:p>
-        </p:txBody>
-      </p:sp>
-      <p:sp>
-        <p:nvSpPr>
-          <p:cNvPr id="24" name="TextBox 23"/>
-          <p:cNvSpPr txBox="1"/>
-          <p:nvPr/>
-        </p:nvSpPr>
-        <p:spPr>
-          <a:xfrm>
-            <a:off x="1828800" y="1981200"/>
-            <a:ext cx="457200" cy="369332"/>
-          </a:xfrm>
-          <a:prstGeom prst="rect">
-            <a:avLst/>
-          </a:prstGeom>
-          <a:solidFill>
-            <a:schemeClr val="bg1"/>
-          </a:solidFill>
-          <a:ln>
-            <a:solidFill>
-              <a:schemeClr val="bg1"/>
-            </a:solidFill>
-          </a:ln>
-        </p:spPr>
-        <p:txBody>
-          <a:bodyPr wrap="square" rtlCol="0">
-            <a:spAutoFit/>
-          </a:bodyPr>
-          <a:lstStyle/>
-          <a:p>
-            <a:r>
-              <a:rPr lang="en-US" dirty="0" smtClean="0"/>
-              <a:t>14</a:t>
-            </a:r>
-            <a:endParaRPr lang="en-US" dirty="0"/>
-          </a:p>
-        </p:txBody>
-      </p:sp>
-      <p:sp>
-        <p:nvSpPr>
-          <p:cNvPr id="25" name="TextBox 24"/>
-          <p:cNvSpPr txBox="1"/>
-          <p:nvPr/>
-        </p:nvSpPr>
-        <p:spPr>
-          <a:xfrm>
-            <a:off x="3124200" y="609600"/>
-            <a:ext cx="457200" cy="369332"/>
-          </a:xfrm>
-          <a:prstGeom prst="rect">
-            <a:avLst/>
-          </a:prstGeom>
-          <a:solidFill>
-            <a:schemeClr val="bg1"/>
-          </a:solidFill>
-          <a:ln>
-            <a:solidFill>
-              <a:schemeClr val="bg1"/>
-            </a:solidFill>
-          </a:ln>
-        </p:spPr>
-        <p:txBody>
-          <a:bodyPr wrap="square" rtlCol="0">
-            <a:spAutoFit/>
-          </a:bodyPr>
-          <a:lstStyle/>
-          <a:p>
-            <a:r>
-              <a:rPr lang="en-US" dirty="0" smtClean="0"/>
-              <a:t>15</a:t>
-            </a:r>
-            <a:endParaRPr lang="en-US" dirty="0"/>
-          </a:p>
-        </p:txBody>
-      </p:sp>
-      <p:sp>
-        <p:nvSpPr>
-          <p:cNvPr id="26" name="TextBox 25"/>
-          <p:cNvSpPr txBox="1"/>
-          <p:nvPr/>
-        </p:nvSpPr>
-        <p:spPr>
-          <a:xfrm>
-            <a:off x="990600" y="381000"/>
-            <a:ext cx="457200" cy="369332"/>
-          </a:xfrm>
-          <a:prstGeom prst="rect">
-            <a:avLst/>
-          </a:prstGeom>
-          <a:solidFill>
-            <a:schemeClr val="bg1"/>
-          </a:solidFill>
-          <a:ln>
-            <a:solidFill>
-              <a:schemeClr val="bg1"/>
-            </a:solidFill>
-          </a:ln>
-        </p:spPr>
-        <p:txBody>
-          <a:bodyPr wrap="square" rtlCol="0">
-            <a:spAutoFit/>
-          </a:bodyPr>
-          <a:lstStyle/>
-          <a:p>
-            <a:r>
-              <a:rPr lang="en-US" dirty="0" smtClean="0"/>
-              <a:t>17</a:t>
-            </a:r>
-            <a:endParaRPr lang="en-US" dirty="0"/>
-          </a:p>
-        </p:txBody>
-      </p:sp>
-      <p:sp>
-        <p:nvSpPr>
-          <p:cNvPr id="27" name="TextBox 26"/>
-          <p:cNvSpPr txBox="1"/>
-          <p:nvPr/>
-        </p:nvSpPr>
-        <p:spPr>
-          <a:xfrm>
-            <a:off x="228600" y="1447800"/>
-            <a:ext cx="457200" cy="369332"/>
-          </a:xfrm>
-          <a:prstGeom prst="rect">
-            <a:avLst/>
-          </a:prstGeom>
-          <a:solidFill>
-            <a:schemeClr val="bg1"/>
-          </a:solidFill>
-          <a:ln>
-            <a:solidFill>
-              <a:schemeClr val="bg1"/>
-            </a:solidFill>
-          </a:ln>
-        </p:spPr>
-        <p:txBody>
-          <a:bodyPr wrap="square" rtlCol="0">
-            <a:spAutoFit/>
-          </a:bodyPr>
-          <a:lstStyle/>
-          <a:p>
-            <a:r>
-              <a:rPr lang="en-US" dirty="0" smtClean="0"/>
-              <a:t>16</a:t>
-            </a:r>
-            <a:endParaRPr lang="en-US" dirty="0"/>
-          </a:p>
-        </p:txBody>
-      </p:sp>
-      <p:sp>
-        <p:nvSpPr>
-          <p:cNvPr id="30" name="Rectangle 29"/>
-          <p:cNvSpPr/>
-          <p:nvPr/>
-        </p:nvSpPr>
-        <p:spPr>
-          <a:xfrm>
-            <a:off x="5486400" y="5257800"/>
-            <a:ext cx="152400" cy="304800"/>
-          </a:xfrm>
-          <a:prstGeom prst="rect">
-            <a:avLst/>
-          </a:prstGeom>
-          <a:solidFill>
-            <a:schemeClr val="accent6"/>
-          </a:solidFill>
-          <a:ln>
-            <a:solidFill>
-              <a:schemeClr val="accent6"/>
-            </a:solidFill>
-          </a:ln>
-        </p:spPr>
-        <p:style>
-          <a:lnRef idx="2">
-            <a:schemeClr val="accent1">
-              <a:shade val="50000"/>
-            </a:schemeClr>
-          </a:lnRef>
-          <a:fillRef idx="1">
-            <a:schemeClr val="accent1"/>
-          </a:fillRef>
-          <a:effectRef idx="0">
-            <a:schemeClr val="accent1"/>
-          </a:effectRef>
-          <a:fontRef idx="minor">
-            <a:schemeClr val="lt1"/>
-          </a:fontRef>
-        </p:style>
-        <p:txBody>
-          <a:bodyPr rtlCol="0" anchor="ctr"/>
-          <a:lstStyle/>
-          <a:p>
-            <a:pPr algn="ctr"/>
-            <a:endParaRPr lang="en-US"/>
-          </a:p>
-        </p:txBody>
-      </p:sp>
-      <p:sp>
-        <p:nvSpPr>
-          <p:cNvPr id="31" name="Rectangle 30"/>
-          <p:cNvSpPr/>
-          <p:nvPr/>
-        </p:nvSpPr>
-        <p:spPr>
-          <a:xfrm>
-            <a:off x="5715000" y="5257800"/>
-            <a:ext cx="152400" cy="304800"/>
-          </a:xfrm>
-          <a:prstGeom prst="rect">
-            <a:avLst/>
-          </a:prstGeom>
-          <a:solidFill>
-            <a:schemeClr val="accent4"/>
-          </a:solidFill>
-          <a:ln>
-            <a:solidFill>
-              <a:schemeClr val="accent4"/>
-            </a:solidFill>
-          </a:ln>
-        </p:spPr>
-        <p:style>
-          <a:lnRef idx="2">
-            <a:schemeClr val="accent1">
-              <a:shade val="50000"/>
-            </a:schemeClr>
-          </a:lnRef>
-          <a:fillRef idx="1">
-            <a:schemeClr val="accent1"/>
-          </a:fillRef>
-          <a:effectRef idx="0">
-            <a:schemeClr val="accent1"/>
-          </a:effectRef>
-          <a:fontRef idx="minor">
-            <a:schemeClr val="lt1"/>
-          </a:fontRef>
-        </p:style>
-        <p:txBody>
-          <a:bodyPr rtlCol="0" anchor="ctr"/>
-          <a:lstStyle/>
-          <a:p>
-            <a:pPr algn="ctr"/>
-            <a:endParaRPr lang="en-US"/>
-          </a:p>
-        </p:txBody>
-      </p:sp>
-      <p:sp>
-        <p:nvSpPr>
-          <p:cNvPr id="32" name="Rectangle 31"/>
-          <p:cNvSpPr/>
-          <p:nvPr/>
-        </p:nvSpPr>
-        <p:spPr>
-          <a:xfrm>
-            <a:off x="7391400" y="3657600"/>
-            <a:ext cx="152400" cy="304800"/>
-          </a:xfrm>
-          <a:prstGeom prst="rect">
-            <a:avLst/>
-          </a:prstGeom>
-          <a:solidFill>
-            <a:schemeClr val="accent6"/>
-          </a:solidFill>
-          <a:ln>
-            <a:solidFill>
-              <a:schemeClr val="accent6"/>
-            </a:solidFill>
-          </a:ln>
-        </p:spPr>
-        <p:style>
-          <a:lnRef idx="2">
-            <a:schemeClr val="accent1">
-              <a:shade val="50000"/>
-            </a:schemeClr>
-          </a:lnRef>
-          <a:fillRef idx="1">
-            <a:schemeClr val="accent1"/>
-          </a:fillRef>
-          <a:effectRef idx="0">
-            <a:schemeClr val="accent1"/>
-          </a:effectRef>
-          <a:fontRef idx="minor">
-            <a:schemeClr val="lt1"/>
-          </a:fontRef>
-        </p:style>
-        <p:txBody>
-          <a:bodyPr rtlCol="0" anchor="ctr"/>
-          <a:lstStyle/>
-          <a:p>
-            <a:pPr algn="ctr"/>
-            <a:endParaRPr lang="en-US"/>
-          </a:p>
-        </p:txBody>
-      </p:sp>
-      <p:sp>
-        <p:nvSpPr>
-          <p:cNvPr id="33" name="Rectangle 32"/>
-          <p:cNvSpPr/>
-          <p:nvPr/>
-        </p:nvSpPr>
-        <p:spPr>
-          <a:xfrm>
-            <a:off x="7620000" y="3657600"/>
-            <a:ext cx="152400" cy="304800"/>
-          </a:xfrm>
-          <a:prstGeom prst="rect">
-            <a:avLst/>
-          </a:prstGeom>
-          <a:solidFill>
-            <a:schemeClr val="accent4"/>
-          </a:solidFill>
-          <a:ln>
-            <a:solidFill>
-              <a:schemeClr val="accent4"/>
-            </a:solidFill>
-          </a:ln>
-        </p:spPr>
-        <p:style>
-          <a:lnRef idx="2">
-            <a:schemeClr val="accent1">
-              <a:shade val="50000"/>
-            </a:schemeClr>
-          </a:lnRef>
-          <a:fillRef idx="1">
-            <a:schemeClr val="accent1"/>
-          </a:fillRef>
-          <a:effectRef idx="0">
-            <a:schemeClr val="accent1"/>
-          </a:effectRef>
-          <a:fontRef idx="minor">
-            <a:schemeClr val="lt1"/>
-          </a:fontRef>
-        </p:style>
-        <p:txBody>
-          <a:bodyPr rtlCol="0" anchor="ctr"/>
-          <a:lstStyle/>
-          <a:p>
-            <a:pPr algn="ctr"/>
-            <a:endParaRPr lang="en-US"/>
-          </a:p>
-        </p:txBody>
-      </p:sp>
-      <p:sp>
-        <p:nvSpPr>
-          <p:cNvPr id="35" name="Arc 34"/>
-          <p:cNvSpPr/>
-          <p:nvPr/>
-        </p:nvSpPr>
-        <p:spPr>
-          <a:xfrm rot="210970">
-            <a:off x="7113779" y="3227580"/>
-            <a:ext cx="914400" cy="914400"/>
-          </a:xfrm>
-          <a:prstGeom prst="arc">
-            <a:avLst>
-              <a:gd name="adj1" fmla="val 990129"/>
-              <a:gd name="adj2" fmla="val 4845552"/>
-            </a:avLst>
-          </a:prstGeom>
-          <a:ln>
-            <a:solidFill>
-              <a:schemeClr val="tx1"/>
-            </a:solidFill>
-          </a:ln>
-        </p:spPr>
-        <p:style>
-          <a:lnRef idx="1">
-            <a:schemeClr val="accent1"/>
-          </a:lnRef>
-          <a:fillRef idx="0">
-            <a:schemeClr val="accent1"/>
-          </a:fillRef>
-          <a:effectRef idx="0">
-            <a:schemeClr val="accent1"/>
-          </a:effectRef>
-          <a:fontRef idx="minor">
-            <a:schemeClr val="tx1"/>
-          </a:fontRef>
-        </p:style>
-        <p:txBody>
-          <a:bodyPr rtlCol="0" anchor="ctr"/>
-          <a:lstStyle/>
-          <a:p>
-            <a:pPr algn="ctr"/>
-            <a:endParaRPr lang="en-US"/>
-          </a:p>
-        </p:txBody>
-      </p:sp>
-      <p:sp>
-        <p:nvSpPr>
-          <p:cNvPr id="36" name="Arc 35"/>
-          <p:cNvSpPr/>
-          <p:nvPr/>
-        </p:nvSpPr>
-        <p:spPr>
-          <a:xfrm rot="210970">
-            <a:off x="7189979" y="3303780"/>
-            <a:ext cx="914400" cy="914400"/>
-          </a:xfrm>
-          <a:prstGeom prst="arc">
-            <a:avLst>
-              <a:gd name="adj1" fmla="val 21531746"/>
-              <a:gd name="adj2" fmla="val 5723879"/>
-            </a:avLst>
-          </a:prstGeom>
-          <a:ln>
-            <a:solidFill>
-              <a:schemeClr val="tx1"/>
-            </a:solidFill>
-          </a:ln>
-        </p:spPr>
-        <p:style>
-          <a:lnRef idx="1">
-            <a:schemeClr val="accent1"/>
-          </a:lnRef>
-          <a:fillRef idx="0">
-            <a:schemeClr val="accent1"/>
-          </a:fillRef>
-          <a:effectRef idx="0">
-            <a:schemeClr val="accent1"/>
-          </a:effectRef>
-          <a:fontRef idx="minor">
-            <a:schemeClr val="tx1"/>
-          </a:fontRef>
-        </p:style>
-        <p:txBody>
-          <a:bodyPr rtlCol="0" anchor="ctr"/>
-          <a:lstStyle/>
-          <a:p>
-            <a:pPr algn="ctr"/>
-            <a:endParaRPr lang="en-US"/>
-          </a:p>
-        </p:txBody>
-      </p:sp>
-      <p:sp>
-        <p:nvSpPr>
-          <p:cNvPr id="37" name="Arc 36"/>
-          <p:cNvSpPr/>
-          <p:nvPr/>
-        </p:nvSpPr>
-        <p:spPr>
-          <a:xfrm rot="210970">
-            <a:off x="7266180" y="3379980"/>
-            <a:ext cx="914400" cy="914400"/>
-          </a:xfrm>
-          <a:prstGeom prst="arc">
-            <a:avLst>
-              <a:gd name="adj1" fmla="val 20266181"/>
-              <a:gd name="adj2" fmla="val 6377662"/>
-            </a:avLst>
-          </a:prstGeom>
-          <a:ln>
-            <a:solidFill>
-              <a:schemeClr val="tx1"/>
-            </a:solidFill>
-          </a:ln>
-        </p:spPr>
-        <p:style>
-          <a:lnRef idx="1">
-            <a:schemeClr val="accent1"/>
-          </a:lnRef>
-          <a:fillRef idx="0">
-            <a:schemeClr val="accent1"/>
-          </a:fillRef>
-          <a:effectRef idx="0">
-            <a:schemeClr val="accent1"/>
-          </a:effectRef>
-          <a:fontRef idx="minor">
-            <a:schemeClr val="tx1"/>
-          </a:fontRef>
-        </p:style>
-        <p:txBody>
-          <a:bodyPr rtlCol="0" anchor="ctr"/>
-          <a:lstStyle/>
-          <a:p>
-            <a:pPr algn="ctr"/>
-            <a:endParaRPr lang="en-US"/>
-          </a:p>
-        </p:txBody>
-      </p:sp>
-      <p:sp>
-        <p:nvSpPr>
-          <p:cNvPr id="39" name="Rectangle 38"/>
-          <p:cNvSpPr/>
-          <p:nvPr/>
-        </p:nvSpPr>
-        <p:spPr>
-          <a:xfrm>
-            <a:off x="3962400" y="6172200"/>
-            <a:ext cx="152400" cy="304800"/>
-          </a:xfrm>
-          <a:prstGeom prst="rect">
-            <a:avLst/>
-          </a:prstGeom>
-          <a:solidFill>
-            <a:schemeClr val="accent4"/>
-          </a:solidFill>
-          <a:ln>
-            <a:solidFill>
-              <a:schemeClr val="accent4"/>
-            </a:solidFill>
-          </a:ln>
-        </p:spPr>
-        <p:style>
-          <a:lnRef idx="2">
-            <a:schemeClr val="accent1">
-              <a:shade val="50000"/>
-            </a:schemeClr>
-          </a:lnRef>
-          <a:fillRef idx="1">
-            <a:schemeClr val="accent1"/>
-          </a:fillRef>
-          <a:effectRef idx="0">
-            <a:schemeClr val="accent1"/>
-          </a:effectRef>
-          <a:fontRef idx="minor">
-            <a:schemeClr val="lt1"/>
-          </a:fontRef>
-        </p:style>
-        <p:txBody>
-          <a:bodyPr rtlCol="0" anchor="ctr"/>
-          <a:lstStyle/>
-          <a:p>
-            <a:pPr algn="ctr"/>
-            <a:endParaRPr lang="en-US"/>
-          </a:p>
-        </p:txBody>
-      </p:sp>
-      <p:cxnSp>
-        <p:nvCxnSpPr>
-          <p:cNvPr id="40" name="Straight Connector 39"/>
-          <p:cNvCxnSpPr/>
-          <p:nvPr/>
-        </p:nvCxnSpPr>
-        <p:spPr>
-          <a:xfrm>
-            <a:off x="3733800" y="6172200"/>
-            <a:ext cx="152400" cy="0"/>
-          </a:xfrm>
-          <a:prstGeom prst="line">
-            <a:avLst/>
-          </a:prstGeom>
-          <a:ln>
-            <a:solidFill>
-              <a:schemeClr val="tx1"/>
-            </a:solidFill>
-          </a:ln>
-        </p:spPr>
-        <p:style>
-          <a:lnRef idx="1">
-            <a:schemeClr val="accent1"/>
-          </a:lnRef>
-          <a:fillRef idx="0">
-            <a:schemeClr val="accent1"/>
-          </a:fillRef>
-          <a:effectRef idx="0">
-            <a:schemeClr val="accent1"/>
-          </a:effectRef>
-          <a:fontRef idx="minor">
-            <a:schemeClr val="tx1"/>
-          </a:fontRef>
-        </p:style>
-      </p:cxnSp>
-      <p:cxnSp>
-        <p:nvCxnSpPr>
-          <p:cNvPr id="41" name="Straight Connector 40"/>
-          <p:cNvCxnSpPr/>
-          <p:nvPr/>
-        </p:nvCxnSpPr>
-        <p:spPr>
-          <a:xfrm>
-            <a:off x="3733800" y="6400800"/>
-            <a:ext cx="76200" cy="0"/>
-          </a:xfrm>
-          <a:prstGeom prst="line">
-            <a:avLst/>
-          </a:prstGeom>
-          <a:ln>
-            <a:solidFill>
-              <a:schemeClr val="tx1"/>
-            </a:solidFill>
-          </a:ln>
-        </p:spPr>
-        <p:style>
-          <a:lnRef idx="1">
-            <a:schemeClr val="accent1"/>
-          </a:lnRef>
-          <a:fillRef idx="0">
-            <a:schemeClr val="accent1"/>
-          </a:fillRef>
-          <a:effectRef idx="0">
-            <a:schemeClr val="accent1"/>
-          </a:effectRef>
-          <a:fontRef idx="minor">
-            <a:schemeClr val="tx1"/>
-          </a:fontRef>
-        </p:style>
-      </p:cxnSp>
-      <p:cxnSp>
-        <p:nvCxnSpPr>
-          <p:cNvPr id="42" name="Straight Connector 41"/>
-          <p:cNvCxnSpPr/>
-          <p:nvPr/>
-        </p:nvCxnSpPr>
-        <p:spPr>
-          <a:xfrm>
-            <a:off x="3733800" y="6248400"/>
-            <a:ext cx="76200" cy="0"/>
-          </a:xfrm>
-          <a:prstGeom prst="line">
-            <a:avLst/>
-          </a:prstGeom>
-          <a:ln>
-            <a:solidFill>
-              <a:schemeClr val="tx1"/>
-            </a:solidFill>
-          </a:ln>
-        </p:spPr>
-        <p:style>
-          <a:lnRef idx="1">
-            <a:schemeClr val="accent1"/>
-          </a:lnRef>
-          <a:fillRef idx="0">
-            <a:schemeClr val="accent1"/>
-          </a:fillRef>
-          <a:effectRef idx="0">
-            <a:schemeClr val="accent1"/>
-          </a:effectRef>
-          <a:fontRef idx="minor">
-            <a:schemeClr val="tx1"/>
-          </a:fontRef>
-        </p:style>
-      </p:cxnSp>
-      <p:cxnSp>
-        <p:nvCxnSpPr>
-          <p:cNvPr id="43" name="Straight Connector 42"/>
-          <p:cNvCxnSpPr/>
-          <p:nvPr/>
-        </p:nvCxnSpPr>
-        <p:spPr>
-          <a:xfrm>
-            <a:off x="3733800" y="6324600"/>
-            <a:ext cx="152400" cy="0"/>
-          </a:xfrm>
-          <a:prstGeom prst="line">
-            <a:avLst/>
-          </a:prstGeom>
-          <a:ln>
-            <a:solidFill>
-              <a:schemeClr val="tx1"/>
-            </a:solidFill>
-          </a:ln>
-        </p:spPr>
-        <p:style>
-          <a:lnRef idx="1">
-            <a:schemeClr val="accent1"/>
-          </a:lnRef>
-          <a:fillRef idx="0">
-            <a:schemeClr val="accent1"/>
-          </a:fillRef>
-          <a:effectRef idx="0">
-            <a:schemeClr val="accent1"/>
-          </a:effectRef>
-          <a:fontRef idx="minor">
-            <a:schemeClr val="tx1"/>
-          </a:fontRef>
-        </p:style>
-      </p:cxnSp>
-      <p:cxnSp>
-        <p:nvCxnSpPr>
-          <p:cNvPr id="44" name="Straight Connector 43"/>
-          <p:cNvCxnSpPr/>
-          <p:nvPr/>
-        </p:nvCxnSpPr>
-        <p:spPr>
-          <a:xfrm>
-            <a:off x="3733800" y="6477000"/>
-            <a:ext cx="152400" cy="0"/>
-          </a:xfrm>
-          <a:prstGeom prst="line">
-            <a:avLst/>
-          </a:prstGeom>
-          <a:ln>
-            <a:solidFill>
-              <a:schemeClr val="tx1"/>
-            </a:solidFill>
-          </a:ln>
-        </p:spPr>
-        <p:style>
-          <a:lnRef idx="1">
-            <a:schemeClr val="accent1"/>
-          </a:lnRef>
-          <a:fillRef idx="0">
-            <a:schemeClr val="accent1"/>
-          </a:fillRef>
-          <a:effectRef idx="0">
-            <a:schemeClr val="accent1"/>
-          </a:effectRef>
-          <a:fontRef idx="minor">
-            <a:schemeClr val="tx1"/>
-          </a:fontRef>
-        </p:style>
-      </p:cxnSp>
-      <p:sp>
-        <p:nvSpPr>
-          <p:cNvPr id="38" name="Rectangle 37"/>
-          <p:cNvSpPr/>
-          <p:nvPr/>
-        </p:nvSpPr>
-        <p:spPr>
-          <a:xfrm>
-            <a:off x="3581400" y="6172200"/>
-            <a:ext cx="152400" cy="304800"/>
-          </a:xfrm>
-          <a:prstGeom prst="rect">
-            <a:avLst/>
-          </a:prstGeom>
-          <a:solidFill>
-            <a:schemeClr val="accent6"/>
-          </a:solidFill>
-          <a:ln>
-            <a:solidFill>
-              <a:schemeClr val="accent6"/>
-            </a:solidFill>
-          </a:ln>
-        </p:spPr>
-        <p:style>
-          <a:lnRef idx="2">
-            <a:schemeClr val="accent1">
-              <a:shade val="50000"/>
-            </a:schemeClr>
-          </a:lnRef>
-          <a:fillRef idx="1">
-            <a:schemeClr val="accent1"/>
-          </a:fillRef>
-          <a:effectRef idx="0">
-            <a:schemeClr val="accent1"/>
-          </a:effectRef>
-          <a:fontRef idx="minor">
-            <a:schemeClr val="lt1"/>
-          </a:fontRef>
-        </p:style>
-        <p:txBody>
-          <a:bodyPr rtlCol="0" anchor="ctr"/>
-          <a:lstStyle/>
-          <a:p>
-            <a:pPr algn="ctr"/>
-            <a:endParaRPr lang="en-US"/>
-          </a:p>
-        </p:txBody>
-      </p:sp>
-      <p:sp>
-        <p:nvSpPr>
-          <p:cNvPr id="45" name="Rectangle 44"/>
-          <p:cNvSpPr/>
-          <p:nvPr/>
-        </p:nvSpPr>
-        <p:spPr>
-          <a:xfrm>
-            <a:off x="4343400" y="5105400"/>
-            <a:ext cx="152400" cy="304800"/>
-          </a:xfrm>
-          <a:prstGeom prst="rect">
-            <a:avLst/>
-          </a:prstGeom>
-          <a:solidFill>
-            <a:schemeClr val="accent4"/>
-          </a:solidFill>
-          <a:ln>
-            <a:solidFill>
-              <a:schemeClr val="accent4"/>
-            </a:solidFill>
-          </a:ln>
-        </p:spPr>
-        <p:style>
-          <a:lnRef idx="2">
-            <a:schemeClr val="accent1">
-              <a:shade val="50000"/>
-            </a:schemeClr>
-          </a:lnRef>
-          <a:fillRef idx="1">
-            <a:schemeClr val="accent1"/>
-          </a:fillRef>
-          <a:effectRef idx="0">
-            <a:schemeClr val="accent1"/>
-          </a:effectRef>
-          <a:fontRef idx="minor">
-            <a:schemeClr val="lt1"/>
-          </a:fontRef>
-        </p:style>
-        <p:txBody>
-          <a:bodyPr rtlCol="0" anchor="ctr"/>
-          <a:lstStyle/>
-          <a:p>
-            <a:pPr algn="ctr"/>
-            <a:endParaRPr lang="en-US"/>
-          </a:p>
-        </p:txBody>
-      </p:sp>
-      <p:cxnSp>
-        <p:nvCxnSpPr>
-          <p:cNvPr id="46" name="Straight Connector 45"/>
-          <p:cNvCxnSpPr/>
-          <p:nvPr/>
-        </p:nvCxnSpPr>
-        <p:spPr>
-          <a:xfrm>
-            <a:off x="3810000" y="5105400"/>
-            <a:ext cx="152400" cy="0"/>
-          </a:xfrm>
-          <a:prstGeom prst="line">
-            <a:avLst/>
-          </a:prstGeom>
-          <a:ln>
-            <a:solidFill>
-              <a:schemeClr val="tx1"/>
-            </a:solidFill>
-          </a:ln>
-        </p:spPr>
-        <p:style>
-          <a:lnRef idx="1">
-            <a:schemeClr val="accent1"/>
-          </a:lnRef>
-          <a:fillRef idx="0">
-            <a:schemeClr val="accent1"/>
-          </a:fillRef>
-          <a:effectRef idx="0">
-            <a:schemeClr val="accent1"/>
-          </a:effectRef>
-          <a:fontRef idx="minor">
-            <a:schemeClr val="tx1"/>
-          </a:fontRef>
-        </p:style>
-      </p:cxnSp>
-      <p:cxnSp>
-        <p:nvCxnSpPr>
-          <p:cNvPr id="47" name="Straight Connector 46"/>
-          <p:cNvCxnSpPr/>
-          <p:nvPr/>
-        </p:nvCxnSpPr>
-        <p:spPr>
-          <a:xfrm>
-            <a:off x="3810000" y="5029200"/>
-            <a:ext cx="152400" cy="76200"/>
-          </a:xfrm>
-          <a:prstGeom prst="line">
-            <a:avLst/>
-          </a:prstGeom>
-          <a:ln>
-            <a:solidFill>
-              <a:schemeClr val="tx1"/>
-            </a:solidFill>
-          </a:ln>
-        </p:spPr>
-        <p:style>
-          <a:lnRef idx="1">
-            <a:schemeClr val="accent1"/>
-          </a:lnRef>
-          <a:fillRef idx="0">
-            <a:schemeClr val="accent1"/>
-          </a:fillRef>
-          <a:effectRef idx="0">
-            <a:schemeClr val="accent1"/>
-          </a:effectRef>
-          <a:fontRef idx="minor">
-            <a:schemeClr val="tx1"/>
-          </a:fontRef>
-        </p:style>
-      </p:cxnSp>
-      <p:cxnSp>
-        <p:nvCxnSpPr>
-          <p:cNvPr id="48" name="Straight Connector 47"/>
-          <p:cNvCxnSpPr/>
-          <p:nvPr/>
-        </p:nvCxnSpPr>
-        <p:spPr>
-          <a:xfrm flipV="1">
-            <a:off x="3810000" y="5105400"/>
-            <a:ext cx="152400" cy="76200"/>
-          </a:xfrm>
-          <a:prstGeom prst="line">
-            <a:avLst/>
-          </a:prstGeom>
-          <a:ln>
-            <a:solidFill>
-              <a:schemeClr val="tx1"/>
-            </a:solidFill>
-          </a:ln>
-        </p:spPr>
-        <p:style>
-          <a:lnRef idx="1">
-            <a:schemeClr val="accent1"/>
-          </a:lnRef>
-          <a:fillRef idx="0">
-            <a:schemeClr val="accent1"/>
-          </a:fillRef>
-          <a:effectRef idx="0">
-            <a:schemeClr val="accent1"/>
-          </a:effectRef>
-          <a:fontRef idx="minor">
-            <a:schemeClr val="tx1"/>
-          </a:fontRef>
-        </p:style>
-      </p:cxnSp>
-      <p:cxnSp>
-        <p:nvCxnSpPr>
-          <p:cNvPr id="49" name="Straight Connector 48"/>
-          <p:cNvCxnSpPr/>
-          <p:nvPr/>
-        </p:nvCxnSpPr>
-        <p:spPr>
-          <a:xfrm>
-            <a:off x="3810000" y="5410200"/>
-            <a:ext cx="152400" cy="0"/>
-          </a:xfrm>
-          <a:prstGeom prst="line">
-            <a:avLst/>
-          </a:prstGeom>
-          <a:ln>
-            <a:solidFill>
-              <a:schemeClr val="tx1"/>
-            </a:solidFill>
-          </a:ln>
-        </p:spPr>
-        <p:style>
-          <a:lnRef idx="1">
-            <a:schemeClr val="accent1"/>
-          </a:lnRef>
-          <a:fillRef idx="0">
-            <a:schemeClr val="accent1"/>
-          </a:fillRef>
-          <a:effectRef idx="0">
-            <a:schemeClr val="accent1"/>
-          </a:effectRef>
-          <a:fontRef idx="minor">
-            <a:schemeClr val="tx1"/>
-          </a:fontRef>
-        </p:style>
-      </p:cxnSp>
-      <p:cxnSp>
-        <p:nvCxnSpPr>
-          <p:cNvPr id="50" name="Straight Connector 49"/>
-          <p:cNvCxnSpPr/>
-          <p:nvPr/>
-        </p:nvCxnSpPr>
-        <p:spPr>
-          <a:xfrm>
-            <a:off x="3810000" y="5334000"/>
-            <a:ext cx="152400" cy="76200"/>
-          </a:xfrm>
-          <a:prstGeom prst="line">
-            <a:avLst/>
-          </a:prstGeom>
-          <a:ln>
-            <a:solidFill>
-              <a:schemeClr val="tx1"/>
-            </a:solidFill>
-          </a:ln>
-        </p:spPr>
-        <p:style>
-          <a:lnRef idx="1">
-            <a:schemeClr val="accent1"/>
-          </a:lnRef>
-          <a:fillRef idx="0">
-            <a:schemeClr val="accent1"/>
-          </a:fillRef>
-          <a:effectRef idx="0">
-            <a:schemeClr val="accent1"/>
-          </a:effectRef>
-          <a:fontRef idx="minor">
-            <a:schemeClr val="tx1"/>
-          </a:fontRef>
-        </p:style>
-      </p:cxnSp>
-      <p:cxnSp>
-        <p:nvCxnSpPr>
-          <p:cNvPr id="51" name="Straight Connector 50"/>
-          <p:cNvCxnSpPr/>
-          <p:nvPr/>
-        </p:nvCxnSpPr>
-        <p:spPr>
-          <a:xfrm flipV="1">
-            <a:off x="3810000" y="5410200"/>
-            <a:ext cx="152400" cy="76200"/>
-          </a:xfrm>
-          <a:prstGeom prst="line">
-            <a:avLst/>
-          </a:prstGeom>
-          <a:ln>
-            <a:solidFill>
-              <a:schemeClr val="tx1"/>
-            </a:solidFill>
-          </a:ln>
-        </p:spPr>
-        <p:style>
-          <a:lnRef idx="1">
-            <a:schemeClr val="accent1"/>
-          </a:lnRef>
-          <a:fillRef idx="0">
-            <a:schemeClr val="accent1"/>
-          </a:fillRef>
-          <a:effectRef idx="0">
-            <a:schemeClr val="accent1"/>
-          </a:effectRef>
-          <a:fontRef idx="minor">
-            <a:schemeClr val="tx1"/>
-          </a:fontRef>
-        </p:style>
-      </p:cxnSp>
-      <p:sp>
-        <p:nvSpPr>
-          <p:cNvPr id="52" name="Rectangle 51"/>
-          <p:cNvSpPr/>
-          <p:nvPr/>
-        </p:nvSpPr>
-        <p:spPr>
-          <a:xfrm>
-            <a:off x="3962400" y="5105400"/>
-            <a:ext cx="152400" cy="304800"/>
-          </a:xfrm>
-          <a:prstGeom prst="rect">
-            <a:avLst/>
-          </a:prstGeom>
-          <a:solidFill>
-            <a:schemeClr val="accent6"/>
-          </a:solidFill>
-          <a:ln>
-            <a:solidFill>
-              <a:schemeClr val="accent6"/>
-            </a:solidFill>
-          </a:ln>
-        </p:spPr>
-        <p:style>
-          <a:lnRef idx="2">
-            <a:schemeClr val="accent1">
-              <a:shade val="50000"/>
-            </a:schemeClr>
-          </a:lnRef>
-          <a:fillRef idx="1">
-            <a:schemeClr val="accent1"/>
-          </a:fillRef>
-          <a:effectRef idx="0">
-            <a:schemeClr val="accent1"/>
-          </a:effectRef>
-          <a:fontRef idx="minor">
-            <a:schemeClr val="lt1"/>
-          </a:fontRef>
-        </p:style>
-        <p:txBody>
-          <a:bodyPr rtlCol="0" anchor="ctr"/>
-          <a:lstStyle/>
-          <a:p>
-            <a:pPr algn="ctr"/>
-            <a:endParaRPr lang="en-US"/>
-          </a:p>
-        </p:txBody>
-      </p:sp>
-      <p:sp>
-        <p:nvSpPr>
-          <p:cNvPr id="53" name="Arc 52"/>
-          <p:cNvSpPr/>
-          <p:nvPr/>
-        </p:nvSpPr>
-        <p:spPr>
-          <a:xfrm>
-            <a:off x="4343400" y="4114800"/>
-            <a:ext cx="457200" cy="457200"/>
-          </a:xfrm>
-          <a:prstGeom prst="arc">
-            <a:avLst>
-              <a:gd name="adj1" fmla="val 9532380"/>
-              <a:gd name="adj2" fmla="val 6294069"/>
-            </a:avLst>
-          </a:prstGeom>
-          <a:ln>
-            <a:solidFill>
-              <a:schemeClr val="tx1"/>
-            </a:solidFill>
-          </a:ln>
-        </p:spPr>
-        <p:style>
-          <a:lnRef idx="1">
-            <a:schemeClr val="accent1"/>
-          </a:lnRef>
-          <a:fillRef idx="0">
-            <a:schemeClr val="accent1"/>
-          </a:fillRef>
-          <a:effectRef idx="0">
-            <a:schemeClr val="accent1"/>
-          </a:effectRef>
-          <a:fontRef idx="minor">
-            <a:schemeClr val="tx1"/>
-          </a:fontRef>
-        </p:style>
-        <p:txBody>
-          <a:bodyPr rtlCol="0" anchor="ctr"/>
-          <a:lstStyle/>
-          <a:p>
-            <a:pPr algn="ctr"/>
-            <a:endParaRPr lang="en-US"/>
-          </a:p>
-        </p:txBody>
-      </p:sp>
-      <p:sp>
-        <p:nvSpPr>
-          <p:cNvPr id="54" name="Rectangle 53"/>
-          <p:cNvSpPr/>
-          <p:nvPr/>
-        </p:nvSpPr>
-        <p:spPr>
-          <a:xfrm>
-            <a:off x="4419600" y="4343400"/>
-            <a:ext cx="152400" cy="304800"/>
-          </a:xfrm>
-          <a:prstGeom prst="rect">
-            <a:avLst/>
-          </a:prstGeom>
-          <a:solidFill>
-            <a:schemeClr val="accent6"/>
-          </a:solidFill>
-          <a:ln>
-            <a:solidFill>
-              <a:schemeClr val="accent6"/>
-            </a:solidFill>
-          </a:ln>
-        </p:spPr>
-        <p:style>
-          <a:lnRef idx="2">
-            <a:schemeClr val="accent1">
-              <a:shade val="50000"/>
-            </a:schemeClr>
-          </a:lnRef>
-          <a:fillRef idx="1">
-            <a:schemeClr val="accent1"/>
-          </a:fillRef>
-          <a:effectRef idx="0">
-            <a:schemeClr val="accent1"/>
-          </a:effectRef>
-          <a:fontRef idx="minor">
-            <a:schemeClr val="lt1"/>
-          </a:fontRef>
-        </p:style>
-        <p:txBody>
-          <a:bodyPr rtlCol="0" anchor="ctr"/>
-          <a:lstStyle/>
-          <a:p>
-            <a:pPr algn="ctr"/>
-            <a:endParaRPr lang="en-US"/>
-          </a:p>
-        </p:txBody>
-      </p:sp>
-      <p:sp>
-        <p:nvSpPr>
-          <p:cNvPr id="55" name="Rectangle 54"/>
-          <p:cNvSpPr/>
-          <p:nvPr/>
-        </p:nvSpPr>
-        <p:spPr>
-          <a:xfrm>
-            <a:off x="4648200" y="4038600"/>
-            <a:ext cx="76200" cy="228600"/>
-          </a:xfrm>
-          <a:prstGeom prst="rect">
-            <a:avLst/>
-          </a:prstGeom>
-          <a:solidFill>
-            <a:schemeClr val="accent4"/>
-          </a:solidFill>
-          <a:ln>
-            <a:solidFill>
-              <a:schemeClr val="accent4"/>
-            </a:solidFill>
-          </a:ln>
-        </p:spPr>
-        <p:style>
-          <a:lnRef idx="2">
-            <a:schemeClr val="accent1">
-              <a:shade val="50000"/>
-            </a:schemeClr>
-          </a:lnRef>
-          <a:fillRef idx="1">
-            <a:schemeClr val="accent1"/>
-          </a:fillRef>
-          <a:effectRef idx="0">
-            <a:schemeClr val="accent1"/>
-          </a:effectRef>
-          <a:fontRef idx="minor">
-            <a:schemeClr val="lt1"/>
-          </a:fontRef>
-        </p:style>
-        <p:txBody>
-          <a:bodyPr rtlCol="0" anchor="ctr"/>
-          <a:lstStyle/>
-          <a:p>
-            <a:pPr algn="ctr"/>
-            <a:endParaRPr lang="en-US"/>
+            <a:endParaRPr lang="en-US" sz="1600" dirty="0"/>
           </a:p>
         </p:txBody>
       </p:sp>
@@ -5756,7 +5208,7 @@
         </p:nvGrpSpPr>
         <p:grpSpPr>
           <a:xfrm>
-            <a:off x="5181600" y="3200400"/>
+            <a:off x="5422387" y="3047392"/>
             <a:ext cx="457200" cy="609600"/>
             <a:chOff x="4114800" y="2438400"/>
             <a:chExt cx="457200" cy="609600"/>
@@ -6082,677 +5534,13 @@
       </p:grpSp>
       <p:grpSp>
         <p:nvGrpSpPr>
-          <p:cNvPr id="78" name="Group 77"/>
-          <p:cNvGrpSpPr/>
-          <p:nvPr/>
-        </p:nvGrpSpPr>
-        <p:grpSpPr>
-          <a:xfrm>
-            <a:off x="1981200" y="5334000"/>
-            <a:ext cx="457200" cy="609600"/>
-            <a:chOff x="4114800" y="2438400"/>
-            <a:chExt cx="457200" cy="609600"/>
-          </a:xfrm>
-        </p:grpSpPr>
-        <p:sp>
-          <p:nvSpPr>
-            <p:cNvPr id="79" name="Arc 78"/>
-            <p:cNvSpPr/>
-            <p:nvPr/>
-          </p:nvSpPr>
-          <p:spPr>
-            <a:xfrm>
-              <a:off x="4114800" y="2514600"/>
-              <a:ext cx="457200" cy="457200"/>
-            </a:xfrm>
-            <a:prstGeom prst="arc">
-              <a:avLst>
-                <a:gd name="adj1" fmla="val 9532380"/>
-                <a:gd name="adj2" fmla="val 6294069"/>
-              </a:avLst>
-            </a:prstGeom>
-            <a:ln>
-              <a:solidFill>
-                <a:schemeClr val="tx1"/>
-              </a:solidFill>
-            </a:ln>
-          </p:spPr>
-          <p:style>
-            <a:lnRef idx="1">
-              <a:schemeClr val="accent1"/>
-            </a:lnRef>
-            <a:fillRef idx="0">
-              <a:schemeClr val="accent1"/>
-            </a:fillRef>
-            <a:effectRef idx="0">
-              <a:schemeClr val="accent1"/>
-            </a:effectRef>
-            <a:fontRef idx="minor">
-              <a:schemeClr val="tx1"/>
-            </a:fontRef>
-          </p:style>
-          <p:txBody>
-            <a:bodyPr rtlCol="0" anchor="ctr"/>
-            <a:lstStyle/>
-            <a:p>
-              <a:pPr algn="ctr"/>
-              <a:endParaRPr lang="en-US"/>
-            </a:p>
-          </p:txBody>
-        </p:sp>
-        <p:sp>
-          <p:nvSpPr>
-            <p:cNvPr id="80" name="Rectangle 79"/>
-            <p:cNvSpPr/>
-            <p:nvPr/>
-          </p:nvSpPr>
-          <p:spPr>
-            <a:xfrm flipH="1" flipV="1">
-              <a:off x="4343400" y="2438400"/>
-              <a:ext cx="91438" cy="152400"/>
-            </a:xfrm>
-            <a:prstGeom prst="rect">
-              <a:avLst/>
-            </a:prstGeom>
-            <a:solidFill>
-              <a:schemeClr val="accent4"/>
-            </a:solidFill>
-            <a:ln>
-              <a:solidFill>
-                <a:schemeClr val="accent4"/>
-              </a:solidFill>
-            </a:ln>
-          </p:spPr>
-          <p:style>
-            <a:lnRef idx="2">
-              <a:schemeClr val="accent1">
-                <a:shade val="50000"/>
-              </a:schemeClr>
-            </a:lnRef>
-            <a:fillRef idx="1">
-              <a:schemeClr val="accent1"/>
-            </a:fillRef>
-            <a:effectRef idx="0">
-              <a:schemeClr val="accent1"/>
-            </a:effectRef>
-            <a:fontRef idx="minor">
-              <a:schemeClr val="lt1"/>
-            </a:fontRef>
-          </p:style>
-          <p:txBody>
-            <a:bodyPr rtlCol="0" anchor="ctr"/>
-            <a:lstStyle/>
-            <a:p>
-              <a:pPr algn="ctr"/>
-              <a:endParaRPr lang="en-US" dirty="0"/>
-            </a:p>
-          </p:txBody>
-        </p:sp>
-        <p:cxnSp>
-          <p:nvCxnSpPr>
-            <p:cNvPr id="81" name="Straight Connector 80"/>
-            <p:cNvCxnSpPr/>
-            <p:nvPr/>
-          </p:nvCxnSpPr>
-          <p:spPr>
-            <a:xfrm flipV="1">
-              <a:off x="4191000" y="2667000"/>
-              <a:ext cx="76200" cy="76200"/>
-            </a:xfrm>
-            <a:prstGeom prst="line">
-              <a:avLst/>
-            </a:prstGeom>
-            <a:ln>
-              <a:solidFill>
-                <a:schemeClr val="tx1"/>
-              </a:solidFill>
-            </a:ln>
-          </p:spPr>
-          <p:style>
-            <a:lnRef idx="1">
-              <a:schemeClr val="accent1"/>
-            </a:lnRef>
-            <a:fillRef idx="0">
-              <a:schemeClr val="accent1"/>
-            </a:fillRef>
-            <a:effectRef idx="0">
-              <a:schemeClr val="accent1"/>
-            </a:effectRef>
-            <a:fontRef idx="minor">
-              <a:schemeClr val="tx1"/>
-            </a:fontRef>
-          </p:style>
-        </p:cxnSp>
-        <p:cxnSp>
-          <p:nvCxnSpPr>
-            <p:cNvPr id="82" name="Straight Connector 81"/>
-            <p:cNvCxnSpPr/>
-            <p:nvPr/>
-          </p:nvCxnSpPr>
-          <p:spPr>
-            <a:xfrm flipV="1">
-              <a:off x="4267200" y="2667000"/>
-              <a:ext cx="76200" cy="76200"/>
-            </a:xfrm>
-            <a:prstGeom prst="line">
-              <a:avLst/>
-            </a:prstGeom>
-            <a:ln>
-              <a:solidFill>
-                <a:schemeClr val="tx1"/>
-              </a:solidFill>
-            </a:ln>
-          </p:spPr>
-          <p:style>
-            <a:lnRef idx="1">
-              <a:schemeClr val="accent1"/>
-            </a:lnRef>
-            <a:fillRef idx="0">
-              <a:schemeClr val="accent1"/>
-            </a:fillRef>
-            <a:effectRef idx="0">
-              <a:schemeClr val="accent1"/>
-            </a:effectRef>
-            <a:fontRef idx="minor">
-              <a:schemeClr val="tx1"/>
-            </a:fontRef>
-          </p:style>
-        </p:cxnSp>
-        <p:cxnSp>
-          <p:nvCxnSpPr>
-            <p:cNvPr id="83" name="Straight Connector 82"/>
-            <p:cNvCxnSpPr/>
-            <p:nvPr/>
-          </p:nvCxnSpPr>
-          <p:spPr>
-            <a:xfrm flipV="1">
-              <a:off x="4343400" y="2667000"/>
-              <a:ext cx="76200" cy="76200"/>
-            </a:xfrm>
-            <a:prstGeom prst="line">
-              <a:avLst/>
-            </a:prstGeom>
-            <a:ln>
-              <a:solidFill>
-                <a:schemeClr val="tx1"/>
-              </a:solidFill>
-            </a:ln>
-          </p:spPr>
-          <p:style>
-            <a:lnRef idx="1">
-              <a:schemeClr val="accent1"/>
-            </a:lnRef>
-            <a:fillRef idx="0">
-              <a:schemeClr val="accent1"/>
-            </a:fillRef>
-            <a:effectRef idx="0">
-              <a:schemeClr val="accent1"/>
-            </a:effectRef>
-            <a:fontRef idx="minor">
-              <a:schemeClr val="tx1"/>
-            </a:fontRef>
-          </p:style>
-        </p:cxnSp>
-        <p:cxnSp>
-          <p:nvCxnSpPr>
-            <p:cNvPr id="84" name="Straight Connector 83"/>
-            <p:cNvCxnSpPr/>
-            <p:nvPr/>
-          </p:nvCxnSpPr>
-          <p:spPr>
-            <a:xfrm flipV="1">
-              <a:off x="4343400" y="2743200"/>
-              <a:ext cx="76200" cy="76200"/>
-            </a:xfrm>
-            <a:prstGeom prst="line">
-              <a:avLst/>
-            </a:prstGeom>
-            <a:ln>
-              <a:solidFill>
-                <a:schemeClr val="tx1"/>
-              </a:solidFill>
-            </a:ln>
-          </p:spPr>
-          <p:style>
-            <a:lnRef idx="1">
-              <a:schemeClr val="accent1"/>
-            </a:lnRef>
-            <a:fillRef idx="0">
-              <a:schemeClr val="accent1"/>
-            </a:fillRef>
-            <a:effectRef idx="0">
-              <a:schemeClr val="accent1"/>
-            </a:effectRef>
-            <a:fontRef idx="minor">
-              <a:schemeClr val="tx1"/>
-            </a:fontRef>
-          </p:style>
-        </p:cxnSp>
-        <p:cxnSp>
-          <p:nvCxnSpPr>
-            <p:cNvPr id="85" name="Straight Connector 84"/>
-            <p:cNvCxnSpPr/>
-            <p:nvPr/>
-          </p:nvCxnSpPr>
-          <p:spPr>
-            <a:xfrm flipV="1">
-              <a:off x="4343400" y="2819400"/>
-              <a:ext cx="76200" cy="76200"/>
-            </a:xfrm>
-            <a:prstGeom prst="line">
-              <a:avLst/>
-            </a:prstGeom>
-            <a:ln>
-              <a:solidFill>
-                <a:schemeClr val="tx1"/>
-              </a:solidFill>
-            </a:ln>
-          </p:spPr>
-          <p:style>
-            <a:lnRef idx="1">
-              <a:schemeClr val="accent1"/>
-            </a:lnRef>
-            <a:fillRef idx="0">
-              <a:schemeClr val="accent1"/>
-            </a:fillRef>
-            <a:effectRef idx="0">
-              <a:schemeClr val="accent1"/>
-            </a:effectRef>
-            <a:fontRef idx="minor">
-              <a:schemeClr val="tx1"/>
-            </a:fontRef>
-          </p:style>
-        </p:cxnSp>
-        <p:sp>
-          <p:nvSpPr>
-            <p:cNvPr id="86" name="Rectangle 85"/>
-            <p:cNvSpPr/>
-            <p:nvPr/>
-          </p:nvSpPr>
-          <p:spPr>
-            <a:xfrm>
-              <a:off x="4191000" y="2743200"/>
-              <a:ext cx="152400" cy="304800"/>
-            </a:xfrm>
-            <a:prstGeom prst="rect">
-              <a:avLst/>
-            </a:prstGeom>
-            <a:solidFill>
-              <a:schemeClr val="accent6"/>
-            </a:solidFill>
-            <a:ln>
-              <a:solidFill>
-                <a:schemeClr val="accent6"/>
-              </a:solidFill>
-            </a:ln>
-          </p:spPr>
-          <p:style>
-            <a:lnRef idx="2">
-              <a:schemeClr val="accent1">
-                <a:shade val="50000"/>
-              </a:schemeClr>
-            </a:lnRef>
-            <a:fillRef idx="1">
-              <a:schemeClr val="accent1"/>
-            </a:fillRef>
-            <a:effectRef idx="0">
-              <a:schemeClr val="accent1"/>
-            </a:effectRef>
-            <a:fontRef idx="minor">
-              <a:schemeClr val="lt1"/>
-            </a:fontRef>
-          </p:style>
-          <p:txBody>
-            <a:bodyPr rtlCol="0" anchor="ctr"/>
-            <a:lstStyle/>
-            <a:p>
-              <a:pPr algn="ctr"/>
-              <a:endParaRPr lang="en-US"/>
-            </a:p>
-          </p:txBody>
-        </p:sp>
-      </p:grpSp>
-      <p:grpSp>
-        <p:nvGrpSpPr>
-          <p:cNvPr id="87" name="Group 86"/>
-          <p:cNvGrpSpPr/>
-          <p:nvPr/>
-        </p:nvGrpSpPr>
-        <p:grpSpPr>
-          <a:xfrm>
-            <a:off x="685800" y="3886200"/>
-            <a:ext cx="457200" cy="609600"/>
-            <a:chOff x="4114800" y="2438400"/>
-            <a:chExt cx="457200" cy="609600"/>
-          </a:xfrm>
-        </p:grpSpPr>
-        <p:sp>
-          <p:nvSpPr>
-            <p:cNvPr id="88" name="Arc 87"/>
-            <p:cNvSpPr/>
-            <p:nvPr/>
-          </p:nvSpPr>
-          <p:spPr>
-            <a:xfrm>
-              <a:off x="4114800" y="2514600"/>
-              <a:ext cx="457200" cy="457200"/>
-            </a:xfrm>
-            <a:prstGeom prst="arc">
-              <a:avLst>
-                <a:gd name="adj1" fmla="val 9532380"/>
-                <a:gd name="adj2" fmla="val 6294069"/>
-              </a:avLst>
-            </a:prstGeom>
-            <a:ln>
-              <a:solidFill>
-                <a:schemeClr val="tx1"/>
-              </a:solidFill>
-            </a:ln>
-          </p:spPr>
-          <p:style>
-            <a:lnRef idx="1">
-              <a:schemeClr val="accent1"/>
-            </a:lnRef>
-            <a:fillRef idx="0">
-              <a:schemeClr val="accent1"/>
-            </a:fillRef>
-            <a:effectRef idx="0">
-              <a:schemeClr val="accent1"/>
-            </a:effectRef>
-            <a:fontRef idx="minor">
-              <a:schemeClr val="tx1"/>
-            </a:fontRef>
-          </p:style>
-          <p:txBody>
-            <a:bodyPr rtlCol="0" anchor="ctr"/>
-            <a:lstStyle/>
-            <a:p>
-              <a:pPr algn="ctr"/>
-              <a:endParaRPr lang="en-US"/>
-            </a:p>
-          </p:txBody>
-        </p:sp>
-        <p:sp>
-          <p:nvSpPr>
-            <p:cNvPr id="89" name="Rectangle 88"/>
-            <p:cNvSpPr/>
-            <p:nvPr/>
-          </p:nvSpPr>
-          <p:spPr>
-            <a:xfrm flipH="1" flipV="1">
-              <a:off x="4343400" y="2438400"/>
-              <a:ext cx="91438" cy="152400"/>
-            </a:xfrm>
-            <a:prstGeom prst="rect">
-              <a:avLst/>
-            </a:prstGeom>
-            <a:solidFill>
-              <a:schemeClr val="accent4"/>
-            </a:solidFill>
-            <a:ln>
-              <a:solidFill>
-                <a:schemeClr val="accent4"/>
-              </a:solidFill>
-            </a:ln>
-          </p:spPr>
-          <p:style>
-            <a:lnRef idx="2">
-              <a:schemeClr val="accent1">
-                <a:shade val="50000"/>
-              </a:schemeClr>
-            </a:lnRef>
-            <a:fillRef idx="1">
-              <a:schemeClr val="accent1"/>
-            </a:fillRef>
-            <a:effectRef idx="0">
-              <a:schemeClr val="accent1"/>
-            </a:effectRef>
-            <a:fontRef idx="minor">
-              <a:schemeClr val="lt1"/>
-            </a:fontRef>
-          </p:style>
-          <p:txBody>
-            <a:bodyPr rtlCol="0" anchor="ctr"/>
-            <a:lstStyle/>
-            <a:p>
-              <a:pPr algn="ctr"/>
-              <a:endParaRPr lang="en-US" dirty="0"/>
-            </a:p>
-          </p:txBody>
-        </p:sp>
-        <p:cxnSp>
-          <p:nvCxnSpPr>
-            <p:cNvPr id="90" name="Straight Connector 89"/>
-            <p:cNvCxnSpPr/>
-            <p:nvPr/>
-          </p:nvCxnSpPr>
-          <p:spPr>
-            <a:xfrm flipV="1">
-              <a:off x="4191000" y="2667000"/>
-              <a:ext cx="76200" cy="76200"/>
-            </a:xfrm>
-            <a:prstGeom prst="line">
-              <a:avLst/>
-            </a:prstGeom>
-            <a:ln>
-              <a:solidFill>
-                <a:schemeClr val="tx1"/>
-              </a:solidFill>
-            </a:ln>
-          </p:spPr>
-          <p:style>
-            <a:lnRef idx="1">
-              <a:schemeClr val="accent1"/>
-            </a:lnRef>
-            <a:fillRef idx="0">
-              <a:schemeClr val="accent1"/>
-            </a:fillRef>
-            <a:effectRef idx="0">
-              <a:schemeClr val="accent1"/>
-            </a:effectRef>
-            <a:fontRef idx="minor">
-              <a:schemeClr val="tx1"/>
-            </a:fontRef>
-          </p:style>
-        </p:cxnSp>
-        <p:cxnSp>
-          <p:nvCxnSpPr>
-            <p:cNvPr id="91" name="Straight Connector 90"/>
-            <p:cNvCxnSpPr/>
-            <p:nvPr/>
-          </p:nvCxnSpPr>
-          <p:spPr>
-            <a:xfrm flipV="1">
-              <a:off x="4267200" y="2667000"/>
-              <a:ext cx="76200" cy="76200"/>
-            </a:xfrm>
-            <a:prstGeom prst="line">
-              <a:avLst/>
-            </a:prstGeom>
-            <a:ln>
-              <a:solidFill>
-                <a:schemeClr val="tx1"/>
-              </a:solidFill>
-            </a:ln>
-          </p:spPr>
-          <p:style>
-            <a:lnRef idx="1">
-              <a:schemeClr val="accent1"/>
-            </a:lnRef>
-            <a:fillRef idx="0">
-              <a:schemeClr val="accent1"/>
-            </a:fillRef>
-            <a:effectRef idx="0">
-              <a:schemeClr val="accent1"/>
-            </a:effectRef>
-            <a:fontRef idx="minor">
-              <a:schemeClr val="tx1"/>
-            </a:fontRef>
-          </p:style>
-        </p:cxnSp>
-        <p:cxnSp>
-          <p:nvCxnSpPr>
-            <p:cNvPr id="92" name="Straight Connector 91"/>
-            <p:cNvCxnSpPr/>
-            <p:nvPr/>
-          </p:nvCxnSpPr>
-          <p:spPr>
-            <a:xfrm flipV="1">
-              <a:off x="4343400" y="2667000"/>
-              <a:ext cx="76200" cy="76200"/>
-            </a:xfrm>
-            <a:prstGeom prst="line">
-              <a:avLst/>
-            </a:prstGeom>
-            <a:ln>
-              <a:solidFill>
-                <a:schemeClr val="tx1"/>
-              </a:solidFill>
-            </a:ln>
-          </p:spPr>
-          <p:style>
-            <a:lnRef idx="1">
-              <a:schemeClr val="accent1"/>
-            </a:lnRef>
-            <a:fillRef idx="0">
-              <a:schemeClr val="accent1"/>
-            </a:fillRef>
-            <a:effectRef idx="0">
-              <a:schemeClr val="accent1"/>
-            </a:effectRef>
-            <a:fontRef idx="minor">
-              <a:schemeClr val="tx1"/>
-            </a:fontRef>
-          </p:style>
-        </p:cxnSp>
-        <p:cxnSp>
-          <p:nvCxnSpPr>
-            <p:cNvPr id="93" name="Straight Connector 92"/>
-            <p:cNvCxnSpPr/>
-            <p:nvPr/>
-          </p:nvCxnSpPr>
-          <p:spPr>
-            <a:xfrm flipV="1">
-              <a:off x="4343400" y="2743200"/>
-              <a:ext cx="76200" cy="76200"/>
-            </a:xfrm>
-            <a:prstGeom prst="line">
-              <a:avLst/>
-            </a:prstGeom>
-            <a:ln>
-              <a:solidFill>
-                <a:schemeClr val="tx1"/>
-              </a:solidFill>
-            </a:ln>
-          </p:spPr>
-          <p:style>
-            <a:lnRef idx="1">
-              <a:schemeClr val="accent1"/>
-            </a:lnRef>
-            <a:fillRef idx="0">
-              <a:schemeClr val="accent1"/>
-            </a:fillRef>
-            <a:effectRef idx="0">
-              <a:schemeClr val="accent1"/>
-            </a:effectRef>
-            <a:fontRef idx="minor">
-              <a:schemeClr val="tx1"/>
-            </a:fontRef>
-          </p:style>
-        </p:cxnSp>
-        <p:cxnSp>
-          <p:nvCxnSpPr>
-            <p:cNvPr id="94" name="Straight Connector 93"/>
-            <p:cNvCxnSpPr/>
-            <p:nvPr/>
-          </p:nvCxnSpPr>
-          <p:spPr>
-            <a:xfrm flipV="1">
-              <a:off x="4343400" y="2819400"/>
-              <a:ext cx="76200" cy="76200"/>
-            </a:xfrm>
-            <a:prstGeom prst="line">
-              <a:avLst/>
-            </a:prstGeom>
-            <a:ln>
-              <a:solidFill>
-                <a:schemeClr val="tx1"/>
-              </a:solidFill>
-            </a:ln>
-          </p:spPr>
-          <p:style>
-            <a:lnRef idx="1">
-              <a:schemeClr val="accent1"/>
-            </a:lnRef>
-            <a:fillRef idx="0">
-              <a:schemeClr val="accent1"/>
-            </a:fillRef>
-            <a:effectRef idx="0">
-              <a:schemeClr val="accent1"/>
-            </a:effectRef>
-            <a:fontRef idx="minor">
-              <a:schemeClr val="tx1"/>
-            </a:fontRef>
-          </p:style>
-        </p:cxnSp>
-        <p:sp>
-          <p:nvSpPr>
-            <p:cNvPr id="95" name="Rectangle 94"/>
-            <p:cNvSpPr/>
-            <p:nvPr/>
-          </p:nvSpPr>
-          <p:spPr>
-            <a:xfrm>
-              <a:off x="4191000" y="2743200"/>
-              <a:ext cx="152400" cy="304800"/>
-            </a:xfrm>
-            <a:prstGeom prst="rect">
-              <a:avLst/>
-            </a:prstGeom>
-            <a:solidFill>
-              <a:schemeClr val="accent6"/>
-            </a:solidFill>
-            <a:ln>
-              <a:solidFill>
-                <a:schemeClr val="accent6"/>
-              </a:solidFill>
-            </a:ln>
-          </p:spPr>
-          <p:style>
-            <a:lnRef idx="2">
-              <a:schemeClr val="accent1">
-                <a:shade val="50000"/>
-              </a:schemeClr>
-            </a:lnRef>
-            <a:fillRef idx="1">
-              <a:schemeClr val="accent1"/>
-            </a:fillRef>
-            <a:effectRef idx="0">
-              <a:schemeClr val="accent1"/>
-            </a:effectRef>
-            <a:fontRef idx="minor">
-              <a:schemeClr val="lt1"/>
-            </a:fontRef>
-          </p:style>
-          <p:txBody>
-            <a:bodyPr rtlCol="0" anchor="ctr"/>
-            <a:lstStyle/>
-            <a:p>
-              <a:pPr algn="ctr"/>
-              <a:endParaRPr lang="en-US"/>
-            </a:p>
-          </p:txBody>
-        </p:sp>
-      </p:grpSp>
-      <p:grpSp>
-        <p:nvGrpSpPr>
           <p:cNvPr id="96" name="Group 95"/>
           <p:cNvGrpSpPr/>
           <p:nvPr/>
         </p:nvGrpSpPr>
         <p:grpSpPr>
           <a:xfrm>
-            <a:off x="6096000" y="2514600"/>
+            <a:off x="6280989" y="2340141"/>
             <a:ext cx="457200" cy="685800"/>
             <a:chOff x="5257800" y="2286000"/>
             <a:chExt cx="457200" cy="685800"/>
@@ -7078,677 +5866,13 @@
       </p:grpSp>
       <p:grpSp>
         <p:nvGrpSpPr>
-          <p:cNvPr id="105" name="Group 104"/>
-          <p:cNvGrpSpPr/>
-          <p:nvPr/>
-        </p:nvGrpSpPr>
-        <p:grpSpPr>
-          <a:xfrm>
-            <a:off x="2819400" y="3429000"/>
-            <a:ext cx="457200" cy="685800"/>
-            <a:chOff x="5257800" y="2286000"/>
-            <a:chExt cx="457200" cy="685800"/>
-          </a:xfrm>
-        </p:grpSpPr>
-        <p:sp>
-          <p:nvSpPr>
-            <p:cNvPr id="106" name="Arc 105"/>
-            <p:cNvSpPr/>
-            <p:nvPr/>
-          </p:nvSpPr>
-          <p:spPr>
-            <a:xfrm>
-              <a:off x="5257800" y="2362200"/>
-              <a:ext cx="457200" cy="457200"/>
-            </a:xfrm>
-            <a:prstGeom prst="arc">
-              <a:avLst>
-                <a:gd name="adj1" fmla="val 9532380"/>
-                <a:gd name="adj2" fmla="val 6294069"/>
-              </a:avLst>
-            </a:prstGeom>
-            <a:ln>
-              <a:solidFill>
-                <a:schemeClr val="tx1"/>
-              </a:solidFill>
-            </a:ln>
-          </p:spPr>
-          <p:style>
-            <a:lnRef idx="1">
-              <a:schemeClr val="accent1"/>
-            </a:lnRef>
-            <a:fillRef idx="0">
-              <a:schemeClr val="accent1"/>
-            </a:fillRef>
-            <a:effectRef idx="0">
-              <a:schemeClr val="accent1"/>
-            </a:effectRef>
-            <a:fontRef idx="minor">
-              <a:schemeClr val="tx1"/>
-            </a:fontRef>
-          </p:style>
-          <p:txBody>
-            <a:bodyPr rtlCol="0" anchor="ctr"/>
-            <a:lstStyle/>
-            <a:p>
-              <a:pPr algn="ctr"/>
-              <a:endParaRPr lang="en-US"/>
-            </a:p>
-          </p:txBody>
-        </p:sp>
-        <p:sp>
-          <p:nvSpPr>
-            <p:cNvPr id="107" name="Rectangle 106"/>
-            <p:cNvSpPr/>
-            <p:nvPr/>
-          </p:nvSpPr>
-          <p:spPr>
-            <a:xfrm flipH="1" flipV="1">
-              <a:off x="5486400" y="2286000"/>
-              <a:ext cx="91438" cy="152400"/>
-            </a:xfrm>
-            <a:prstGeom prst="rect">
-              <a:avLst/>
-            </a:prstGeom>
-            <a:solidFill>
-              <a:schemeClr val="accent4"/>
-            </a:solidFill>
-            <a:ln>
-              <a:solidFill>
-                <a:schemeClr val="accent4"/>
-              </a:solidFill>
-            </a:ln>
-          </p:spPr>
-          <p:style>
-            <a:lnRef idx="2">
-              <a:schemeClr val="accent1">
-                <a:shade val="50000"/>
-              </a:schemeClr>
-            </a:lnRef>
-            <a:fillRef idx="1">
-              <a:schemeClr val="accent1"/>
-            </a:fillRef>
-            <a:effectRef idx="0">
-              <a:schemeClr val="accent1"/>
-            </a:effectRef>
-            <a:fontRef idx="minor">
-              <a:schemeClr val="lt1"/>
-            </a:fontRef>
-          </p:style>
-          <p:txBody>
-            <a:bodyPr rtlCol="0" anchor="ctr"/>
-            <a:lstStyle/>
-            <a:p>
-              <a:pPr algn="ctr"/>
-              <a:endParaRPr lang="en-US" dirty="0"/>
-            </a:p>
-          </p:txBody>
-        </p:sp>
-        <p:cxnSp>
-          <p:nvCxnSpPr>
-            <p:cNvPr id="108" name="Straight Connector 107"/>
-            <p:cNvCxnSpPr/>
-            <p:nvPr/>
-          </p:nvCxnSpPr>
-          <p:spPr>
-            <a:xfrm flipV="1">
-              <a:off x="5257800" y="2819400"/>
-              <a:ext cx="76200" cy="76200"/>
-            </a:xfrm>
-            <a:prstGeom prst="line">
-              <a:avLst/>
-            </a:prstGeom>
-            <a:ln>
-              <a:solidFill>
-                <a:schemeClr val="tx1"/>
-              </a:solidFill>
-            </a:ln>
-          </p:spPr>
-          <p:style>
-            <a:lnRef idx="1">
-              <a:schemeClr val="accent1"/>
-            </a:lnRef>
-            <a:fillRef idx="0">
-              <a:schemeClr val="accent1"/>
-            </a:fillRef>
-            <a:effectRef idx="0">
-              <a:schemeClr val="accent1"/>
-            </a:effectRef>
-            <a:fontRef idx="minor">
-              <a:schemeClr val="tx1"/>
-            </a:fontRef>
-          </p:style>
-        </p:cxnSp>
-        <p:cxnSp>
-          <p:nvCxnSpPr>
-            <p:cNvPr id="109" name="Straight Connector 108"/>
-            <p:cNvCxnSpPr/>
-            <p:nvPr/>
-          </p:nvCxnSpPr>
-          <p:spPr>
-            <a:xfrm flipV="1">
-              <a:off x="5257800" y="2895600"/>
-              <a:ext cx="76200" cy="76200"/>
-            </a:xfrm>
-            <a:prstGeom prst="line">
-              <a:avLst/>
-            </a:prstGeom>
-            <a:ln>
-              <a:solidFill>
-                <a:schemeClr val="tx1"/>
-              </a:solidFill>
-            </a:ln>
-          </p:spPr>
-          <p:style>
-            <a:lnRef idx="1">
-              <a:schemeClr val="accent1"/>
-            </a:lnRef>
-            <a:fillRef idx="0">
-              <a:schemeClr val="accent1"/>
-            </a:fillRef>
-            <a:effectRef idx="0">
-              <a:schemeClr val="accent1"/>
-            </a:effectRef>
-            <a:fontRef idx="minor">
-              <a:schemeClr val="tx1"/>
-            </a:fontRef>
-          </p:style>
-        </p:cxnSp>
-        <p:cxnSp>
-          <p:nvCxnSpPr>
-            <p:cNvPr id="110" name="Straight Connector 109"/>
-            <p:cNvCxnSpPr/>
-            <p:nvPr/>
-          </p:nvCxnSpPr>
-          <p:spPr>
-            <a:xfrm flipV="1">
-              <a:off x="5334000" y="2895600"/>
-              <a:ext cx="76200" cy="76200"/>
-            </a:xfrm>
-            <a:prstGeom prst="line">
-              <a:avLst/>
-            </a:prstGeom>
-            <a:ln>
-              <a:solidFill>
-                <a:schemeClr val="tx1"/>
-              </a:solidFill>
-            </a:ln>
-          </p:spPr>
-          <p:style>
-            <a:lnRef idx="1">
-              <a:schemeClr val="accent1"/>
-            </a:lnRef>
-            <a:fillRef idx="0">
-              <a:schemeClr val="accent1"/>
-            </a:fillRef>
-            <a:effectRef idx="0">
-              <a:schemeClr val="accent1"/>
-            </a:effectRef>
-            <a:fontRef idx="minor">
-              <a:schemeClr val="tx1"/>
-            </a:fontRef>
-          </p:style>
-        </p:cxnSp>
-        <p:cxnSp>
-          <p:nvCxnSpPr>
-            <p:cNvPr id="111" name="Straight Connector 110"/>
-            <p:cNvCxnSpPr/>
-            <p:nvPr/>
-          </p:nvCxnSpPr>
-          <p:spPr>
-            <a:xfrm flipV="1">
-              <a:off x="5257800" y="2743200"/>
-              <a:ext cx="76200" cy="76200"/>
-            </a:xfrm>
-            <a:prstGeom prst="line">
-              <a:avLst/>
-            </a:prstGeom>
-            <a:ln>
-              <a:solidFill>
-                <a:schemeClr val="tx1"/>
-              </a:solidFill>
-            </a:ln>
-          </p:spPr>
-          <p:style>
-            <a:lnRef idx="1">
-              <a:schemeClr val="accent1"/>
-            </a:lnRef>
-            <a:fillRef idx="0">
-              <a:schemeClr val="accent1"/>
-            </a:fillRef>
-            <a:effectRef idx="0">
-              <a:schemeClr val="accent1"/>
-            </a:effectRef>
-            <a:fontRef idx="minor">
-              <a:schemeClr val="tx1"/>
-            </a:fontRef>
-          </p:style>
-        </p:cxnSp>
-        <p:cxnSp>
-          <p:nvCxnSpPr>
-            <p:cNvPr id="112" name="Straight Connector 111"/>
-            <p:cNvCxnSpPr/>
-            <p:nvPr/>
-          </p:nvCxnSpPr>
-          <p:spPr>
-            <a:xfrm flipV="1">
-              <a:off x="5410200" y="2895600"/>
-              <a:ext cx="76200" cy="76200"/>
-            </a:xfrm>
-            <a:prstGeom prst="line">
-              <a:avLst/>
-            </a:prstGeom>
-            <a:ln>
-              <a:solidFill>
-                <a:schemeClr val="tx1"/>
-              </a:solidFill>
-            </a:ln>
-          </p:spPr>
-          <p:style>
-            <a:lnRef idx="1">
-              <a:schemeClr val="accent1"/>
-            </a:lnRef>
-            <a:fillRef idx="0">
-              <a:schemeClr val="accent1"/>
-            </a:fillRef>
-            <a:effectRef idx="0">
-              <a:schemeClr val="accent1"/>
-            </a:effectRef>
-            <a:fontRef idx="minor">
-              <a:schemeClr val="tx1"/>
-            </a:fontRef>
-          </p:style>
-        </p:cxnSp>
-        <p:sp>
-          <p:nvSpPr>
-            <p:cNvPr id="113" name="Rectangle 112"/>
-            <p:cNvSpPr/>
-            <p:nvPr/>
-          </p:nvSpPr>
-          <p:spPr>
-            <a:xfrm>
-              <a:off x="5334000" y="2590800"/>
-              <a:ext cx="152400" cy="304800"/>
-            </a:xfrm>
-            <a:prstGeom prst="rect">
-              <a:avLst/>
-            </a:prstGeom>
-            <a:solidFill>
-              <a:schemeClr val="accent6"/>
-            </a:solidFill>
-            <a:ln>
-              <a:solidFill>
-                <a:schemeClr val="accent6"/>
-              </a:solidFill>
-            </a:ln>
-          </p:spPr>
-          <p:style>
-            <a:lnRef idx="2">
-              <a:schemeClr val="accent1">
-                <a:shade val="50000"/>
-              </a:schemeClr>
-            </a:lnRef>
-            <a:fillRef idx="1">
-              <a:schemeClr val="accent1"/>
-            </a:fillRef>
-            <a:effectRef idx="0">
-              <a:schemeClr val="accent1"/>
-            </a:effectRef>
-            <a:fontRef idx="minor">
-              <a:schemeClr val="lt1"/>
-            </a:fontRef>
-          </p:style>
-          <p:txBody>
-            <a:bodyPr rtlCol="0" anchor="ctr"/>
-            <a:lstStyle/>
-            <a:p>
-              <a:pPr algn="ctr"/>
-              <a:endParaRPr lang="en-US"/>
-            </a:p>
-          </p:txBody>
-        </p:sp>
-      </p:grpSp>
-      <p:grpSp>
-        <p:nvGrpSpPr>
-          <p:cNvPr id="114" name="Group 113"/>
-          <p:cNvGrpSpPr/>
-          <p:nvPr/>
-        </p:nvGrpSpPr>
-        <p:grpSpPr>
-          <a:xfrm>
-            <a:off x="1524000" y="2362200"/>
-            <a:ext cx="457200" cy="685800"/>
-            <a:chOff x="5257800" y="2286000"/>
-            <a:chExt cx="457200" cy="685800"/>
-          </a:xfrm>
-        </p:grpSpPr>
-        <p:sp>
-          <p:nvSpPr>
-            <p:cNvPr id="115" name="Arc 114"/>
-            <p:cNvSpPr/>
-            <p:nvPr/>
-          </p:nvSpPr>
-          <p:spPr>
-            <a:xfrm>
-              <a:off x="5257800" y="2362200"/>
-              <a:ext cx="457200" cy="457200"/>
-            </a:xfrm>
-            <a:prstGeom prst="arc">
-              <a:avLst>
-                <a:gd name="adj1" fmla="val 9532380"/>
-                <a:gd name="adj2" fmla="val 6294069"/>
-              </a:avLst>
-            </a:prstGeom>
-            <a:ln>
-              <a:solidFill>
-                <a:schemeClr val="tx1"/>
-              </a:solidFill>
-            </a:ln>
-          </p:spPr>
-          <p:style>
-            <a:lnRef idx="1">
-              <a:schemeClr val="accent1"/>
-            </a:lnRef>
-            <a:fillRef idx="0">
-              <a:schemeClr val="accent1"/>
-            </a:fillRef>
-            <a:effectRef idx="0">
-              <a:schemeClr val="accent1"/>
-            </a:effectRef>
-            <a:fontRef idx="minor">
-              <a:schemeClr val="tx1"/>
-            </a:fontRef>
-          </p:style>
-          <p:txBody>
-            <a:bodyPr rtlCol="0" anchor="ctr"/>
-            <a:lstStyle/>
-            <a:p>
-              <a:pPr algn="ctr"/>
-              <a:endParaRPr lang="en-US"/>
-            </a:p>
-          </p:txBody>
-        </p:sp>
-        <p:sp>
-          <p:nvSpPr>
-            <p:cNvPr id="116" name="Rectangle 115"/>
-            <p:cNvSpPr/>
-            <p:nvPr/>
-          </p:nvSpPr>
-          <p:spPr>
-            <a:xfrm flipH="1" flipV="1">
-              <a:off x="5486400" y="2286000"/>
-              <a:ext cx="91438" cy="152400"/>
-            </a:xfrm>
-            <a:prstGeom prst="rect">
-              <a:avLst/>
-            </a:prstGeom>
-            <a:solidFill>
-              <a:schemeClr val="accent4"/>
-            </a:solidFill>
-            <a:ln>
-              <a:solidFill>
-                <a:schemeClr val="accent4"/>
-              </a:solidFill>
-            </a:ln>
-          </p:spPr>
-          <p:style>
-            <a:lnRef idx="2">
-              <a:schemeClr val="accent1">
-                <a:shade val="50000"/>
-              </a:schemeClr>
-            </a:lnRef>
-            <a:fillRef idx="1">
-              <a:schemeClr val="accent1"/>
-            </a:fillRef>
-            <a:effectRef idx="0">
-              <a:schemeClr val="accent1"/>
-            </a:effectRef>
-            <a:fontRef idx="minor">
-              <a:schemeClr val="lt1"/>
-            </a:fontRef>
-          </p:style>
-          <p:txBody>
-            <a:bodyPr rtlCol="0" anchor="ctr"/>
-            <a:lstStyle/>
-            <a:p>
-              <a:pPr algn="ctr"/>
-              <a:endParaRPr lang="en-US" dirty="0"/>
-            </a:p>
-          </p:txBody>
-        </p:sp>
-        <p:cxnSp>
-          <p:nvCxnSpPr>
-            <p:cNvPr id="117" name="Straight Connector 116"/>
-            <p:cNvCxnSpPr/>
-            <p:nvPr/>
-          </p:nvCxnSpPr>
-          <p:spPr>
-            <a:xfrm flipV="1">
-              <a:off x="5257800" y="2819400"/>
-              <a:ext cx="76200" cy="76200"/>
-            </a:xfrm>
-            <a:prstGeom prst="line">
-              <a:avLst/>
-            </a:prstGeom>
-            <a:ln>
-              <a:solidFill>
-                <a:schemeClr val="tx1"/>
-              </a:solidFill>
-            </a:ln>
-          </p:spPr>
-          <p:style>
-            <a:lnRef idx="1">
-              <a:schemeClr val="accent1"/>
-            </a:lnRef>
-            <a:fillRef idx="0">
-              <a:schemeClr val="accent1"/>
-            </a:fillRef>
-            <a:effectRef idx="0">
-              <a:schemeClr val="accent1"/>
-            </a:effectRef>
-            <a:fontRef idx="minor">
-              <a:schemeClr val="tx1"/>
-            </a:fontRef>
-          </p:style>
-        </p:cxnSp>
-        <p:cxnSp>
-          <p:nvCxnSpPr>
-            <p:cNvPr id="118" name="Straight Connector 117"/>
-            <p:cNvCxnSpPr/>
-            <p:nvPr/>
-          </p:nvCxnSpPr>
-          <p:spPr>
-            <a:xfrm flipV="1">
-              <a:off x="5257800" y="2895600"/>
-              <a:ext cx="76200" cy="76200"/>
-            </a:xfrm>
-            <a:prstGeom prst="line">
-              <a:avLst/>
-            </a:prstGeom>
-            <a:ln>
-              <a:solidFill>
-                <a:schemeClr val="tx1"/>
-              </a:solidFill>
-            </a:ln>
-          </p:spPr>
-          <p:style>
-            <a:lnRef idx="1">
-              <a:schemeClr val="accent1"/>
-            </a:lnRef>
-            <a:fillRef idx="0">
-              <a:schemeClr val="accent1"/>
-            </a:fillRef>
-            <a:effectRef idx="0">
-              <a:schemeClr val="accent1"/>
-            </a:effectRef>
-            <a:fontRef idx="minor">
-              <a:schemeClr val="tx1"/>
-            </a:fontRef>
-          </p:style>
-        </p:cxnSp>
-        <p:cxnSp>
-          <p:nvCxnSpPr>
-            <p:cNvPr id="119" name="Straight Connector 118"/>
-            <p:cNvCxnSpPr/>
-            <p:nvPr/>
-          </p:nvCxnSpPr>
-          <p:spPr>
-            <a:xfrm flipV="1">
-              <a:off x="5334000" y="2895600"/>
-              <a:ext cx="76200" cy="76200"/>
-            </a:xfrm>
-            <a:prstGeom prst="line">
-              <a:avLst/>
-            </a:prstGeom>
-            <a:ln>
-              <a:solidFill>
-                <a:schemeClr val="tx1"/>
-              </a:solidFill>
-            </a:ln>
-          </p:spPr>
-          <p:style>
-            <a:lnRef idx="1">
-              <a:schemeClr val="accent1"/>
-            </a:lnRef>
-            <a:fillRef idx="0">
-              <a:schemeClr val="accent1"/>
-            </a:fillRef>
-            <a:effectRef idx="0">
-              <a:schemeClr val="accent1"/>
-            </a:effectRef>
-            <a:fontRef idx="minor">
-              <a:schemeClr val="tx1"/>
-            </a:fontRef>
-          </p:style>
-        </p:cxnSp>
-        <p:cxnSp>
-          <p:nvCxnSpPr>
-            <p:cNvPr id="120" name="Straight Connector 119"/>
-            <p:cNvCxnSpPr/>
-            <p:nvPr/>
-          </p:nvCxnSpPr>
-          <p:spPr>
-            <a:xfrm flipV="1">
-              <a:off x="5257800" y="2743200"/>
-              <a:ext cx="76200" cy="76200"/>
-            </a:xfrm>
-            <a:prstGeom prst="line">
-              <a:avLst/>
-            </a:prstGeom>
-            <a:ln>
-              <a:solidFill>
-                <a:schemeClr val="tx1"/>
-              </a:solidFill>
-            </a:ln>
-          </p:spPr>
-          <p:style>
-            <a:lnRef idx="1">
-              <a:schemeClr val="accent1"/>
-            </a:lnRef>
-            <a:fillRef idx="0">
-              <a:schemeClr val="accent1"/>
-            </a:fillRef>
-            <a:effectRef idx="0">
-              <a:schemeClr val="accent1"/>
-            </a:effectRef>
-            <a:fontRef idx="minor">
-              <a:schemeClr val="tx1"/>
-            </a:fontRef>
-          </p:style>
-        </p:cxnSp>
-        <p:cxnSp>
-          <p:nvCxnSpPr>
-            <p:cNvPr id="121" name="Straight Connector 120"/>
-            <p:cNvCxnSpPr/>
-            <p:nvPr/>
-          </p:nvCxnSpPr>
-          <p:spPr>
-            <a:xfrm flipV="1">
-              <a:off x="5410200" y="2895600"/>
-              <a:ext cx="76200" cy="76200"/>
-            </a:xfrm>
-            <a:prstGeom prst="line">
-              <a:avLst/>
-            </a:prstGeom>
-            <a:ln>
-              <a:solidFill>
-                <a:schemeClr val="tx1"/>
-              </a:solidFill>
-            </a:ln>
-          </p:spPr>
-          <p:style>
-            <a:lnRef idx="1">
-              <a:schemeClr val="accent1"/>
-            </a:lnRef>
-            <a:fillRef idx="0">
-              <a:schemeClr val="accent1"/>
-            </a:fillRef>
-            <a:effectRef idx="0">
-              <a:schemeClr val="accent1"/>
-            </a:effectRef>
-            <a:fontRef idx="minor">
-              <a:schemeClr val="tx1"/>
-            </a:fontRef>
-          </p:style>
-        </p:cxnSp>
-        <p:sp>
-          <p:nvSpPr>
-            <p:cNvPr id="122" name="Rectangle 121"/>
-            <p:cNvSpPr/>
-            <p:nvPr/>
-          </p:nvSpPr>
-          <p:spPr>
-            <a:xfrm>
-              <a:off x="5334000" y="2590800"/>
-              <a:ext cx="152400" cy="304800"/>
-            </a:xfrm>
-            <a:prstGeom prst="rect">
-              <a:avLst/>
-            </a:prstGeom>
-            <a:solidFill>
-              <a:schemeClr val="accent6"/>
-            </a:solidFill>
-            <a:ln>
-              <a:solidFill>
-                <a:schemeClr val="accent6"/>
-              </a:solidFill>
-            </a:ln>
-          </p:spPr>
-          <p:style>
-            <a:lnRef idx="2">
-              <a:schemeClr val="accent1">
-                <a:shade val="50000"/>
-              </a:schemeClr>
-            </a:lnRef>
-            <a:fillRef idx="1">
-              <a:schemeClr val="accent1"/>
-            </a:fillRef>
-            <a:effectRef idx="0">
-              <a:schemeClr val="accent1"/>
-            </a:effectRef>
-            <a:fontRef idx="minor">
-              <a:schemeClr val="lt1"/>
-            </a:fontRef>
-          </p:style>
-          <p:txBody>
-            <a:bodyPr rtlCol="0" anchor="ctr"/>
-            <a:lstStyle/>
-            <a:p>
-              <a:pPr algn="ctr"/>
-              <a:endParaRPr lang="en-US"/>
-            </a:p>
-          </p:txBody>
-        </p:sp>
-      </p:grpSp>
-      <p:grpSp>
-        <p:nvGrpSpPr>
           <p:cNvPr id="123" name="Group 122"/>
           <p:cNvGrpSpPr/>
           <p:nvPr/>
         </p:nvGrpSpPr>
         <p:grpSpPr>
           <a:xfrm>
-            <a:off x="8153400" y="1600200"/>
+            <a:off x="8001000" y="1832811"/>
             <a:ext cx="685800" cy="457200"/>
             <a:chOff x="685800" y="2209800"/>
             <a:chExt cx="685800" cy="457200"/>
@@ -8069,7 +6193,7 @@
         </p:nvGrpSpPr>
         <p:grpSpPr>
           <a:xfrm>
-            <a:off x="7010400" y="1905000"/>
+            <a:off x="7162800" y="1981200"/>
             <a:ext cx="457200" cy="609600"/>
             <a:chOff x="2971800" y="2895600"/>
             <a:chExt cx="457200" cy="609600"/>
@@ -8220,327 +6344,13 @@
       </p:grpSp>
       <p:grpSp>
         <p:nvGrpSpPr>
-          <p:cNvPr id="136" name="Group 135"/>
-          <p:cNvGrpSpPr/>
-          <p:nvPr/>
-        </p:nvGrpSpPr>
-        <p:grpSpPr>
-          <a:xfrm>
-            <a:off x="5029200" y="1295400"/>
-            <a:ext cx="457200" cy="609600"/>
-            <a:chOff x="2971800" y="2895600"/>
-            <a:chExt cx="457200" cy="609600"/>
-          </a:xfrm>
-        </p:grpSpPr>
-        <p:sp>
-          <p:nvSpPr>
-            <p:cNvPr id="137" name="Arc 136"/>
-            <p:cNvSpPr/>
-            <p:nvPr/>
-          </p:nvSpPr>
-          <p:spPr>
-            <a:xfrm>
-              <a:off x="2971800" y="2971800"/>
-              <a:ext cx="457200" cy="457200"/>
-            </a:xfrm>
-            <a:prstGeom prst="arc">
-              <a:avLst>
-                <a:gd name="adj1" fmla="val 9532380"/>
-                <a:gd name="adj2" fmla="val 6294069"/>
-              </a:avLst>
-            </a:prstGeom>
-            <a:ln>
-              <a:solidFill>
-                <a:schemeClr val="tx1"/>
-              </a:solidFill>
-            </a:ln>
-          </p:spPr>
-          <p:style>
-            <a:lnRef idx="1">
-              <a:schemeClr val="accent1"/>
-            </a:lnRef>
-            <a:fillRef idx="0">
-              <a:schemeClr val="accent1"/>
-            </a:fillRef>
-            <a:effectRef idx="0">
-              <a:schemeClr val="accent1"/>
-            </a:effectRef>
-            <a:fontRef idx="minor">
-              <a:schemeClr val="tx1"/>
-            </a:fontRef>
-          </p:style>
-          <p:txBody>
-            <a:bodyPr rtlCol="0" anchor="ctr"/>
-            <a:lstStyle/>
-            <a:p>
-              <a:pPr algn="ctr"/>
-              <a:endParaRPr lang="en-US"/>
-            </a:p>
-          </p:txBody>
-        </p:sp>
-        <p:sp>
-          <p:nvSpPr>
-            <p:cNvPr id="138" name="Rectangle 137"/>
-            <p:cNvSpPr/>
-            <p:nvPr/>
-          </p:nvSpPr>
-          <p:spPr>
-            <a:xfrm>
-              <a:off x="3048000" y="3200400"/>
-              <a:ext cx="152400" cy="304800"/>
-            </a:xfrm>
-            <a:prstGeom prst="rect">
-              <a:avLst/>
-            </a:prstGeom>
-            <a:solidFill>
-              <a:schemeClr val="accent6"/>
-            </a:solidFill>
-            <a:ln>
-              <a:solidFill>
-                <a:schemeClr val="accent6"/>
-              </a:solidFill>
-            </a:ln>
-          </p:spPr>
-          <p:style>
-            <a:lnRef idx="2">
-              <a:schemeClr val="accent1">
-                <a:shade val="50000"/>
-              </a:schemeClr>
-            </a:lnRef>
-            <a:fillRef idx="1">
-              <a:schemeClr val="accent1"/>
-            </a:fillRef>
-            <a:effectRef idx="0">
-              <a:schemeClr val="accent1"/>
-            </a:effectRef>
-            <a:fontRef idx="minor">
-              <a:schemeClr val="lt1"/>
-            </a:fontRef>
-          </p:style>
-          <p:txBody>
-            <a:bodyPr rtlCol="0" anchor="ctr"/>
-            <a:lstStyle/>
-            <a:p>
-              <a:pPr algn="ctr"/>
-              <a:endParaRPr lang="en-US"/>
-            </a:p>
-          </p:txBody>
-        </p:sp>
-        <p:sp>
-          <p:nvSpPr>
-            <p:cNvPr id="139" name="Rectangle 138"/>
-            <p:cNvSpPr/>
-            <p:nvPr/>
-          </p:nvSpPr>
-          <p:spPr>
-            <a:xfrm>
-              <a:off x="3276600" y="2895600"/>
-              <a:ext cx="76200" cy="228600"/>
-            </a:xfrm>
-            <a:prstGeom prst="rect">
-              <a:avLst/>
-            </a:prstGeom>
-            <a:solidFill>
-              <a:schemeClr val="accent4"/>
-            </a:solidFill>
-            <a:ln>
-              <a:solidFill>
-                <a:schemeClr val="accent4"/>
-              </a:solidFill>
-            </a:ln>
-          </p:spPr>
-          <p:style>
-            <a:lnRef idx="2">
-              <a:schemeClr val="accent1">
-                <a:shade val="50000"/>
-              </a:schemeClr>
-            </a:lnRef>
-            <a:fillRef idx="1">
-              <a:schemeClr val="accent1"/>
-            </a:fillRef>
-            <a:effectRef idx="0">
-              <a:schemeClr val="accent1"/>
-            </a:effectRef>
-            <a:fontRef idx="minor">
-              <a:schemeClr val="lt1"/>
-            </a:fontRef>
-          </p:style>
-          <p:txBody>
-            <a:bodyPr rtlCol="0" anchor="ctr"/>
-            <a:lstStyle/>
-            <a:p>
-              <a:pPr algn="ctr"/>
-              <a:endParaRPr lang="en-US"/>
-            </a:p>
-          </p:txBody>
-        </p:sp>
-      </p:grpSp>
-      <p:grpSp>
-        <p:nvGrpSpPr>
-          <p:cNvPr id="140" name="Group 139"/>
-          <p:cNvGrpSpPr/>
-          <p:nvPr/>
-        </p:nvGrpSpPr>
-        <p:grpSpPr>
-          <a:xfrm>
-            <a:off x="2743200" y="990600"/>
-            <a:ext cx="457200" cy="609600"/>
-            <a:chOff x="2971800" y="2895600"/>
-            <a:chExt cx="457200" cy="609600"/>
-          </a:xfrm>
-        </p:grpSpPr>
-        <p:sp>
-          <p:nvSpPr>
-            <p:cNvPr id="141" name="Arc 140"/>
-            <p:cNvSpPr/>
-            <p:nvPr/>
-          </p:nvSpPr>
-          <p:spPr>
-            <a:xfrm>
-              <a:off x="2971800" y="2971800"/>
-              <a:ext cx="457200" cy="457200"/>
-            </a:xfrm>
-            <a:prstGeom prst="arc">
-              <a:avLst>
-                <a:gd name="adj1" fmla="val 9532380"/>
-                <a:gd name="adj2" fmla="val 6294069"/>
-              </a:avLst>
-            </a:prstGeom>
-            <a:ln>
-              <a:solidFill>
-                <a:schemeClr val="tx1"/>
-              </a:solidFill>
-            </a:ln>
-          </p:spPr>
-          <p:style>
-            <a:lnRef idx="1">
-              <a:schemeClr val="accent1"/>
-            </a:lnRef>
-            <a:fillRef idx="0">
-              <a:schemeClr val="accent1"/>
-            </a:fillRef>
-            <a:effectRef idx="0">
-              <a:schemeClr val="accent1"/>
-            </a:effectRef>
-            <a:fontRef idx="minor">
-              <a:schemeClr val="tx1"/>
-            </a:fontRef>
-          </p:style>
-          <p:txBody>
-            <a:bodyPr rtlCol="0" anchor="ctr"/>
-            <a:lstStyle/>
-            <a:p>
-              <a:pPr algn="ctr"/>
-              <a:endParaRPr lang="en-US"/>
-            </a:p>
-          </p:txBody>
-        </p:sp>
-        <p:sp>
-          <p:nvSpPr>
-            <p:cNvPr id="142" name="Rectangle 141"/>
-            <p:cNvSpPr/>
-            <p:nvPr/>
-          </p:nvSpPr>
-          <p:spPr>
-            <a:xfrm>
-              <a:off x="3048000" y="3200400"/>
-              <a:ext cx="152400" cy="304800"/>
-            </a:xfrm>
-            <a:prstGeom prst="rect">
-              <a:avLst/>
-            </a:prstGeom>
-            <a:solidFill>
-              <a:schemeClr val="accent6"/>
-            </a:solidFill>
-            <a:ln>
-              <a:solidFill>
-                <a:schemeClr val="accent6"/>
-              </a:solidFill>
-            </a:ln>
-          </p:spPr>
-          <p:style>
-            <a:lnRef idx="2">
-              <a:schemeClr val="accent1">
-                <a:shade val="50000"/>
-              </a:schemeClr>
-            </a:lnRef>
-            <a:fillRef idx="1">
-              <a:schemeClr val="accent1"/>
-            </a:fillRef>
-            <a:effectRef idx="0">
-              <a:schemeClr val="accent1"/>
-            </a:effectRef>
-            <a:fontRef idx="minor">
-              <a:schemeClr val="lt1"/>
-            </a:fontRef>
-          </p:style>
-          <p:txBody>
-            <a:bodyPr rtlCol="0" anchor="ctr"/>
-            <a:lstStyle/>
-            <a:p>
-              <a:pPr algn="ctr"/>
-              <a:endParaRPr lang="en-US"/>
-            </a:p>
-          </p:txBody>
-        </p:sp>
-        <p:sp>
-          <p:nvSpPr>
-            <p:cNvPr id="143" name="Rectangle 142"/>
-            <p:cNvSpPr/>
-            <p:nvPr/>
-          </p:nvSpPr>
-          <p:spPr>
-            <a:xfrm>
-              <a:off x="3276600" y="2895600"/>
-              <a:ext cx="76200" cy="228600"/>
-            </a:xfrm>
-            <a:prstGeom prst="rect">
-              <a:avLst/>
-            </a:prstGeom>
-            <a:solidFill>
-              <a:schemeClr val="accent4"/>
-            </a:solidFill>
-            <a:ln>
-              <a:solidFill>
-                <a:schemeClr val="accent4"/>
-              </a:solidFill>
-            </a:ln>
-          </p:spPr>
-          <p:style>
-            <a:lnRef idx="2">
-              <a:schemeClr val="accent1">
-                <a:shade val="50000"/>
-              </a:schemeClr>
-            </a:lnRef>
-            <a:fillRef idx="1">
-              <a:schemeClr val="accent1"/>
-            </a:fillRef>
-            <a:effectRef idx="0">
-              <a:schemeClr val="accent1"/>
-            </a:effectRef>
-            <a:fontRef idx="minor">
-              <a:schemeClr val="lt1"/>
-            </a:fontRef>
-          </p:style>
-          <p:txBody>
-            <a:bodyPr rtlCol="0" anchor="ctr"/>
-            <a:lstStyle/>
-            <a:p>
-              <a:pPr algn="ctr"/>
-              <a:endParaRPr lang="en-US"/>
-            </a:p>
-          </p:txBody>
-        </p:sp>
-      </p:grpSp>
-      <p:grpSp>
-        <p:nvGrpSpPr>
           <p:cNvPr id="144" name="Group 143"/>
           <p:cNvGrpSpPr/>
           <p:nvPr/>
         </p:nvGrpSpPr>
         <p:grpSpPr>
-          <a:xfrm rot="758661">
-            <a:off x="7146580" y="4866780"/>
+          <a:xfrm rot="2324470">
+            <a:off x="7695586" y="4563385"/>
             <a:ext cx="702634" cy="768446"/>
             <a:chOff x="4206606" y="3899795"/>
             <a:chExt cx="974994" cy="900805"/>
@@ -9066,6 +6876,3436 @@
             <a:p>
               <a:pPr algn="ctr"/>
               <a:endParaRPr lang="en-US"/>
+            </a:p>
+          </p:txBody>
+        </p:sp>
+      </p:grpSp>
+      <p:grpSp>
+        <p:nvGrpSpPr>
+          <p:cNvPr id="230" name="Group 229"/>
+          <p:cNvGrpSpPr/>
+          <p:nvPr/>
+        </p:nvGrpSpPr>
+        <p:grpSpPr>
+          <a:xfrm>
+            <a:off x="1595058" y="96660"/>
+            <a:ext cx="995742" cy="970140"/>
+            <a:chOff x="1442658" y="249060"/>
+            <a:chExt cx="995742" cy="970140"/>
+          </a:xfrm>
+        </p:grpSpPr>
+        <p:sp>
+          <p:nvSpPr>
+            <p:cNvPr id="26" name="TextBox 25"/>
+            <p:cNvSpPr txBox="1"/>
+            <p:nvPr/>
+          </p:nvSpPr>
+          <p:spPr>
+            <a:xfrm>
+              <a:off x="1442658" y="849868"/>
+              <a:ext cx="990600" cy="369332"/>
+            </a:xfrm>
+            <a:prstGeom prst="rect">
+              <a:avLst/>
+            </a:prstGeom>
+            <a:noFill/>
+            <a:ln>
+              <a:noFill/>
+            </a:ln>
+          </p:spPr>
+          <p:txBody>
+            <a:bodyPr wrap="square" rtlCol="0">
+              <a:spAutoFit/>
+            </a:bodyPr>
+            <a:lstStyle/>
+            <a:p>
+              <a:r>
+                <a:rPr lang="en-US" dirty="0" smtClean="0"/>
+                <a:t>Deorbit</a:t>
+              </a:r>
+              <a:endParaRPr lang="en-US" dirty="0"/>
+            </a:p>
+          </p:txBody>
+        </p:sp>
+        <p:grpSp>
+          <p:nvGrpSpPr>
+            <p:cNvPr id="169" name="Group 168"/>
+            <p:cNvGrpSpPr/>
+            <p:nvPr/>
+          </p:nvGrpSpPr>
+          <p:grpSpPr>
+            <a:xfrm rot="5560985">
+              <a:off x="1828800" y="477660"/>
+              <a:ext cx="228600" cy="381000"/>
+              <a:chOff x="1447800" y="1524000"/>
+              <a:chExt cx="228600" cy="381000"/>
+            </a:xfrm>
+          </p:grpSpPr>
+          <p:cxnSp>
+            <p:nvCxnSpPr>
+              <p:cNvPr id="163" name="Straight Connector 162"/>
+              <p:cNvCxnSpPr/>
+              <p:nvPr/>
+            </p:nvCxnSpPr>
+            <p:spPr>
+              <a:xfrm flipV="1">
+                <a:off x="1447800" y="1752600"/>
+                <a:ext cx="76200" cy="76200"/>
+              </a:xfrm>
+              <a:prstGeom prst="line">
+                <a:avLst/>
+              </a:prstGeom>
+              <a:ln>
+                <a:solidFill>
+                  <a:schemeClr val="tx1"/>
+                </a:solidFill>
+              </a:ln>
+            </p:spPr>
+            <p:style>
+              <a:lnRef idx="1">
+                <a:schemeClr val="accent1"/>
+              </a:lnRef>
+              <a:fillRef idx="0">
+                <a:schemeClr val="accent1"/>
+              </a:fillRef>
+              <a:effectRef idx="0">
+                <a:schemeClr val="accent1"/>
+              </a:effectRef>
+              <a:fontRef idx="minor">
+                <a:schemeClr val="tx1"/>
+              </a:fontRef>
+            </p:style>
+          </p:cxnSp>
+          <p:cxnSp>
+            <p:nvCxnSpPr>
+              <p:cNvPr id="164" name="Straight Connector 163"/>
+              <p:cNvCxnSpPr/>
+              <p:nvPr/>
+            </p:nvCxnSpPr>
+            <p:spPr>
+              <a:xfrm flipV="1">
+                <a:off x="1447800" y="1828800"/>
+                <a:ext cx="76200" cy="76200"/>
+              </a:xfrm>
+              <a:prstGeom prst="line">
+                <a:avLst/>
+              </a:prstGeom>
+              <a:ln>
+                <a:solidFill>
+                  <a:schemeClr val="tx1"/>
+                </a:solidFill>
+              </a:ln>
+            </p:spPr>
+            <p:style>
+              <a:lnRef idx="1">
+                <a:schemeClr val="accent1"/>
+              </a:lnRef>
+              <a:fillRef idx="0">
+                <a:schemeClr val="accent1"/>
+              </a:fillRef>
+              <a:effectRef idx="0">
+                <a:schemeClr val="accent1"/>
+              </a:effectRef>
+              <a:fontRef idx="minor">
+                <a:schemeClr val="tx1"/>
+              </a:fontRef>
+            </p:style>
+          </p:cxnSp>
+          <p:cxnSp>
+            <p:nvCxnSpPr>
+              <p:cNvPr id="165" name="Straight Connector 164"/>
+              <p:cNvCxnSpPr/>
+              <p:nvPr/>
+            </p:nvCxnSpPr>
+            <p:spPr>
+              <a:xfrm flipV="1">
+                <a:off x="1524000" y="1828800"/>
+                <a:ext cx="76200" cy="76200"/>
+              </a:xfrm>
+              <a:prstGeom prst="line">
+                <a:avLst/>
+              </a:prstGeom>
+              <a:ln>
+                <a:solidFill>
+                  <a:schemeClr val="tx1"/>
+                </a:solidFill>
+              </a:ln>
+            </p:spPr>
+            <p:style>
+              <a:lnRef idx="1">
+                <a:schemeClr val="accent1"/>
+              </a:lnRef>
+              <a:fillRef idx="0">
+                <a:schemeClr val="accent1"/>
+              </a:fillRef>
+              <a:effectRef idx="0">
+                <a:schemeClr val="accent1"/>
+              </a:effectRef>
+              <a:fontRef idx="minor">
+                <a:schemeClr val="tx1"/>
+              </a:fontRef>
+            </p:style>
+          </p:cxnSp>
+          <p:cxnSp>
+            <p:nvCxnSpPr>
+              <p:cNvPr id="166" name="Straight Connector 165"/>
+              <p:cNvCxnSpPr/>
+              <p:nvPr/>
+            </p:nvCxnSpPr>
+            <p:spPr>
+              <a:xfrm flipV="1">
+                <a:off x="1447800" y="1676400"/>
+                <a:ext cx="76200" cy="76200"/>
+              </a:xfrm>
+              <a:prstGeom prst="line">
+                <a:avLst/>
+              </a:prstGeom>
+              <a:ln>
+                <a:solidFill>
+                  <a:schemeClr val="tx1"/>
+                </a:solidFill>
+              </a:ln>
+            </p:spPr>
+            <p:style>
+              <a:lnRef idx="1">
+                <a:schemeClr val="accent1"/>
+              </a:lnRef>
+              <a:fillRef idx="0">
+                <a:schemeClr val="accent1"/>
+              </a:fillRef>
+              <a:effectRef idx="0">
+                <a:schemeClr val="accent1"/>
+              </a:effectRef>
+              <a:fontRef idx="minor">
+                <a:schemeClr val="tx1"/>
+              </a:fontRef>
+            </p:style>
+          </p:cxnSp>
+          <p:cxnSp>
+            <p:nvCxnSpPr>
+              <p:cNvPr id="167" name="Straight Connector 166"/>
+              <p:cNvCxnSpPr/>
+              <p:nvPr/>
+            </p:nvCxnSpPr>
+            <p:spPr>
+              <a:xfrm flipV="1">
+                <a:off x="1600200" y="1828800"/>
+                <a:ext cx="76200" cy="76200"/>
+              </a:xfrm>
+              <a:prstGeom prst="line">
+                <a:avLst/>
+              </a:prstGeom>
+              <a:ln>
+                <a:solidFill>
+                  <a:schemeClr val="tx1"/>
+                </a:solidFill>
+              </a:ln>
+            </p:spPr>
+            <p:style>
+              <a:lnRef idx="1">
+                <a:schemeClr val="accent1"/>
+              </a:lnRef>
+              <a:fillRef idx="0">
+                <a:schemeClr val="accent1"/>
+              </a:fillRef>
+              <a:effectRef idx="0">
+                <a:schemeClr val="accent1"/>
+              </a:effectRef>
+              <a:fontRef idx="minor">
+                <a:schemeClr val="tx1"/>
+              </a:fontRef>
+            </p:style>
+          </p:cxnSp>
+          <p:sp>
+            <p:nvSpPr>
+              <p:cNvPr id="168" name="Rectangle 167"/>
+              <p:cNvSpPr/>
+              <p:nvPr/>
+            </p:nvSpPr>
+            <p:spPr>
+              <a:xfrm>
+                <a:off x="1524000" y="1524000"/>
+                <a:ext cx="152400" cy="304800"/>
+              </a:xfrm>
+              <a:prstGeom prst="rect">
+                <a:avLst/>
+              </a:prstGeom>
+              <a:solidFill>
+                <a:schemeClr val="accent6"/>
+              </a:solidFill>
+              <a:ln>
+                <a:solidFill>
+                  <a:schemeClr val="accent6"/>
+                </a:solidFill>
+              </a:ln>
+            </p:spPr>
+            <p:style>
+              <a:lnRef idx="2">
+                <a:schemeClr val="accent1">
+                  <a:shade val="50000"/>
+                </a:schemeClr>
+              </a:lnRef>
+              <a:fillRef idx="1">
+                <a:schemeClr val="accent1"/>
+              </a:fillRef>
+              <a:effectRef idx="0">
+                <a:schemeClr val="accent1"/>
+              </a:effectRef>
+              <a:fontRef idx="minor">
+                <a:schemeClr val="lt1"/>
+              </a:fontRef>
+            </p:style>
+            <p:txBody>
+              <a:bodyPr rtlCol="0" anchor="ctr"/>
+              <a:lstStyle/>
+              <a:p>
+                <a:pPr algn="ctr"/>
+                <a:endParaRPr lang="en-US"/>
+              </a:p>
+            </p:txBody>
+          </p:sp>
+        </p:grpSp>
+        <p:grpSp>
+          <p:nvGrpSpPr>
+            <p:cNvPr id="170" name="Group 169"/>
+            <p:cNvGrpSpPr/>
+            <p:nvPr/>
+          </p:nvGrpSpPr>
+          <p:grpSpPr>
+            <a:xfrm rot="5560985">
+              <a:off x="2133600" y="172860"/>
+              <a:ext cx="228600" cy="381000"/>
+              <a:chOff x="1447800" y="1524000"/>
+              <a:chExt cx="228600" cy="381000"/>
+            </a:xfrm>
+          </p:grpSpPr>
+          <p:cxnSp>
+            <p:nvCxnSpPr>
+              <p:cNvPr id="171" name="Straight Connector 170"/>
+              <p:cNvCxnSpPr/>
+              <p:nvPr/>
+            </p:nvCxnSpPr>
+            <p:spPr>
+              <a:xfrm flipV="1">
+                <a:off x="1447800" y="1752600"/>
+                <a:ext cx="76200" cy="76200"/>
+              </a:xfrm>
+              <a:prstGeom prst="line">
+                <a:avLst/>
+              </a:prstGeom>
+              <a:ln>
+                <a:solidFill>
+                  <a:schemeClr val="tx1"/>
+                </a:solidFill>
+              </a:ln>
+            </p:spPr>
+            <p:style>
+              <a:lnRef idx="1">
+                <a:schemeClr val="accent1"/>
+              </a:lnRef>
+              <a:fillRef idx="0">
+                <a:schemeClr val="accent1"/>
+              </a:fillRef>
+              <a:effectRef idx="0">
+                <a:schemeClr val="accent1"/>
+              </a:effectRef>
+              <a:fontRef idx="minor">
+                <a:schemeClr val="tx1"/>
+              </a:fontRef>
+            </p:style>
+          </p:cxnSp>
+          <p:cxnSp>
+            <p:nvCxnSpPr>
+              <p:cNvPr id="172" name="Straight Connector 171"/>
+              <p:cNvCxnSpPr/>
+              <p:nvPr/>
+            </p:nvCxnSpPr>
+            <p:spPr>
+              <a:xfrm flipV="1">
+                <a:off x="1447800" y="1828800"/>
+                <a:ext cx="76200" cy="76200"/>
+              </a:xfrm>
+              <a:prstGeom prst="line">
+                <a:avLst/>
+              </a:prstGeom>
+              <a:ln>
+                <a:solidFill>
+                  <a:schemeClr val="tx1"/>
+                </a:solidFill>
+              </a:ln>
+            </p:spPr>
+            <p:style>
+              <a:lnRef idx="1">
+                <a:schemeClr val="accent1"/>
+              </a:lnRef>
+              <a:fillRef idx="0">
+                <a:schemeClr val="accent1"/>
+              </a:fillRef>
+              <a:effectRef idx="0">
+                <a:schemeClr val="accent1"/>
+              </a:effectRef>
+              <a:fontRef idx="minor">
+                <a:schemeClr val="tx1"/>
+              </a:fontRef>
+            </p:style>
+          </p:cxnSp>
+          <p:cxnSp>
+            <p:nvCxnSpPr>
+              <p:cNvPr id="173" name="Straight Connector 172"/>
+              <p:cNvCxnSpPr/>
+              <p:nvPr/>
+            </p:nvCxnSpPr>
+            <p:spPr>
+              <a:xfrm flipV="1">
+                <a:off x="1524000" y="1828800"/>
+                <a:ext cx="76200" cy="76200"/>
+              </a:xfrm>
+              <a:prstGeom prst="line">
+                <a:avLst/>
+              </a:prstGeom>
+              <a:ln>
+                <a:solidFill>
+                  <a:schemeClr val="tx1"/>
+                </a:solidFill>
+              </a:ln>
+            </p:spPr>
+            <p:style>
+              <a:lnRef idx="1">
+                <a:schemeClr val="accent1"/>
+              </a:lnRef>
+              <a:fillRef idx="0">
+                <a:schemeClr val="accent1"/>
+              </a:fillRef>
+              <a:effectRef idx="0">
+                <a:schemeClr val="accent1"/>
+              </a:effectRef>
+              <a:fontRef idx="minor">
+                <a:schemeClr val="tx1"/>
+              </a:fontRef>
+            </p:style>
+          </p:cxnSp>
+          <p:cxnSp>
+            <p:nvCxnSpPr>
+              <p:cNvPr id="174" name="Straight Connector 173"/>
+              <p:cNvCxnSpPr/>
+              <p:nvPr/>
+            </p:nvCxnSpPr>
+            <p:spPr>
+              <a:xfrm flipV="1">
+                <a:off x="1447800" y="1676400"/>
+                <a:ext cx="76200" cy="76200"/>
+              </a:xfrm>
+              <a:prstGeom prst="line">
+                <a:avLst/>
+              </a:prstGeom>
+              <a:ln>
+                <a:solidFill>
+                  <a:schemeClr val="tx1"/>
+                </a:solidFill>
+              </a:ln>
+            </p:spPr>
+            <p:style>
+              <a:lnRef idx="1">
+                <a:schemeClr val="accent1"/>
+              </a:lnRef>
+              <a:fillRef idx="0">
+                <a:schemeClr val="accent1"/>
+              </a:fillRef>
+              <a:effectRef idx="0">
+                <a:schemeClr val="accent1"/>
+              </a:effectRef>
+              <a:fontRef idx="minor">
+                <a:schemeClr val="tx1"/>
+              </a:fontRef>
+            </p:style>
+          </p:cxnSp>
+          <p:cxnSp>
+            <p:nvCxnSpPr>
+              <p:cNvPr id="175" name="Straight Connector 174"/>
+              <p:cNvCxnSpPr/>
+              <p:nvPr/>
+            </p:nvCxnSpPr>
+            <p:spPr>
+              <a:xfrm flipV="1">
+                <a:off x="1600200" y="1828800"/>
+                <a:ext cx="76200" cy="76200"/>
+              </a:xfrm>
+              <a:prstGeom prst="line">
+                <a:avLst/>
+              </a:prstGeom>
+              <a:ln>
+                <a:solidFill>
+                  <a:schemeClr val="tx1"/>
+                </a:solidFill>
+              </a:ln>
+            </p:spPr>
+            <p:style>
+              <a:lnRef idx="1">
+                <a:schemeClr val="accent1"/>
+              </a:lnRef>
+              <a:fillRef idx="0">
+                <a:schemeClr val="accent1"/>
+              </a:fillRef>
+              <a:effectRef idx="0">
+                <a:schemeClr val="accent1"/>
+              </a:effectRef>
+              <a:fontRef idx="minor">
+                <a:schemeClr val="tx1"/>
+              </a:fontRef>
+            </p:style>
+          </p:cxnSp>
+          <p:sp>
+            <p:nvSpPr>
+              <p:cNvPr id="176" name="Rectangle 175"/>
+              <p:cNvSpPr/>
+              <p:nvPr/>
+            </p:nvSpPr>
+            <p:spPr>
+              <a:xfrm>
+                <a:off x="1524000" y="1524000"/>
+                <a:ext cx="152400" cy="304800"/>
+              </a:xfrm>
+              <a:prstGeom prst="rect">
+                <a:avLst/>
+              </a:prstGeom>
+              <a:solidFill>
+                <a:schemeClr val="accent4">
+                  <a:lumMod val="75000"/>
+                </a:schemeClr>
+              </a:solidFill>
+              <a:ln>
+                <a:solidFill>
+                  <a:schemeClr val="accent4">
+                    <a:lumMod val="75000"/>
+                  </a:schemeClr>
+                </a:solidFill>
+              </a:ln>
+            </p:spPr>
+            <p:style>
+              <a:lnRef idx="2">
+                <a:schemeClr val="accent1">
+                  <a:shade val="50000"/>
+                </a:schemeClr>
+              </a:lnRef>
+              <a:fillRef idx="1">
+                <a:schemeClr val="accent1"/>
+              </a:fillRef>
+              <a:effectRef idx="0">
+                <a:schemeClr val="accent1"/>
+              </a:effectRef>
+              <a:fontRef idx="minor">
+                <a:schemeClr val="lt1"/>
+              </a:fontRef>
+            </p:style>
+            <p:txBody>
+              <a:bodyPr rtlCol="0" anchor="ctr"/>
+              <a:lstStyle/>
+              <a:p>
+                <a:pPr algn="ctr"/>
+                <a:endParaRPr lang="en-US"/>
+              </a:p>
+            </p:txBody>
+          </p:sp>
+        </p:grpSp>
+      </p:grpSp>
+      <p:grpSp>
+        <p:nvGrpSpPr>
+          <p:cNvPr id="228" name="Group 227"/>
+          <p:cNvGrpSpPr/>
+          <p:nvPr/>
+        </p:nvGrpSpPr>
+        <p:grpSpPr>
+          <a:xfrm>
+            <a:off x="-25732" y="990600"/>
+            <a:ext cx="1702132" cy="1504125"/>
+            <a:chOff x="-533400" y="1519050"/>
+            <a:chExt cx="1702132" cy="1504125"/>
+          </a:xfrm>
+        </p:grpSpPr>
+        <p:grpSp>
+          <p:nvGrpSpPr>
+            <p:cNvPr id="177" name="Group 176"/>
+            <p:cNvGrpSpPr/>
+            <p:nvPr/>
+          </p:nvGrpSpPr>
+          <p:grpSpPr>
+            <a:xfrm>
+              <a:off x="533400" y="1676400"/>
+              <a:ext cx="457200" cy="685800"/>
+              <a:chOff x="5257800" y="2286000"/>
+              <a:chExt cx="457200" cy="685800"/>
+            </a:xfrm>
+          </p:grpSpPr>
+          <p:sp>
+            <p:nvSpPr>
+              <p:cNvPr id="178" name="Arc 177"/>
+              <p:cNvSpPr/>
+              <p:nvPr/>
+            </p:nvSpPr>
+            <p:spPr>
+              <a:xfrm>
+                <a:off x="5257800" y="2362200"/>
+                <a:ext cx="457200" cy="457200"/>
+              </a:xfrm>
+              <a:prstGeom prst="arc">
+                <a:avLst>
+                  <a:gd name="adj1" fmla="val 9532380"/>
+                  <a:gd name="adj2" fmla="val 6294069"/>
+                </a:avLst>
+              </a:prstGeom>
+              <a:ln>
+                <a:solidFill>
+                  <a:schemeClr val="tx1"/>
+                </a:solidFill>
+              </a:ln>
+            </p:spPr>
+            <p:style>
+              <a:lnRef idx="1">
+                <a:schemeClr val="accent1"/>
+              </a:lnRef>
+              <a:fillRef idx="0">
+                <a:schemeClr val="accent1"/>
+              </a:fillRef>
+              <a:effectRef idx="0">
+                <a:schemeClr val="accent1"/>
+              </a:effectRef>
+              <a:fontRef idx="minor">
+                <a:schemeClr val="tx1"/>
+              </a:fontRef>
+            </p:style>
+            <p:txBody>
+              <a:bodyPr rtlCol="0" anchor="ctr"/>
+              <a:lstStyle/>
+              <a:p>
+                <a:pPr algn="ctr"/>
+                <a:endParaRPr lang="en-US"/>
+              </a:p>
+            </p:txBody>
+          </p:sp>
+          <p:sp>
+            <p:nvSpPr>
+              <p:cNvPr id="179" name="Rectangle 178"/>
+              <p:cNvSpPr/>
+              <p:nvPr/>
+            </p:nvSpPr>
+            <p:spPr>
+              <a:xfrm flipH="1" flipV="1">
+                <a:off x="5486400" y="2286000"/>
+                <a:ext cx="91438" cy="152400"/>
+              </a:xfrm>
+              <a:prstGeom prst="rect">
+                <a:avLst/>
+              </a:prstGeom>
+              <a:solidFill>
+                <a:schemeClr val="accent4"/>
+              </a:solidFill>
+              <a:ln>
+                <a:solidFill>
+                  <a:schemeClr val="accent4"/>
+                </a:solidFill>
+              </a:ln>
+            </p:spPr>
+            <p:style>
+              <a:lnRef idx="2">
+                <a:schemeClr val="accent1">
+                  <a:shade val="50000"/>
+                </a:schemeClr>
+              </a:lnRef>
+              <a:fillRef idx="1">
+                <a:schemeClr val="accent1"/>
+              </a:fillRef>
+              <a:effectRef idx="0">
+                <a:schemeClr val="accent1"/>
+              </a:effectRef>
+              <a:fontRef idx="minor">
+                <a:schemeClr val="lt1"/>
+              </a:fontRef>
+            </p:style>
+            <p:txBody>
+              <a:bodyPr rtlCol="0" anchor="ctr"/>
+              <a:lstStyle/>
+              <a:p>
+                <a:pPr algn="ctr"/>
+                <a:endParaRPr lang="en-US" dirty="0"/>
+              </a:p>
+            </p:txBody>
+          </p:sp>
+          <p:cxnSp>
+            <p:nvCxnSpPr>
+              <p:cNvPr id="180" name="Straight Connector 179"/>
+              <p:cNvCxnSpPr/>
+              <p:nvPr/>
+            </p:nvCxnSpPr>
+            <p:spPr>
+              <a:xfrm flipV="1">
+                <a:off x="5257800" y="2819400"/>
+                <a:ext cx="76200" cy="76200"/>
+              </a:xfrm>
+              <a:prstGeom prst="line">
+                <a:avLst/>
+              </a:prstGeom>
+              <a:ln>
+                <a:solidFill>
+                  <a:schemeClr val="tx1"/>
+                </a:solidFill>
+              </a:ln>
+            </p:spPr>
+            <p:style>
+              <a:lnRef idx="1">
+                <a:schemeClr val="accent1"/>
+              </a:lnRef>
+              <a:fillRef idx="0">
+                <a:schemeClr val="accent1"/>
+              </a:fillRef>
+              <a:effectRef idx="0">
+                <a:schemeClr val="accent1"/>
+              </a:effectRef>
+              <a:fontRef idx="minor">
+                <a:schemeClr val="tx1"/>
+              </a:fontRef>
+            </p:style>
+          </p:cxnSp>
+          <p:cxnSp>
+            <p:nvCxnSpPr>
+              <p:cNvPr id="181" name="Straight Connector 180"/>
+              <p:cNvCxnSpPr/>
+              <p:nvPr/>
+            </p:nvCxnSpPr>
+            <p:spPr>
+              <a:xfrm flipV="1">
+                <a:off x="5257800" y="2895600"/>
+                <a:ext cx="76200" cy="76200"/>
+              </a:xfrm>
+              <a:prstGeom prst="line">
+                <a:avLst/>
+              </a:prstGeom>
+              <a:ln>
+                <a:solidFill>
+                  <a:schemeClr val="tx1"/>
+                </a:solidFill>
+              </a:ln>
+            </p:spPr>
+            <p:style>
+              <a:lnRef idx="1">
+                <a:schemeClr val="accent1"/>
+              </a:lnRef>
+              <a:fillRef idx="0">
+                <a:schemeClr val="accent1"/>
+              </a:fillRef>
+              <a:effectRef idx="0">
+                <a:schemeClr val="accent1"/>
+              </a:effectRef>
+              <a:fontRef idx="minor">
+                <a:schemeClr val="tx1"/>
+              </a:fontRef>
+            </p:style>
+          </p:cxnSp>
+          <p:cxnSp>
+            <p:nvCxnSpPr>
+              <p:cNvPr id="182" name="Straight Connector 181"/>
+              <p:cNvCxnSpPr/>
+              <p:nvPr/>
+            </p:nvCxnSpPr>
+            <p:spPr>
+              <a:xfrm flipV="1">
+                <a:off x="5334000" y="2895600"/>
+                <a:ext cx="76200" cy="76200"/>
+              </a:xfrm>
+              <a:prstGeom prst="line">
+                <a:avLst/>
+              </a:prstGeom>
+              <a:ln>
+                <a:solidFill>
+                  <a:schemeClr val="tx1"/>
+                </a:solidFill>
+              </a:ln>
+            </p:spPr>
+            <p:style>
+              <a:lnRef idx="1">
+                <a:schemeClr val="accent1"/>
+              </a:lnRef>
+              <a:fillRef idx="0">
+                <a:schemeClr val="accent1"/>
+              </a:fillRef>
+              <a:effectRef idx="0">
+                <a:schemeClr val="accent1"/>
+              </a:effectRef>
+              <a:fontRef idx="minor">
+                <a:schemeClr val="tx1"/>
+              </a:fontRef>
+            </p:style>
+          </p:cxnSp>
+          <p:cxnSp>
+            <p:nvCxnSpPr>
+              <p:cNvPr id="183" name="Straight Connector 182"/>
+              <p:cNvCxnSpPr/>
+              <p:nvPr/>
+            </p:nvCxnSpPr>
+            <p:spPr>
+              <a:xfrm flipV="1">
+                <a:off x="5257800" y="2743200"/>
+                <a:ext cx="76200" cy="76200"/>
+              </a:xfrm>
+              <a:prstGeom prst="line">
+                <a:avLst/>
+              </a:prstGeom>
+              <a:ln>
+                <a:solidFill>
+                  <a:schemeClr val="tx1"/>
+                </a:solidFill>
+              </a:ln>
+            </p:spPr>
+            <p:style>
+              <a:lnRef idx="1">
+                <a:schemeClr val="accent1"/>
+              </a:lnRef>
+              <a:fillRef idx="0">
+                <a:schemeClr val="accent1"/>
+              </a:fillRef>
+              <a:effectRef idx="0">
+                <a:schemeClr val="accent1"/>
+              </a:effectRef>
+              <a:fontRef idx="minor">
+                <a:schemeClr val="tx1"/>
+              </a:fontRef>
+            </p:style>
+          </p:cxnSp>
+          <p:cxnSp>
+            <p:nvCxnSpPr>
+              <p:cNvPr id="184" name="Straight Connector 183"/>
+              <p:cNvCxnSpPr/>
+              <p:nvPr/>
+            </p:nvCxnSpPr>
+            <p:spPr>
+              <a:xfrm flipV="1">
+                <a:off x="5410200" y="2895600"/>
+                <a:ext cx="76200" cy="76200"/>
+              </a:xfrm>
+              <a:prstGeom prst="line">
+                <a:avLst/>
+              </a:prstGeom>
+              <a:ln>
+                <a:solidFill>
+                  <a:schemeClr val="tx1"/>
+                </a:solidFill>
+              </a:ln>
+            </p:spPr>
+            <p:style>
+              <a:lnRef idx="1">
+                <a:schemeClr val="accent1"/>
+              </a:lnRef>
+              <a:fillRef idx="0">
+                <a:schemeClr val="accent1"/>
+              </a:fillRef>
+              <a:effectRef idx="0">
+                <a:schemeClr val="accent1"/>
+              </a:effectRef>
+              <a:fontRef idx="minor">
+                <a:schemeClr val="tx1"/>
+              </a:fontRef>
+            </p:style>
+          </p:cxnSp>
+          <p:sp>
+            <p:nvSpPr>
+              <p:cNvPr id="185" name="Rectangle 184"/>
+              <p:cNvSpPr/>
+              <p:nvPr/>
+            </p:nvSpPr>
+            <p:spPr>
+              <a:xfrm>
+                <a:off x="5334000" y="2590800"/>
+                <a:ext cx="152400" cy="304800"/>
+              </a:xfrm>
+              <a:prstGeom prst="rect">
+                <a:avLst/>
+              </a:prstGeom>
+              <a:solidFill>
+                <a:schemeClr val="accent6"/>
+              </a:solidFill>
+              <a:ln>
+                <a:solidFill>
+                  <a:schemeClr val="accent6"/>
+                </a:solidFill>
+              </a:ln>
+            </p:spPr>
+            <p:style>
+              <a:lnRef idx="2">
+                <a:schemeClr val="accent1">
+                  <a:shade val="50000"/>
+                </a:schemeClr>
+              </a:lnRef>
+              <a:fillRef idx="1">
+                <a:schemeClr val="accent1"/>
+              </a:fillRef>
+              <a:effectRef idx="0">
+                <a:schemeClr val="accent1"/>
+              </a:effectRef>
+              <a:fontRef idx="minor">
+                <a:schemeClr val="lt1"/>
+              </a:fontRef>
+            </p:style>
+            <p:txBody>
+              <a:bodyPr rtlCol="0" anchor="ctr"/>
+              <a:lstStyle/>
+              <a:p>
+                <a:pPr algn="ctr"/>
+                <a:endParaRPr lang="en-US"/>
+              </a:p>
+            </p:txBody>
+          </p:sp>
+        </p:grpSp>
+        <p:grpSp>
+          <p:nvGrpSpPr>
+            <p:cNvPr id="227" name="Group 226"/>
+            <p:cNvGrpSpPr/>
+            <p:nvPr/>
+          </p:nvGrpSpPr>
+          <p:grpSpPr>
+            <a:xfrm>
+              <a:off x="-533400" y="1519050"/>
+              <a:ext cx="1702132" cy="1504125"/>
+              <a:chOff x="-533400" y="1519050"/>
+              <a:chExt cx="1702132" cy="1504125"/>
+            </a:xfrm>
+          </p:grpSpPr>
+          <p:sp>
+            <p:nvSpPr>
+              <p:cNvPr id="27" name="TextBox 26"/>
+              <p:cNvSpPr txBox="1"/>
+              <p:nvPr/>
+            </p:nvSpPr>
+            <p:spPr>
+              <a:xfrm>
+                <a:off x="-533400" y="2438400"/>
+                <a:ext cx="1447800" cy="584775"/>
+              </a:xfrm>
+              <a:prstGeom prst="rect">
+                <a:avLst/>
+              </a:prstGeom>
+              <a:noFill/>
+              <a:ln>
+                <a:noFill/>
+              </a:ln>
+            </p:spPr>
+            <p:txBody>
+              <a:bodyPr wrap="square" rtlCol="0">
+                <a:spAutoFit/>
+              </a:bodyPr>
+              <a:lstStyle/>
+              <a:p>
+                <a:pPr algn="ctr"/>
+                <a:r>
+                  <a:rPr lang="en-US" sz="1600" dirty="0" smtClean="0"/>
+                  <a:t>Extended Operations</a:t>
+                </a:r>
+                <a:endParaRPr lang="en-US" sz="1600" dirty="0"/>
+              </a:p>
+            </p:txBody>
+          </p:sp>
+          <p:grpSp>
+            <p:nvGrpSpPr>
+              <p:cNvPr id="186" name="Group 185"/>
+              <p:cNvGrpSpPr>
+                <a:grpSpLocks noChangeAspect="1"/>
+              </p:cNvGrpSpPr>
+              <p:nvPr/>
+            </p:nvGrpSpPr>
+            <p:grpSpPr>
+              <a:xfrm>
+                <a:off x="221675" y="1519050"/>
+                <a:ext cx="947057" cy="947057"/>
+                <a:chOff x="4267200" y="1066800"/>
+                <a:chExt cx="457200" cy="457200"/>
+              </a:xfrm>
+            </p:grpSpPr>
+            <p:sp>
+              <p:nvSpPr>
+                <p:cNvPr id="187" name="Arc 186"/>
+                <p:cNvSpPr/>
+                <p:nvPr/>
+              </p:nvSpPr>
+              <p:spPr>
+                <a:xfrm rot="10800000">
+                  <a:off x="4267200" y="1066800"/>
+                  <a:ext cx="457200" cy="457200"/>
+                </a:xfrm>
+                <a:prstGeom prst="arc">
+                  <a:avLst>
+                    <a:gd name="adj1" fmla="val 10851371"/>
+                    <a:gd name="adj2" fmla="val 6294069"/>
+                  </a:avLst>
+                </a:prstGeom>
+                <a:ln>
+                  <a:solidFill>
+                    <a:schemeClr val="tx1"/>
+                  </a:solidFill>
+                </a:ln>
+              </p:spPr>
+              <p:style>
+                <a:lnRef idx="1">
+                  <a:schemeClr val="accent1"/>
+                </a:lnRef>
+                <a:fillRef idx="0">
+                  <a:schemeClr val="accent1"/>
+                </a:fillRef>
+                <a:effectRef idx="0">
+                  <a:schemeClr val="accent1"/>
+                </a:effectRef>
+                <a:fontRef idx="minor">
+                  <a:schemeClr val="tx1"/>
+                </a:fontRef>
+              </p:style>
+              <p:txBody>
+                <a:bodyPr rtlCol="0" anchor="ctr"/>
+                <a:lstStyle/>
+                <a:p>
+                  <a:pPr algn="ctr"/>
+                  <a:endParaRPr lang="en-US"/>
+                </a:p>
+              </p:txBody>
+            </p:sp>
+            <p:cxnSp>
+              <p:nvCxnSpPr>
+                <p:cNvPr id="188" name="Straight Arrow Connector 187"/>
+                <p:cNvCxnSpPr>
+                  <a:stCxn id="187" idx="0"/>
+                </p:cNvCxnSpPr>
+                <p:nvPr/>
+              </p:nvCxnSpPr>
+              <p:spPr>
+                <a:xfrm flipV="1">
+                  <a:off x="4724374" y="1219200"/>
+                  <a:ext cx="26" cy="79616"/>
+                </a:xfrm>
+                <a:prstGeom prst="straightConnector1">
+                  <a:avLst/>
+                </a:prstGeom>
+                <a:ln>
+                  <a:solidFill>
+                    <a:schemeClr val="tx1"/>
+                  </a:solidFill>
+                  <a:headEnd type="none" w="med" len="med"/>
+                  <a:tailEnd type="triangle" w="med" len="med"/>
+                </a:ln>
+              </p:spPr>
+              <p:style>
+                <a:lnRef idx="1">
+                  <a:schemeClr val="accent1"/>
+                </a:lnRef>
+                <a:fillRef idx="0">
+                  <a:schemeClr val="accent1"/>
+                </a:fillRef>
+                <a:effectRef idx="0">
+                  <a:schemeClr val="accent1"/>
+                </a:effectRef>
+                <a:fontRef idx="minor">
+                  <a:schemeClr val="tx1"/>
+                </a:fontRef>
+              </p:style>
+            </p:cxnSp>
+          </p:grpSp>
+        </p:grpSp>
+      </p:grpSp>
+      <p:sp>
+        <p:nvSpPr>
+          <p:cNvPr id="193" name="TextBox 192"/>
+          <p:cNvSpPr txBox="1"/>
+          <p:nvPr/>
+        </p:nvSpPr>
+        <p:spPr>
+          <a:xfrm>
+            <a:off x="6015792" y="3108156"/>
+            <a:ext cx="1219200" cy="338554"/>
+          </a:xfrm>
+          <a:prstGeom prst="rect">
+            <a:avLst/>
+          </a:prstGeom>
+          <a:noFill/>
+          <a:ln>
+            <a:noFill/>
+          </a:ln>
+        </p:spPr>
+        <p:txBody>
+          <a:bodyPr wrap="square" rtlCol="0">
+            <a:spAutoFit/>
+          </a:bodyPr>
+          <a:lstStyle/>
+          <a:p>
+            <a:pPr algn="ctr"/>
+            <a:r>
+              <a:rPr lang="en-US" sz="1600" dirty="0" smtClean="0"/>
+              <a:t>Rendezvous</a:t>
+            </a:r>
+            <a:endParaRPr lang="en-US" sz="1600" dirty="0"/>
+          </a:p>
+        </p:txBody>
+      </p:sp>
+      <p:sp>
+        <p:nvSpPr>
+          <p:cNvPr id="194" name="TextBox 193"/>
+          <p:cNvSpPr txBox="1"/>
+          <p:nvPr/>
+        </p:nvSpPr>
+        <p:spPr>
+          <a:xfrm>
+            <a:off x="6765762" y="2592804"/>
+            <a:ext cx="1219200" cy="338554"/>
+          </a:xfrm>
+          <a:prstGeom prst="rect">
+            <a:avLst/>
+          </a:prstGeom>
+          <a:noFill/>
+          <a:ln>
+            <a:noFill/>
+          </a:ln>
+        </p:spPr>
+        <p:txBody>
+          <a:bodyPr wrap="square" rtlCol="0">
+            <a:spAutoFit/>
+          </a:bodyPr>
+          <a:lstStyle/>
+          <a:p>
+            <a:pPr algn="ctr"/>
+            <a:r>
+              <a:rPr lang="en-US" sz="1600" dirty="0" smtClean="0"/>
+              <a:t>ISK</a:t>
+            </a:r>
+            <a:endParaRPr lang="en-US" sz="1600" dirty="0"/>
+          </a:p>
+        </p:txBody>
+      </p:sp>
+      <p:sp>
+        <p:nvSpPr>
+          <p:cNvPr id="195" name="TextBox 194"/>
+          <p:cNvSpPr txBox="1"/>
+          <p:nvPr/>
+        </p:nvSpPr>
+        <p:spPr>
+          <a:xfrm>
+            <a:off x="7788441" y="2366211"/>
+            <a:ext cx="1219200" cy="338554"/>
+          </a:xfrm>
+          <a:prstGeom prst="rect">
+            <a:avLst/>
+          </a:prstGeom>
+          <a:noFill/>
+          <a:ln>
+            <a:noFill/>
+          </a:ln>
+        </p:spPr>
+        <p:txBody>
+          <a:bodyPr wrap="square" rtlCol="0">
+            <a:spAutoFit/>
+          </a:bodyPr>
+          <a:lstStyle/>
+          <a:p>
+            <a:pPr algn="ctr"/>
+            <a:r>
+              <a:rPr lang="en-US" sz="1600" dirty="0" smtClean="0"/>
+              <a:t>Docking</a:t>
+            </a:r>
+            <a:endParaRPr lang="en-US" sz="1600" dirty="0"/>
+          </a:p>
+        </p:txBody>
+      </p:sp>
+      <p:grpSp>
+        <p:nvGrpSpPr>
+          <p:cNvPr id="203" name="Group 202"/>
+          <p:cNvGrpSpPr/>
+          <p:nvPr/>
+        </p:nvGrpSpPr>
+        <p:grpSpPr>
+          <a:xfrm rot="1228979">
+            <a:off x="7899156" y="3445972"/>
+            <a:ext cx="685800" cy="848375"/>
+            <a:chOff x="6997566" y="3786990"/>
+            <a:chExt cx="685800" cy="848375"/>
+          </a:xfrm>
+        </p:grpSpPr>
+        <p:grpSp>
+          <p:nvGrpSpPr>
+            <p:cNvPr id="196" name="Group 195"/>
+            <p:cNvGrpSpPr/>
+            <p:nvPr/>
+          </p:nvGrpSpPr>
+          <p:grpSpPr>
+            <a:xfrm>
+              <a:off x="7162800" y="3786990"/>
+              <a:ext cx="381000" cy="304800"/>
+              <a:chOff x="7391400" y="3657600"/>
+              <a:chExt cx="381000" cy="304800"/>
+            </a:xfrm>
+          </p:grpSpPr>
+          <p:sp>
+            <p:nvSpPr>
+              <p:cNvPr id="32" name="Rectangle 31"/>
+              <p:cNvSpPr/>
+              <p:nvPr/>
+            </p:nvSpPr>
+            <p:spPr>
+              <a:xfrm>
+                <a:off x="7391400" y="3657600"/>
+                <a:ext cx="152400" cy="304800"/>
+              </a:xfrm>
+              <a:prstGeom prst="rect">
+                <a:avLst/>
+              </a:prstGeom>
+              <a:solidFill>
+                <a:schemeClr val="accent6"/>
+              </a:solidFill>
+              <a:ln>
+                <a:solidFill>
+                  <a:schemeClr val="accent6"/>
+                </a:solidFill>
+              </a:ln>
+            </p:spPr>
+            <p:style>
+              <a:lnRef idx="2">
+                <a:schemeClr val="accent1">
+                  <a:shade val="50000"/>
+                </a:schemeClr>
+              </a:lnRef>
+              <a:fillRef idx="1">
+                <a:schemeClr val="accent1"/>
+              </a:fillRef>
+              <a:effectRef idx="0">
+                <a:schemeClr val="accent1"/>
+              </a:effectRef>
+              <a:fontRef idx="minor">
+                <a:schemeClr val="lt1"/>
+              </a:fontRef>
+            </p:style>
+            <p:txBody>
+              <a:bodyPr rtlCol="0" anchor="ctr"/>
+              <a:lstStyle/>
+              <a:p>
+                <a:pPr algn="ctr"/>
+                <a:endParaRPr lang="en-US"/>
+              </a:p>
+            </p:txBody>
+          </p:sp>
+          <p:sp>
+            <p:nvSpPr>
+              <p:cNvPr id="33" name="Rectangle 32"/>
+              <p:cNvSpPr/>
+              <p:nvPr/>
+            </p:nvSpPr>
+            <p:spPr>
+              <a:xfrm>
+                <a:off x="7620000" y="3657600"/>
+                <a:ext cx="152400" cy="304800"/>
+              </a:xfrm>
+              <a:prstGeom prst="rect">
+                <a:avLst/>
+              </a:prstGeom>
+              <a:solidFill>
+                <a:schemeClr val="accent4"/>
+              </a:solidFill>
+              <a:ln>
+                <a:solidFill>
+                  <a:schemeClr val="accent4"/>
+                </a:solidFill>
+              </a:ln>
+            </p:spPr>
+            <p:style>
+              <a:lnRef idx="2">
+                <a:schemeClr val="accent1">
+                  <a:shade val="50000"/>
+                </a:schemeClr>
+              </a:lnRef>
+              <a:fillRef idx="1">
+                <a:schemeClr val="accent1"/>
+              </a:fillRef>
+              <a:effectRef idx="0">
+                <a:schemeClr val="accent1"/>
+              </a:effectRef>
+              <a:fontRef idx="minor">
+                <a:schemeClr val="lt1"/>
+              </a:fontRef>
+            </p:style>
+            <p:txBody>
+              <a:bodyPr rtlCol="0" anchor="ctr"/>
+              <a:lstStyle/>
+              <a:p>
+                <a:pPr algn="ctr"/>
+                <a:endParaRPr lang="en-US"/>
+              </a:p>
+            </p:txBody>
+          </p:sp>
+        </p:grpSp>
+        <p:grpSp>
+          <p:nvGrpSpPr>
+            <p:cNvPr id="202" name="Group 201"/>
+            <p:cNvGrpSpPr/>
+            <p:nvPr/>
+          </p:nvGrpSpPr>
+          <p:grpSpPr>
+            <a:xfrm rot="8447009">
+              <a:off x="6997566" y="3949565"/>
+              <a:ext cx="685800" cy="685800"/>
+              <a:chOff x="7010400" y="4191000"/>
+              <a:chExt cx="685800" cy="685800"/>
+            </a:xfrm>
+          </p:grpSpPr>
+          <p:sp>
+            <p:nvSpPr>
+              <p:cNvPr id="197" name="Arc 196"/>
+              <p:cNvSpPr>
+                <a:spLocks noChangeAspect="1"/>
+              </p:cNvSpPr>
+              <p:nvPr/>
+            </p:nvSpPr>
+            <p:spPr>
+              <a:xfrm>
+                <a:off x="7010400" y="4191000"/>
+                <a:ext cx="685800" cy="685800"/>
+              </a:xfrm>
+              <a:prstGeom prst="arc">
+                <a:avLst/>
+              </a:prstGeom>
+              <a:ln>
+                <a:solidFill>
+                  <a:schemeClr val="tx1"/>
+                </a:solidFill>
+              </a:ln>
+            </p:spPr>
+            <p:style>
+              <a:lnRef idx="1">
+                <a:schemeClr val="accent1"/>
+              </a:lnRef>
+              <a:fillRef idx="0">
+                <a:schemeClr val="accent1"/>
+              </a:fillRef>
+              <a:effectRef idx="0">
+                <a:schemeClr val="accent1"/>
+              </a:effectRef>
+              <a:fontRef idx="minor">
+                <a:schemeClr val="tx1"/>
+              </a:fontRef>
+            </p:style>
+            <p:txBody>
+              <a:bodyPr rtlCol="0" anchor="ctr"/>
+              <a:lstStyle/>
+              <a:p>
+                <a:pPr algn="ctr"/>
+                <a:endParaRPr lang="en-US"/>
+              </a:p>
+            </p:txBody>
+          </p:sp>
+          <p:sp>
+            <p:nvSpPr>
+              <p:cNvPr id="198" name="Arc 197"/>
+              <p:cNvSpPr>
+                <a:spLocks noChangeAspect="1"/>
+              </p:cNvSpPr>
+              <p:nvPr/>
+            </p:nvSpPr>
+            <p:spPr>
+              <a:xfrm>
+                <a:off x="7010400" y="4267200"/>
+                <a:ext cx="609600" cy="609600"/>
+              </a:xfrm>
+              <a:prstGeom prst="arc">
+                <a:avLst/>
+              </a:prstGeom>
+              <a:ln>
+                <a:solidFill>
+                  <a:schemeClr val="tx1"/>
+                </a:solidFill>
+              </a:ln>
+            </p:spPr>
+            <p:style>
+              <a:lnRef idx="1">
+                <a:schemeClr val="accent1"/>
+              </a:lnRef>
+              <a:fillRef idx="0">
+                <a:schemeClr val="accent1"/>
+              </a:fillRef>
+              <a:effectRef idx="0">
+                <a:schemeClr val="accent1"/>
+              </a:effectRef>
+              <a:fontRef idx="minor">
+                <a:schemeClr val="tx1"/>
+              </a:fontRef>
+            </p:style>
+            <p:txBody>
+              <a:bodyPr rtlCol="0" anchor="ctr"/>
+              <a:lstStyle/>
+              <a:p>
+                <a:pPr algn="ctr"/>
+                <a:endParaRPr lang="en-US"/>
+              </a:p>
+            </p:txBody>
+          </p:sp>
+          <p:sp>
+            <p:nvSpPr>
+              <p:cNvPr id="199" name="Arc 198"/>
+              <p:cNvSpPr>
+                <a:spLocks noChangeAspect="1"/>
+              </p:cNvSpPr>
+              <p:nvPr/>
+            </p:nvSpPr>
+            <p:spPr>
+              <a:xfrm>
+                <a:off x="7010400" y="4343400"/>
+                <a:ext cx="533400" cy="533400"/>
+              </a:xfrm>
+              <a:prstGeom prst="arc">
+                <a:avLst/>
+              </a:prstGeom>
+              <a:ln>
+                <a:solidFill>
+                  <a:schemeClr val="tx1"/>
+                </a:solidFill>
+              </a:ln>
+            </p:spPr>
+            <p:style>
+              <a:lnRef idx="1">
+                <a:schemeClr val="accent1"/>
+              </a:lnRef>
+              <a:fillRef idx="0">
+                <a:schemeClr val="accent1"/>
+              </a:fillRef>
+              <a:effectRef idx="0">
+                <a:schemeClr val="accent1"/>
+              </a:effectRef>
+              <a:fontRef idx="minor">
+                <a:schemeClr val="tx1"/>
+              </a:fontRef>
+            </p:style>
+            <p:txBody>
+              <a:bodyPr rtlCol="0" anchor="ctr"/>
+              <a:lstStyle/>
+              <a:p>
+                <a:pPr algn="ctr"/>
+                <a:endParaRPr lang="en-US"/>
+              </a:p>
+            </p:txBody>
+          </p:sp>
+          <p:sp>
+            <p:nvSpPr>
+              <p:cNvPr id="200" name="Arc 199"/>
+              <p:cNvSpPr>
+                <a:spLocks noChangeAspect="1"/>
+              </p:cNvSpPr>
+              <p:nvPr/>
+            </p:nvSpPr>
+            <p:spPr>
+              <a:xfrm>
+                <a:off x="7010400" y="4419600"/>
+                <a:ext cx="457200" cy="457200"/>
+              </a:xfrm>
+              <a:prstGeom prst="arc">
+                <a:avLst/>
+              </a:prstGeom>
+              <a:ln>
+                <a:solidFill>
+                  <a:schemeClr val="tx1"/>
+                </a:solidFill>
+              </a:ln>
+            </p:spPr>
+            <p:style>
+              <a:lnRef idx="1">
+                <a:schemeClr val="accent1"/>
+              </a:lnRef>
+              <a:fillRef idx="0">
+                <a:schemeClr val="accent1"/>
+              </a:fillRef>
+              <a:effectRef idx="0">
+                <a:schemeClr val="accent1"/>
+              </a:effectRef>
+              <a:fontRef idx="minor">
+                <a:schemeClr val="tx1"/>
+              </a:fontRef>
+            </p:style>
+            <p:txBody>
+              <a:bodyPr rtlCol="0" anchor="ctr"/>
+              <a:lstStyle/>
+              <a:p>
+                <a:pPr algn="ctr"/>
+                <a:endParaRPr lang="en-US"/>
+              </a:p>
+            </p:txBody>
+          </p:sp>
+          <p:sp>
+            <p:nvSpPr>
+              <p:cNvPr id="201" name="Arc 200"/>
+              <p:cNvSpPr>
+                <a:spLocks noChangeAspect="1"/>
+              </p:cNvSpPr>
+              <p:nvPr/>
+            </p:nvSpPr>
+            <p:spPr>
+              <a:xfrm>
+                <a:off x="7010400" y="4495800"/>
+                <a:ext cx="381000" cy="381000"/>
+              </a:xfrm>
+              <a:prstGeom prst="arc">
+                <a:avLst/>
+              </a:prstGeom>
+              <a:ln>
+                <a:solidFill>
+                  <a:schemeClr val="tx1"/>
+                </a:solidFill>
+              </a:ln>
+            </p:spPr>
+            <p:style>
+              <a:lnRef idx="1">
+                <a:schemeClr val="accent1"/>
+              </a:lnRef>
+              <a:fillRef idx="0">
+                <a:schemeClr val="accent1"/>
+              </a:fillRef>
+              <a:effectRef idx="0">
+                <a:schemeClr val="accent1"/>
+              </a:effectRef>
+              <a:fontRef idx="minor">
+                <a:schemeClr val="tx1"/>
+              </a:fontRef>
+            </p:style>
+            <p:txBody>
+              <a:bodyPr rtlCol="0" anchor="ctr"/>
+              <a:lstStyle/>
+              <a:p>
+                <a:pPr algn="ctr"/>
+                <a:endParaRPr lang="en-US"/>
+              </a:p>
+            </p:txBody>
+          </p:sp>
+        </p:grpSp>
+      </p:grpSp>
+      <p:grpSp>
+        <p:nvGrpSpPr>
+          <p:cNvPr id="217" name="Group 216"/>
+          <p:cNvGrpSpPr/>
+          <p:nvPr/>
+        </p:nvGrpSpPr>
+        <p:grpSpPr>
+          <a:xfrm>
+            <a:off x="1981200" y="4038600"/>
+            <a:ext cx="1524000" cy="1440597"/>
+            <a:chOff x="1905000" y="4419600"/>
+            <a:chExt cx="1524000" cy="1440597"/>
+          </a:xfrm>
+        </p:grpSpPr>
+        <p:grpSp>
+          <p:nvGrpSpPr>
+            <p:cNvPr id="78" name="Group 77"/>
+            <p:cNvGrpSpPr/>
+            <p:nvPr/>
+          </p:nvGrpSpPr>
+          <p:grpSpPr>
+            <a:xfrm>
+              <a:off x="2514600" y="4419600"/>
+              <a:ext cx="457200" cy="609600"/>
+              <a:chOff x="4114800" y="2438400"/>
+              <a:chExt cx="457200" cy="609600"/>
+            </a:xfrm>
+          </p:grpSpPr>
+          <p:sp>
+            <p:nvSpPr>
+              <p:cNvPr id="79" name="Arc 78"/>
+              <p:cNvSpPr/>
+              <p:nvPr/>
+            </p:nvSpPr>
+            <p:spPr>
+              <a:xfrm>
+                <a:off x="4114800" y="2514600"/>
+                <a:ext cx="457200" cy="457200"/>
+              </a:xfrm>
+              <a:prstGeom prst="arc">
+                <a:avLst>
+                  <a:gd name="adj1" fmla="val 9532380"/>
+                  <a:gd name="adj2" fmla="val 6294069"/>
+                </a:avLst>
+              </a:prstGeom>
+              <a:ln>
+                <a:solidFill>
+                  <a:schemeClr val="tx1"/>
+                </a:solidFill>
+              </a:ln>
+            </p:spPr>
+            <p:style>
+              <a:lnRef idx="1">
+                <a:schemeClr val="accent1"/>
+              </a:lnRef>
+              <a:fillRef idx="0">
+                <a:schemeClr val="accent1"/>
+              </a:fillRef>
+              <a:effectRef idx="0">
+                <a:schemeClr val="accent1"/>
+              </a:effectRef>
+              <a:fontRef idx="minor">
+                <a:schemeClr val="tx1"/>
+              </a:fontRef>
+            </p:style>
+            <p:txBody>
+              <a:bodyPr rtlCol="0" anchor="ctr"/>
+              <a:lstStyle/>
+              <a:p>
+                <a:pPr algn="ctr"/>
+                <a:endParaRPr lang="en-US"/>
+              </a:p>
+            </p:txBody>
+          </p:sp>
+          <p:sp>
+            <p:nvSpPr>
+              <p:cNvPr id="80" name="Rectangle 79"/>
+              <p:cNvSpPr/>
+              <p:nvPr/>
+            </p:nvSpPr>
+            <p:spPr>
+              <a:xfrm flipH="1" flipV="1">
+                <a:off x="4343400" y="2438400"/>
+                <a:ext cx="91438" cy="152400"/>
+              </a:xfrm>
+              <a:prstGeom prst="rect">
+                <a:avLst/>
+              </a:prstGeom>
+              <a:solidFill>
+                <a:schemeClr val="accent4"/>
+              </a:solidFill>
+              <a:ln>
+                <a:solidFill>
+                  <a:schemeClr val="accent4"/>
+                </a:solidFill>
+              </a:ln>
+            </p:spPr>
+            <p:style>
+              <a:lnRef idx="2">
+                <a:schemeClr val="accent1">
+                  <a:shade val="50000"/>
+                </a:schemeClr>
+              </a:lnRef>
+              <a:fillRef idx="1">
+                <a:schemeClr val="accent1"/>
+              </a:fillRef>
+              <a:effectRef idx="0">
+                <a:schemeClr val="accent1"/>
+              </a:effectRef>
+              <a:fontRef idx="minor">
+                <a:schemeClr val="lt1"/>
+              </a:fontRef>
+            </p:style>
+            <p:txBody>
+              <a:bodyPr rtlCol="0" anchor="ctr"/>
+              <a:lstStyle/>
+              <a:p>
+                <a:pPr algn="ctr"/>
+                <a:endParaRPr lang="en-US" dirty="0"/>
+              </a:p>
+            </p:txBody>
+          </p:sp>
+          <p:cxnSp>
+            <p:nvCxnSpPr>
+              <p:cNvPr id="81" name="Straight Connector 80"/>
+              <p:cNvCxnSpPr/>
+              <p:nvPr/>
+            </p:nvCxnSpPr>
+            <p:spPr>
+              <a:xfrm flipV="1">
+                <a:off x="4191000" y="2667000"/>
+                <a:ext cx="76200" cy="76200"/>
+              </a:xfrm>
+              <a:prstGeom prst="line">
+                <a:avLst/>
+              </a:prstGeom>
+              <a:ln>
+                <a:solidFill>
+                  <a:schemeClr val="tx1"/>
+                </a:solidFill>
+              </a:ln>
+            </p:spPr>
+            <p:style>
+              <a:lnRef idx="1">
+                <a:schemeClr val="accent1"/>
+              </a:lnRef>
+              <a:fillRef idx="0">
+                <a:schemeClr val="accent1"/>
+              </a:fillRef>
+              <a:effectRef idx="0">
+                <a:schemeClr val="accent1"/>
+              </a:effectRef>
+              <a:fontRef idx="minor">
+                <a:schemeClr val="tx1"/>
+              </a:fontRef>
+            </p:style>
+          </p:cxnSp>
+          <p:cxnSp>
+            <p:nvCxnSpPr>
+              <p:cNvPr id="82" name="Straight Connector 81"/>
+              <p:cNvCxnSpPr/>
+              <p:nvPr/>
+            </p:nvCxnSpPr>
+            <p:spPr>
+              <a:xfrm flipV="1">
+                <a:off x="4267200" y="2667000"/>
+                <a:ext cx="76200" cy="76200"/>
+              </a:xfrm>
+              <a:prstGeom prst="line">
+                <a:avLst/>
+              </a:prstGeom>
+              <a:ln>
+                <a:solidFill>
+                  <a:schemeClr val="tx1"/>
+                </a:solidFill>
+              </a:ln>
+            </p:spPr>
+            <p:style>
+              <a:lnRef idx="1">
+                <a:schemeClr val="accent1"/>
+              </a:lnRef>
+              <a:fillRef idx="0">
+                <a:schemeClr val="accent1"/>
+              </a:fillRef>
+              <a:effectRef idx="0">
+                <a:schemeClr val="accent1"/>
+              </a:effectRef>
+              <a:fontRef idx="minor">
+                <a:schemeClr val="tx1"/>
+              </a:fontRef>
+            </p:style>
+          </p:cxnSp>
+          <p:cxnSp>
+            <p:nvCxnSpPr>
+              <p:cNvPr id="83" name="Straight Connector 82"/>
+              <p:cNvCxnSpPr/>
+              <p:nvPr/>
+            </p:nvCxnSpPr>
+            <p:spPr>
+              <a:xfrm flipV="1">
+                <a:off x="4343400" y="2667000"/>
+                <a:ext cx="76200" cy="76200"/>
+              </a:xfrm>
+              <a:prstGeom prst="line">
+                <a:avLst/>
+              </a:prstGeom>
+              <a:ln>
+                <a:solidFill>
+                  <a:schemeClr val="tx1"/>
+                </a:solidFill>
+              </a:ln>
+            </p:spPr>
+            <p:style>
+              <a:lnRef idx="1">
+                <a:schemeClr val="accent1"/>
+              </a:lnRef>
+              <a:fillRef idx="0">
+                <a:schemeClr val="accent1"/>
+              </a:fillRef>
+              <a:effectRef idx="0">
+                <a:schemeClr val="accent1"/>
+              </a:effectRef>
+              <a:fontRef idx="minor">
+                <a:schemeClr val="tx1"/>
+              </a:fontRef>
+            </p:style>
+          </p:cxnSp>
+          <p:cxnSp>
+            <p:nvCxnSpPr>
+              <p:cNvPr id="84" name="Straight Connector 83"/>
+              <p:cNvCxnSpPr/>
+              <p:nvPr/>
+            </p:nvCxnSpPr>
+            <p:spPr>
+              <a:xfrm flipV="1">
+                <a:off x="4343400" y="2743200"/>
+                <a:ext cx="76200" cy="76200"/>
+              </a:xfrm>
+              <a:prstGeom prst="line">
+                <a:avLst/>
+              </a:prstGeom>
+              <a:ln>
+                <a:solidFill>
+                  <a:schemeClr val="tx1"/>
+                </a:solidFill>
+              </a:ln>
+            </p:spPr>
+            <p:style>
+              <a:lnRef idx="1">
+                <a:schemeClr val="accent1"/>
+              </a:lnRef>
+              <a:fillRef idx="0">
+                <a:schemeClr val="accent1"/>
+              </a:fillRef>
+              <a:effectRef idx="0">
+                <a:schemeClr val="accent1"/>
+              </a:effectRef>
+              <a:fontRef idx="minor">
+                <a:schemeClr val="tx1"/>
+              </a:fontRef>
+            </p:style>
+          </p:cxnSp>
+          <p:cxnSp>
+            <p:nvCxnSpPr>
+              <p:cNvPr id="85" name="Straight Connector 84"/>
+              <p:cNvCxnSpPr/>
+              <p:nvPr/>
+            </p:nvCxnSpPr>
+            <p:spPr>
+              <a:xfrm flipV="1">
+                <a:off x="4343400" y="2819400"/>
+                <a:ext cx="76200" cy="76200"/>
+              </a:xfrm>
+              <a:prstGeom prst="line">
+                <a:avLst/>
+              </a:prstGeom>
+              <a:ln>
+                <a:solidFill>
+                  <a:schemeClr val="tx1"/>
+                </a:solidFill>
+              </a:ln>
+            </p:spPr>
+            <p:style>
+              <a:lnRef idx="1">
+                <a:schemeClr val="accent1"/>
+              </a:lnRef>
+              <a:fillRef idx="0">
+                <a:schemeClr val="accent1"/>
+              </a:fillRef>
+              <a:effectRef idx="0">
+                <a:schemeClr val="accent1"/>
+              </a:effectRef>
+              <a:fontRef idx="minor">
+                <a:schemeClr val="tx1"/>
+              </a:fontRef>
+            </p:style>
+          </p:cxnSp>
+          <p:sp>
+            <p:nvSpPr>
+              <p:cNvPr id="86" name="Rectangle 85"/>
+              <p:cNvSpPr/>
+              <p:nvPr/>
+            </p:nvSpPr>
+            <p:spPr>
+              <a:xfrm>
+                <a:off x="4191000" y="2743200"/>
+                <a:ext cx="152400" cy="304800"/>
+              </a:xfrm>
+              <a:prstGeom prst="rect">
+                <a:avLst/>
+              </a:prstGeom>
+              <a:solidFill>
+                <a:schemeClr val="accent6"/>
+              </a:solidFill>
+              <a:ln>
+                <a:solidFill>
+                  <a:schemeClr val="accent6"/>
+                </a:solidFill>
+              </a:ln>
+            </p:spPr>
+            <p:style>
+              <a:lnRef idx="2">
+                <a:schemeClr val="accent1">
+                  <a:shade val="50000"/>
+                </a:schemeClr>
+              </a:lnRef>
+              <a:fillRef idx="1">
+                <a:schemeClr val="accent1"/>
+              </a:fillRef>
+              <a:effectRef idx="0">
+                <a:schemeClr val="accent1"/>
+              </a:effectRef>
+              <a:fontRef idx="minor">
+                <a:schemeClr val="lt1"/>
+              </a:fontRef>
+            </p:style>
+            <p:txBody>
+              <a:bodyPr rtlCol="0" anchor="ctr"/>
+              <a:lstStyle/>
+              <a:p>
+                <a:pPr algn="ctr"/>
+                <a:endParaRPr lang="en-US"/>
+              </a:p>
+            </p:txBody>
+          </p:sp>
+        </p:grpSp>
+        <p:sp>
+          <p:nvSpPr>
+            <p:cNvPr id="205" name="TextBox 204"/>
+            <p:cNvSpPr txBox="1"/>
+            <p:nvPr/>
+          </p:nvSpPr>
+          <p:spPr>
+            <a:xfrm>
+              <a:off x="1905000" y="5029200"/>
+              <a:ext cx="1524000" cy="830997"/>
+            </a:xfrm>
+            <a:prstGeom prst="rect">
+              <a:avLst/>
+            </a:prstGeom>
+            <a:noFill/>
+            <a:ln>
+              <a:noFill/>
+            </a:ln>
+          </p:spPr>
+          <p:txBody>
+            <a:bodyPr wrap="square" rtlCol="0">
+              <a:spAutoFit/>
+            </a:bodyPr>
+            <a:lstStyle/>
+            <a:p>
+              <a:pPr algn="ctr"/>
+              <a:r>
+                <a:rPr lang="en-US" sz="1600" dirty="0" smtClean="0"/>
+                <a:t>Separation  and Visual Aid Termination</a:t>
+              </a:r>
+              <a:endParaRPr lang="en-US" sz="1600" dirty="0"/>
+            </a:p>
+          </p:txBody>
+        </p:sp>
+      </p:grpSp>
+      <p:grpSp>
+        <p:nvGrpSpPr>
+          <p:cNvPr id="219" name="Group 218"/>
+          <p:cNvGrpSpPr/>
+          <p:nvPr/>
+        </p:nvGrpSpPr>
+        <p:grpSpPr>
+          <a:xfrm>
+            <a:off x="3048000" y="2667000"/>
+            <a:ext cx="1524000" cy="1024354"/>
+            <a:chOff x="2895600" y="2819400"/>
+            <a:chExt cx="1524000" cy="1024354"/>
+          </a:xfrm>
+        </p:grpSpPr>
+        <p:grpSp>
+          <p:nvGrpSpPr>
+            <p:cNvPr id="105" name="Group 104"/>
+            <p:cNvGrpSpPr/>
+            <p:nvPr/>
+          </p:nvGrpSpPr>
+          <p:grpSpPr>
+            <a:xfrm>
+              <a:off x="3505200" y="2819400"/>
+              <a:ext cx="457200" cy="685800"/>
+              <a:chOff x="5257800" y="2286000"/>
+              <a:chExt cx="457200" cy="685800"/>
+            </a:xfrm>
+          </p:grpSpPr>
+          <p:sp>
+            <p:nvSpPr>
+              <p:cNvPr id="106" name="Arc 105"/>
+              <p:cNvSpPr/>
+              <p:nvPr/>
+            </p:nvSpPr>
+            <p:spPr>
+              <a:xfrm>
+                <a:off x="5257800" y="2362200"/>
+                <a:ext cx="457200" cy="457200"/>
+              </a:xfrm>
+              <a:prstGeom prst="arc">
+                <a:avLst>
+                  <a:gd name="adj1" fmla="val 9532380"/>
+                  <a:gd name="adj2" fmla="val 6294069"/>
+                </a:avLst>
+              </a:prstGeom>
+              <a:ln>
+                <a:solidFill>
+                  <a:schemeClr val="tx1"/>
+                </a:solidFill>
+              </a:ln>
+            </p:spPr>
+            <p:style>
+              <a:lnRef idx="1">
+                <a:schemeClr val="accent1"/>
+              </a:lnRef>
+              <a:fillRef idx="0">
+                <a:schemeClr val="accent1"/>
+              </a:fillRef>
+              <a:effectRef idx="0">
+                <a:schemeClr val="accent1"/>
+              </a:effectRef>
+              <a:fontRef idx="minor">
+                <a:schemeClr val="tx1"/>
+              </a:fontRef>
+            </p:style>
+            <p:txBody>
+              <a:bodyPr rtlCol="0" anchor="ctr"/>
+              <a:lstStyle/>
+              <a:p>
+                <a:pPr algn="ctr"/>
+                <a:endParaRPr lang="en-US"/>
+              </a:p>
+            </p:txBody>
+          </p:sp>
+          <p:sp>
+            <p:nvSpPr>
+              <p:cNvPr id="107" name="Rectangle 106"/>
+              <p:cNvSpPr/>
+              <p:nvPr/>
+            </p:nvSpPr>
+            <p:spPr>
+              <a:xfrm flipH="1" flipV="1">
+                <a:off x="5486400" y="2286000"/>
+                <a:ext cx="91438" cy="152400"/>
+              </a:xfrm>
+              <a:prstGeom prst="rect">
+                <a:avLst/>
+              </a:prstGeom>
+              <a:solidFill>
+                <a:schemeClr val="accent4"/>
+              </a:solidFill>
+              <a:ln>
+                <a:solidFill>
+                  <a:schemeClr val="accent4"/>
+                </a:solidFill>
+              </a:ln>
+            </p:spPr>
+            <p:style>
+              <a:lnRef idx="2">
+                <a:schemeClr val="accent1">
+                  <a:shade val="50000"/>
+                </a:schemeClr>
+              </a:lnRef>
+              <a:fillRef idx="1">
+                <a:schemeClr val="accent1"/>
+              </a:fillRef>
+              <a:effectRef idx="0">
+                <a:schemeClr val="accent1"/>
+              </a:effectRef>
+              <a:fontRef idx="minor">
+                <a:schemeClr val="lt1"/>
+              </a:fontRef>
+            </p:style>
+            <p:txBody>
+              <a:bodyPr rtlCol="0" anchor="ctr"/>
+              <a:lstStyle/>
+              <a:p>
+                <a:pPr algn="ctr"/>
+                <a:endParaRPr lang="en-US" dirty="0"/>
+              </a:p>
+            </p:txBody>
+          </p:sp>
+          <p:cxnSp>
+            <p:nvCxnSpPr>
+              <p:cNvPr id="108" name="Straight Connector 107"/>
+              <p:cNvCxnSpPr/>
+              <p:nvPr/>
+            </p:nvCxnSpPr>
+            <p:spPr>
+              <a:xfrm flipV="1">
+                <a:off x="5257800" y="2819400"/>
+                <a:ext cx="76200" cy="76200"/>
+              </a:xfrm>
+              <a:prstGeom prst="line">
+                <a:avLst/>
+              </a:prstGeom>
+              <a:ln>
+                <a:solidFill>
+                  <a:schemeClr val="tx1"/>
+                </a:solidFill>
+              </a:ln>
+            </p:spPr>
+            <p:style>
+              <a:lnRef idx="1">
+                <a:schemeClr val="accent1"/>
+              </a:lnRef>
+              <a:fillRef idx="0">
+                <a:schemeClr val="accent1"/>
+              </a:fillRef>
+              <a:effectRef idx="0">
+                <a:schemeClr val="accent1"/>
+              </a:effectRef>
+              <a:fontRef idx="minor">
+                <a:schemeClr val="tx1"/>
+              </a:fontRef>
+            </p:style>
+          </p:cxnSp>
+          <p:cxnSp>
+            <p:nvCxnSpPr>
+              <p:cNvPr id="109" name="Straight Connector 108"/>
+              <p:cNvCxnSpPr/>
+              <p:nvPr/>
+            </p:nvCxnSpPr>
+            <p:spPr>
+              <a:xfrm flipV="1">
+                <a:off x="5257800" y="2895600"/>
+                <a:ext cx="76200" cy="76200"/>
+              </a:xfrm>
+              <a:prstGeom prst="line">
+                <a:avLst/>
+              </a:prstGeom>
+              <a:ln>
+                <a:solidFill>
+                  <a:schemeClr val="tx1"/>
+                </a:solidFill>
+              </a:ln>
+            </p:spPr>
+            <p:style>
+              <a:lnRef idx="1">
+                <a:schemeClr val="accent1"/>
+              </a:lnRef>
+              <a:fillRef idx="0">
+                <a:schemeClr val="accent1"/>
+              </a:fillRef>
+              <a:effectRef idx="0">
+                <a:schemeClr val="accent1"/>
+              </a:effectRef>
+              <a:fontRef idx="minor">
+                <a:schemeClr val="tx1"/>
+              </a:fontRef>
+            </p:style>
+          </p:cxnSp>
+          <p:cxnSp>
+            <p:nvCxnSpPr>
+              <p:cNvPr id="110" name="Straight Connector 109"/>
+              <p:cNvCxnSpPr/>
+              <p:nvPr/>
+            </p:nvCxnSpPr>
+            <p:spPr>
+              <a:xfrm flipV="1">
+                <a:off x="5334000" y="2895600"/>
+                <a:ext cx="76200" cy="76200"/>
+              </a:xfrm>
+              <a:prstGeom prst="line">
+                <a:avLst/>
+              </a:prstGeom>
+              <a:ln>
+                <a:solidFill>
+                  <a:schemeClr val="tx1"/>
+                </a:solidFill>
+              </a:ln>
+            </p:spPr>
+            <p:style>
+              <a:lnRef idx="1">
+                <a:schemeClr val="accent1"/>
+              </a:lnRef>
+              <a:fillRef idx="0">
+                <a:schemeClr val="accent1"/>
+              </a:fillRef>
+              <a:effectRef idx="0">
+                <a:schemeClr val="accent1"/>
+              </a:effectRef>
+              <a:fontRef idx="minor">
+                <a:schemeClr val="tx1"/>
+              </a:fontRef>
+            </p:style>
+          </p:cxnSp>
+          <p:cxnSp>
+            <p:nvCxnSpPr>
+              <p:cNvPr id="111" name="Straight Connector 110"/>
+              <p:cNvCxnSpPr/>
+              <p:nvPr/>
+            </p:nvCxnSpPr>
+            <p:spPr>
+              <a:xfrm flipV="1">
+                <a:off x="5257800" y="2743200"/>
+                <a:ext cx="76200" cy="76200"/>
+              </a:xfrm>
+              <a:prstGeom prst="line">
+                <a:avLst/>
+              </a:prstGeom>
+              <a:ln>
+                <a:solidFill>
+                  <a:schemeClr val="tx1"/>
+                </a:solidFill>
+              </a:ln>
+            </p:spPr>
+            <p:style>
+              <a:lnRef idx="1">
+                <a:schemeClr val="accent1"/>
+              </a:lnRef>
+              <a:fillRef idx="0">
+                <a:schemeClr val="accent1"/>
+              </a:fillRef>
+              <a:effectRef idx="0">
+                <a:schemeClr val="accent1"/>
+              </a:effectRef>
+              <a:fontRef idx="minor">
+                <a:schemeClr val="tx1"/>
+              </a:fontRef>
+            </p:style>
+          </p:cxnSp>
+          <p:cxnSp>
+            <p:nvCxnSpPr>
+              <p:cNvPr id="112" name="Straight Connector 111"/>
+              <p:cNvCxnSpPr/>
+              <p:nvPr/>
+            </p:nvCxnSpPr>
+            <p:spPr>
+              <a:xfrm flipV="1">
+                <a:off x="5410200" y="2895600"/>
+                <a:ext cx="76200" cy="76200"/>
+              </a:xfrm>
+              <a:prstGeom prst="line">
+                <a:avLst/>
+              </a:prstGeom>
+              <a:ln>
+                <a:solidFill>
+                  <a:schemeClr val="tx1"/>
+                </a:solidFill>
+              </a:ln>
+            </p:spPr>
+            <p:style>
+              <a:lnRef idx="1">
+                <a:schemeClr val="accent1"/>
+              </a:lnRef>
+              <a:fillRef idx="0">
+                <a:schemeClr val="accent1"/>
+              </a:fillRef>
+              <a:effectRef idx="0">
+                <a:schemeClr val="accent1"/>
+              </a:effectRef>
+              <a:fontRef idx="minor">
+                <a:schemeClr val="tx1"/>
+              </a:fontRef>
+            </p:style>
+          </p:cxnSp>
+          <p:sp>
+            <p:nvSpPr>
+              <p:cNvPr id="113" name="Rectangle 112"/>
+              <p:cNvSpPr/>
+              <p:nvPr/>
+            </p:nvSpPr>
+            <p:spPr>
+              <a:xfrm>
+                <a:off x="5334000" y="2590800"/>
+                <a:ext cx="152400" cy="304800"/>
+              </a:xfrm>
+              <a:prstGeom prst="rect">
+                <a:avLst/>
+              </a:prstGeom>
+              <a:solidFill>
+                <a:schemeClr val="accent6"/>
+              </a:solidFill>
+              <a:ln>
+                <a:solidFill>
+                  <a:schemeClr val="accent6"/>
+                </a:solidFill>
+              </a:ln>
+            </p:spPr>
+            <p:style>
+              <a:lnRef idx="2">
+                <a:schemeClr val="accent1">
+                  <a:shade val="50000"/>
+                </a:schemeClr>
+              </a:lnRef>
+              <a:fillRef idx="1">
+                <a:schemeClr val="accent1"/>
+              </a:fillRef>
+              <a:effectRef idx="0">
+                <a:schemeClr val="accent1"/>
+              </a:effectRef>
+              <a:fontRef idx="minor">
+                <a:schemeClr val="lt1"/>
+              </a:fontRef>
+            </p:style>
+            <p:txBody>
+              <a:bodyPr rtlCol="0" anchor="ctr"/>
+              <a:lstStyle/>
+              <a:p>
+                <a:pPr algn="ctr"/>
+                <a:endParaRPr lang="en-US"/>
+              </a:p>
+            </p:txBody>
+          </p:sp>
+        </p:grpSp>
+        <p:sp>
+          <p:nvSpPr>
+            <p:cNvPr id="206" name="TextBox 205"/>
+            <p:cNvSpPr txBox="1"/>
+            <p:nvPr/>
+          </p:nvSpPr>
+          <p:spPr>
+            <a:xfrm>
+              <a:off x="2895600" y="3505200"/>
+              <a:ext cx="1524000" cy="338554"/>
+            </a:xfrm>
+            <a:prstGeom prst="rect">
+              <a:avLst/>
+            </a:prstGeom>
+            <a:noFill/>
+            <a:ln>
+              <a:noFill/>
+            </a:ln>
+          </p:spPr>
+          <p:txBody>
+            <a:bodyPr wrap="square" rtlCol="0">
+              <a:spAutoFit/>
+            </a:bodyPr>
+            <a:lstStyle/>
+            <a:p>
+              <a:pPr algn="ctr"/>
+              <a:r>
+                <a:rPr lang="en-US" sz="1600" dirty="0" smtClean="0"/>
+                <a:t>Repeat Phase 1 </a:t>
+              </a:r>
+              <a:endParaRPr lang="en-US" sz="1600" dirty="0"/>
+            </a:p>
+          </p:txBody>
+        </p:sp>
+      </p:grpSp>
+      <p:grpSp>
+        <p:nvGrpSpPr>
+          <p:cNvPr id="220" name="Group 219"/>
+          <p:cNvGrpSpPr/>
+          <p:nvPr/>
+        </p:nvGrpSpPr>
+        <p:grpSpPr>
+          <a:xfrm>
+            <a:off x="4343400" y="1600200"/>
+            <a:ext cx="1524000" cy="961802"/>
+            <a:chOff x="4294496" y="1524000"/>
+            <a:chExt cx="1524000" cy="961802"/>
+          </a:xfrm>
+        </p:grpSpPr>
+        <p:grpSp>
+          <p:nvGrpSpPr>
+            <p:cNvPr id="136" name="Group 135"/>
+            <p:cNvGrpSpPr/>
+            <p:nvPr/>
+          </p:nvGrpSpPr>
+          <p:grpSpPr>
+            <a:xfrm>
+              <a:off x="4800600" y="1524000"/>
+              <a:ext cx="457200" cy="609600"/>
+              <a:chOff x="2971800" y="2895600"/>
+              <a:chExt cx="457200" cy="609600"/>
+            </a:xfrm>
+          </p:grpSpPr>
+          <p:sp>
+            <p:nvSpPr>
+              <p:cNvPr id="137" name="Arc 136"/>
+              <p:cNvSpPr/>
+              <p:nvPr/>
+            </p:nvSpPr>
+            <p:spPr>
+              <a:xfrm>
+                <a:off x="2971800" y="2971800"/>
+                <a:ext cx="457200" cy="457200"/>
+              </a:xfrm>
+              <a:prstGeom prst="arc">
+                <a:avLst>
+                  <a:gd name="adj1" fmla="val 9532380"/>
+                  <a:gd name="adj2" fmla="val 6294069"/>
+                </a:avLst>
+              </a:prstGeom>
+              <a:ln>
+                <a:solidFill>
+                  <a:schemeClr val="tx1"/>
+                </a:solidFill>
+              </a:ln>
+            </p:spPr>
+            <p:style>
+              <a:lnRef idx="1">
+                <a:schemeClr val="accent1"/>
+              </a:lnRef>
+              <a:fillRef idx="0">
+                <a:schemeClr val="accent1"/>
+              </a:fillRef>
+              <a:effectRef idx="0">
+                <a:schemeClr val="accent1"/>
+              </a:effectRef>
+              <a:fontRef idx="minor">
+                <a:schemeClr val="tx1"/>
+              </a:fontRef>
+            </p:style>
+            <p:txBody>
+              <a:bodyPr rtlCol="0" anchor="ctr"/>
+              <a:lstStyle/>
+              <a:p>
+                <a:pPr algn="ctr"/>
+                <a:endParaRPr lang="en-US"/>
+              </a:p>
+            </p:txBody>
+          </p:sp>
+          <p:sp>
+            <p:nvSpPr>
+              <p:cNvPr id="138" name="Rectangle 137"/>
+              <p:cNvSpPr/>
+              <p:nvPr/>
+            </p:nvSpPr>
+            <p:spPr>
+              <a:xfrm>
+                <a:off x="3048000" y="3200400"/>
+                <a:ext cx="152400" cy="304800"/>
+              </a:xfrm>
+              <a:prstGeom prst="rect">
+                <a:avLst/>
+              </a:prstGeom>
+              <a:solidFill>
+                <a:schemeClr val="accent6"/>
+              </a:solidFill>
+              <a:ln>
+                <a:solidFill>
+                  <a:schemeClr val="accent6"/>
+                </a:solidFill>
+              </a:ln>
+            </p:spPr>
+            <p:style>
+              <a:lnRef idx="2">
+                <a:schemeClr val="accent1">
+                  <a:shade val="50000"/>
+                </a:schemeClr>
+              </a:lnRef>
+              <a:fillRef idx="1">
+                <a:schemeClr val="accent1"/>
+              </a:fillRef>
+              <a:effectRef idx="0">
+                <a:schemeClr val="accent1"/>
+              </a:effectRef>
+              <a:fontRef idx="minor">
+                <a:schemeClr val="lt1"/>
+              </a:fontRef>
+            </p:style>
+            <p:txBody>
+              <a:bodyPr rtlCol="0" anchor="ctr"/>
+              <a:lstStyle/>
+              <a:p>
+                <a:pPr algn="ctr"/>
+                <a:endParaRPr lang="en-US"/>
+              </a:p>
+            </p:txBody>
+          </p:sp>
+          <p:sp>
+            <p:nvSpPr>
+              <p:cNvPr id="139" name="Rectangle 138"/>
+              <p:cNvSpPr/>
+              <p:nvPr/>
+            </p:nvSpPr>
+            <p:spPr>
+              <a:xfrm>
+                <a:off x="3276600" y="2895600"/>
+                <a:ext cx="76200" cy="228600"/>
+              </a:xfrm>
+              <a:prstGeom prst="rect">
+                <a:avLst/>
+              </a:prstGeom>
+              <a:solidFill>
+                <a:schemeClr val="accent4"/>
+              </a:solidFill>
+              <a:ln>
+                <a:solidFill>
+                  <a:schemeClr val="accent4"/>
+                </a:solidFill>
+              </a:ln>
+            </p:spPr>
+            <p:style>
+              <a:lnRef idx="2">
+                <a:schemeClr val="accent1">
+                  <a:shade val="50000"/>
+                </a:schemeClr>
+              </a:lnRef>
+              <a:fillRef idx="1">
+                <a:schemeClr val="accent1"/>
+              </a:fillRef>
+              <a:effectRef idx="0">
+                <a:schemeClr val="accent1"/>
+              </a:effectRef>
+              <a:fontRef idx="minor">
+                <a:schemeClr val="lt1"/>
+              </a:fontRef>
+            </p:style>
+            <p:txBody>
+              <a:bodyPr rtlCol="0" anchor="ctr"/>
+              <a:lstStyle/>
+              <a:p>
+                <a:pPr algn="ctr"/>
+                <a:endParaRPr lang="en-US"/>
+              </a:p>
+            </p:txBody>
+          </p:sp>
+        </p:grpSp>
+        <p:sp>
+          <p:nvSpPr>
+            <p:cNvPr id="207" name="TextBox 206"/>
+            <p:cNvSpPr txBox="1"/>
+            <p:nvPr/>
+          </p:nvSpPr>
+          <p:spPr>
+            <a:xfrm>
+              <a:off x="4294496" y="2147248"/>
+              <a:ext cx="1524000" cy="338554"/>
+            </a:xfrm>
+            <a:prstGeom prst="rect">
+              <a:avLst/>
+            </a:prstGeom>
+            <a:noFill/>
+            <a:ln>
+              <a:noFill/>
+            </a:ln>
+          </p:spPr>
+          <p:txBody>
+            <a:bodyPr wrap="square" rtlCol="0">
+              <a:spAutoFit/>
+            </a:bodyPr>
+            <a:lstStyle/>
+            <a:p>
+              <a:pPr algn="ctr"/>
+              <a:r>
+                <a:rPr lang="en-US" sz="1600" dirty="0" smtClean="0"/>
+                <a:t>ISK</a:t>
+              </a:r>
+              <a:endParaRPr lang="en-US" sz="1600" dirty="0"/>
+            </a:p>
+          </p:txBody>
+        </p:sp>
+      </p:grpSp>
+      <p:grpSp>
+        <p:nvGrpSpPr>
+          <p:cNvPr id="226" name="Group 225"/>
+          <p:cNvGrpSpPr/>
+          <p:nvPr/>
+        </p:nvGrpSpPr>
+        <p:grpSpPr>
+          <a:xfrm>
+            <a:off x="685800" y="3225225"/>
+            <a:ext cx="1524000" cy="1270575"/>
+            <a:chOff x="228600" y="3886200"/>
+            <a:chExt cx="1524000" cy="1270575"/>
+          </a:xfrm>
+        </p:grpSpPr>
+        <p:grpSp>
+          <p:nvGrpSpPr>
+            <p:cNvPr id="87" name="Group 86"/>
+            <p:cNvGrpSpPr/>
+            <p:nvPr/>
+          </p:nvGrpSpPr>
+          <p:grpSpPr>
+            <a:xfrm>
+              <a:off x="685800" y="3886200"/>
+              <a:ext cx="457200" cy="609600"/>
+              <a:chOff x="4114800" y="2438400"/>
+              <a:chExt cx="457200" cy="609600"/>
+            </a:xfrm>
+          </p:grpSpPr>
+          <p:sp>
+            <p:nvSpPr>
+              <p:cNvPr id="88" name="Arc 87"/>
+              <p:cNvSpPr/>
+              <p:nvPr/>
+            </p:nvSpPr>
+            <p:spPr>
+              <a:xfrm>
+                <a:off x="4114800" y="2514600"/>
+                <a:ext cx="457200" cy="457200"/>
+              </a:xfrm>
+              <a:prstGeom prst="arc">
+                <a:avLst>
+                  <a:gd name="adj1" fmla="val 9532380"/>
+                  <a:gd name="adj2" fmla="val 6294069"/>
+                </a:avLst>
+              </a:prstGeom>
+              <a:ln>
+                <a:solidFill>
+                  <a:schemeClr val="tx1"/>
+                </a:solidFill>
+              </a:ln>
+            </p:spPr>
+            <p:style>
+              <a:lnRef idx="1">
+                <a:schemeClr val="accent1"/>
+              </a:lnRef>
+              <a:fillRef idx="0">
+                <a:schemeClr val="accent1"/>
+              </a:fillRef>
+              <a:effectRef idx="0">
+                <a:schemeClr val="accent1"/>
+              </a:effectRef>
+              <a:fontRef idx="minor">
+                <a:schemeClr val="tx1"/>
+              </a:fontRef>
+            </p:style>
+            <p:txBody>
+              <a:bodyPr rtlCol="0" anchor="ctr"/>
+              <a:lstStyle/>
+              <a:p>
+                <a:pPr algn="ctr"/>
+                <a:endParaRPr lang="en-US"/>
+              </a:p>
+            </p:txBody>
+          </p:sp>
+          <p:sp>
+            <p:nvSpPr>
+              <p:cNvPr id="89" name="Rectangle 88"/>
+              <p:cNvSpPr/>
+              <p:nvPr/>
+            </p:nvSpPr>
+            <p:spPr>
+              <a:xfrm flipH="1" flipV="1">
+                <a:off x="4343400" y="2438400"/>
+                <a:ext cx="91438" cy="152400"/>
+              </a:xfrm>
+              <a:prstGeom prst="rect">
+                <a:avLst/>
+              </a:prstGeom>
+              <a:solidFill>
+                <a:schemeClr val="accent4"/>
+              </a:solidFill>
+              <a:ln>
+                <a:solidFill>
+                  <a:schemeClr val="accent4"/>
+                </a:solidFill>
+              </a:ln>
+            </p:spPr>
+            <p:style>
+              <a:lnRef idx="2">
+                <a:schemeClr val="accent1">
+                  <a:shade val="50000"/>
+                </a:schemeClr>
+              </a:lnRef>
+              <a:fillRef idx="1">
+                <a:schemeClr val="accent1"/>
+              </a:fillRef>
+              <a:effectRef idx="0">
+                <a:schemeClr val="accent1"/>
+              </a:effectRef>
+              <a:fontRef idx="minor">
+                <a:schemeClr val="lt1"/>
+              </a:fontRef>
+            </p:style>
+            <p:txBody>
+              <a:bodyPr rtlCol="0" anchor="ctr"/>
+              <a:lstStyle/>
+              <a:p>
+                <a:pPr algn="ctr"/>
+                <a:endParaRPr lang="en-US" dirty="0"/>
+              </a:p>
+            </p:txBody>
+          </p:sp>
+          <p:cxnSp>
+            <p:nvCxnSpPr>
+              <p:cNvPr id="90" name="Straight Connector 89"/>
+              <p:cNvCxnSpPr/>
+              <p:nvPr/>
+            </p:nvCxnSpPr>
+            <p:spPr>
+              <a:xfrm flipV="1">
+                <a:off x="4191000" y="2667000"/>
+                <a:ext cx="76200" cy="76200"/>
+              </a:xfrm>
+              <a:prstGeom prst="line">
+                <a:avLst/>
+              </a:prstGeom>
+              <a:ln>
+                <a:solidFill>
+                  <a:schemeClr val="tx1"/>
+                </a:solidFill>
+              </a:ln>
+            </p:spPr>
+            <p:style>
+              <a:lnRef idx="1">
+                <a:schemeClr val="accent1"/>
+              </a:lnRef>
+              <a:fillRef idx="0">
+                <a:schemeClr val="accent1"/>
+              </a:fillRef>
+              <a:effectRef idx="0">
+                <a:schemeClr val="accent1"/>
+              </a:effectRef>
+              <a:fontRef idx="minor">
+                <a:schemeClr val="tx1"/>
+              </a:fontRef>
+            </p:style>
+          </p:cxnSp>
+          <p:cxnSp>
+            <p:nvCxnSpPr>
+              <p:cNvPr id="91" name="Straight Connector 90"/>
+              <p:cNvCxnSpPr/>
+              <p:nvPr/>
+            </p:nvCxnSpPr>
+            <p:spPr>
+              <a:xfrm flipV="1">
+                <a:off x="4267200" y="2667000"/>
+                <a:ext cx="76200" cy="76200"/>
+              </a:xfrm>
+              <a:prstGeom prst="line">
+                <a:avLst/>
+              </a:prstGeom>
+              <a:ln>
+                <a:solidFill>
+                  <a:schemeClr val="tx1"/>
+                </a:solidFill>
+              </a:ln>
+            </p:spPr>
+            <p:style>
+              <a:lnRef idx="1">
+                <a:schemeClr val="accent1"/>
+              </a:lnRef>
+              <a:fillRef idx="0">
+                <a:schemeClr val="accent1"/>
+              </a:fillRef>
+              <a:effectRef idx="0">
+                <a:schemeClr val="accent1"/>
+              </a:effectRef>
+              <a:fontRef idx="minor">
+                <a:schemeClr val="tx1"/>
+              </a:fontRef>
+            </p:style>
+          </p:cxnSp>
+          <p:cxnSp>
+            <p:nvCxnSpPr>
+              <p:cNvPr id="92" name="Straight Connector 91"/>
+              <p:cNvCxnSpPr/>
+              <p:nvPr/>
+            </p:nvCxnSpPr>
+            <p:spPr>
+              <a:xfrm flipV="1">
+                <a:off x="4343400" y="2667000"/>
+                <a:ext cx="76200" cy="76200"/>
+              </a:xfrm>
+              <a:prstGeom prst="line">
+                <a:avLst/>
+              </a:prstGeom>
+              <a:ln>
+                <a:solidFill>
+                  <a:schemeClr val="tx1"/>
+                </a:solidFill>
+              </a:ln>
+            </p:spPr>
+            <p:style>
+              <a:lnRef idx="1">
+                <a:schemeClr val="accent1"/>
+              </a:lnRef>
+              <a:fillRef idx="0">
+                <a:schemeClr val="accent1"/>
+              </a:fillRef>
+              <a:effectRef idx="0">
+                <a:schemeClr val="accent1"/>
+              </a:effectRef>
+              <a:fontRef idx="minor">
+                <a:schemeClr val="tx1"/>
+              </a:fontRef>
+            </p:style>
+          </p:cxnSp>
+          <p:cxnSp>
+            <p:nvCxnSpPr>
+              <p:cNvPr id="93" name="Straight Connector 92"/>
+              <p:cNvCxnSpPr/>
+              <p:nvPr/>
+            </p:nvCxnSpPr>
+            <p:spPr>
+              <a:xfrm flipV="1">
+                <a:off x="4343400" y="2743200"/>
+                <a:ext cx="76200" cy="76200"/>
+              </a:xfrm>
+              <a:prstGeom prst="line">
+                <a:avLst/>
+              </a:prstGeom>
+              <a:ln>
+                <a:solidFill>
+                  <a:schemeClr val="tx1"/>
+                </a:solidFill>
+              </a:ln>
+            </p:spPr>
+            <p:style>
+              <a:lnRef idx="1">
+                <a:schemeClr val="accent1"/>
+              </a:lnRef>
+              <a:fillRef idx="0">
+                <a:schemeClr val="accent1"/>
+              </a:fillRef>
+              <a:effectRef idx="0">
+                <a:schemeClr val="accent1"/>
+              </a:effectRef>
+              <a:fontRef idx="minor">
+                <a:schemeClr val="tx1"/>
+              </a:fontRef>
+            </p:style>
+          </p:cxnSp>
+          <p:cxnSp>
+            <p:nvCxnSpPr>
+              <p:cNvPr id="94" name="Straight Connector 93"/>
+              <p:cNvCxnSpPr/>
+              <p:nvPr/>
+            </p:nvCxnSpPr>
+            <p:spPr>
+              <a:xfrm flipV="1">
+                <a:off x="4343400" y="2819400"/>
+                <a:ext cx="76200" cy="76200"/>
+              </a:xfrm>
+              <a:prstGeom prst="line">
+                <a:avLst/>
+              </a:prstGeom>
+              <a:ln>
+                <a:solidFill>
+                  <a:schemeClr val="tx1"/>
+                </a:solidFill>
+              </a:ln>
+            </p:spPr>
+            <p:style>
+              <a:lnRef idx="1">
+                <a:schemeClr val="accent1"/>
+              </a:lnRef>
+              <a:fillRef idx="0">
+                <a:schemeClr val="accent1"/>
+              </a:fillRef>
+              <a:effectRef idx="0">
+                <a:schemeClr val="accent1"/>
+              </a:effectRef>
+              <a:fontRef idx="minor">
+                <a:schemeClr val="tx1"/>
+              </a:fontRef>
+            </p:style>
+          </p:cxnSp>
+          <p:sp>
+            <p:nvSpPr>
+              <p:cNvPr id="95" name="Rectangle 94"/>
+              <p:cNvSpPr/>
+              <p:nvPr/>
+            </p:nvSpPr>
+            <p:spPr>
+              <a:xfrm>
+                <a:off x="4191000" y="2743200"/>
+                <a:ext cx="152400" cy="304800"/>
+              </a:xfrm>
+              <a:prstGeom prst="rect">
+                <a:avLst/>
+              </a:prstGeom>
+              <a:solidFill>
+                <a:schemeClr val="accent6"/>
+              </a:solidFill>
+              <a:ln>
+                <a:solidFill>
+                  <a:schemeClr val="accent6"/>
+                </a:solidFill>
+              </a:ln>
+            </p:spPr>
+            <p:style>
+              <a:lnRef idx="2">
+                <a:schemeClr val="accent1">
+                  <a:shade val="50000"/>
+                </a:schemeClr>
+              </a:lnRef>
+              <a:fillRef idx="1">
+                <a:schemeClr val="accent1"/>
+              </a:fillRef>
+              <a:effectRef idx="0">
+                <a:schemeClr val="accent1"/>
+              </a:effectRef>
+              <a:fontRef idx="minor">
+                <a:schemeClr val="lt1"/>
+              </a:fontRef>
+            </p:style>
+            <p:txBody>
+              <a:bodyPr rtlCol="0" anchor="ctr"/>
+              <a:lstStyle/>
+              <a:p>
+                <a:pPr algn="ctr"/>
+                <a:endParaRPr lang="en-US"/>
+              </a:p>
+            </p:txBody>
+          </p:sp>
+        </p:grpSp>
+        <p:sp>
+          <p:nvSpPr>
+            <p:cNvPr id="208" name="TextBox 207"/>
+            <p:cNvSpPr txBox="1"/>
+            <p:nvPr/>
+          </p:nvSpPr>
+          <p:spPr>
+            <a:xfrm>
+              <a:off x="228600" y="4572000"/>
+              <a:ext cx="1524000" cy="584775"/>
+            </a:xfrm>
+            <a:prstGeom prst="rect">
+              <a:avLst/>
+            </a:prstGeom>
+            <a:noFill/>
+            <a:ln>
+              <a:noFill/>
+            </a:ln>
+          </p:spPr>
+          <p:txBody>
+            <a:bodyPr wrap="square" rtlCol="0">
+              <a:spAutoFit/>
+            </a:bodyPr>
+            <a:lstStyle/>
+            <a:p>
+              <a:pPr algn="ctr"/>
+              <a:r>
+                <a:rPr lang="en-US" sz="1600" dirty="0" smtClean="0"/>
+                <a:t>GPS Beacon Termination</a:t>
+              </a:r>
+              <a:endParaRPr lang="en-US" sz="1600" dirty="0"/>
+            </a:p>
+          </p:txBody>
+        </p:sp>
+      </p:grpSp>
+      <p:grpSp>
+        <p:nvGrpSpPr>
+          <p:cNvPr id="225" name="Group 224"/>
+          <p:cNvGrpSpPr/>
+          <p:nvPr/>
+        </p:nvGrpSpPr>
+        <p:grpSpPr>
+          <a:xfrm>
+            <a:off x="1828800" y="1752600"/>
+            <a:ext cx="1524000" cy="1100554"/>
+            <a:chOff x="914400" y="2362200"/>
+            <a:chExt cx="1524000" cy="1100554"/>
+          </a:xfrm>
+        </p:grpSpPr>
+        <p:grpSp>
+          <p:nvGrpSpPr>
+            <p:cNvPr id="114" name="Group 113"/>
+            <p:cNvGrpSpPr/>
+            <p:nvPr/>
+          </p:nvGrpSpPr>
+          <p:grpSpPr>
+            <a:xfrm>
+              <a:off x="1524000" y="2362200"/>
+              <a:ext cx="457200" cy="685800"/>
+              <a:chOff x="5257800" y="2286000"/>
+              <a:chExt cx="457200" cy="685800"/>
+            </a:xfrm>
+          </p:grpSpPr>
+          <p:sp>
+            <p:nvSpPr>
+              <p:cNvPr id="115" name="Arc 114"/>
+              <p:cNvSpPr/>
+              <p:nvPr/>
+            </p:nvSpPr>
+            <p:spPr>
+              <a:xfrm>
+                <a:off x="5257800" y="2362200"/>
+                <a:ext cx="457200" cy="457200"/>
+              </a:xfrm>
+              <a:prstGeom prst="arc">
+                <a:avLst>
+                  <a:gd name="adj1" fmla="val 9532380"/>
+                  <a:gd name="adj2" fmla="val 6294069"/>
+                </a:avLst>
+              </a:prstGeom>
+              <a:ln>
+                <a:solidFill>
+                  <a:schemeClr val="tx1"/>
+                </a:solidFill>
+              </a:ln>
+            </p:spPr>
+            <p:style>
+              <a:lnRef idx="1">
+                <a:schemeClr val="accent1"/>
+              </a:lnRef>
+              <a:fillRef idx="0">
+                <a:schemeClr val="accent1"/>
+              </a:fillRef>
+              <a:effectRef idx="0">
+                <a:schemeClr val="accent1"/>
+              </a:effectRef>
+              <a:fontRef idx="minor">
+                <a:schemeClr val="tx1"/>
+              </a:fontRef>
+            </p:style>
+            <p:txBody>
+              <a:bodyPr rtlCol="0" anchor="ctr"/>
+              <a:lstStyle/>
+              <a:p>
+                <a:pPr algn="ctr"/>
+                <a:endParaRPr lang="en-US"/>
+              </a:p>
+            </p:txBody>
+          </p:sp>
+          <p:sp>
+            <p:nvSpPr>
+              <p:cNvPr id="116" name="Rectangle 115"/>
+              <p:cNvSpPr/>
+              <p:nvPr/>
+            </p:nvSpPr>
+            <p:spPr>
+              <a:xfrm flipH="1" flipV="1">
+                <a:off x="5486400" y="2286000"/>
+                <a:ext cx="91438" cy="152400"/>
+              </a:xfrm>
+              <a:prstGeom prst="rect">
+                <a:avLst/>
+              </a:prstGeom>
+              <a:solidFill>
+                <a:schemeClr val="accent4"/>
+              </a:solidFill>
+              <a:ln>
+                <a:solidFill>
+                  <a:schemeClr val="accent4"/>
+                </a:solidFill>
+              </a:ln>
+            </p:spPr>
+            <p:style>
+              <a:lnRef idx="2">
+                <a:schemeClr val="accent1">
+                  <a:shade val="50000"/>
+                </a:schemeClr>
+              </a:lnRef>
+              <a:fillRef idx="1">
+                <a:schemeClr val="accent1"/>
+              </a:fillRef>
+              <a:effectRef idx="0">
+                <a:schemeClr val="accent1"/>
+              </a:effectRef>
+              <a:fontRef idx="minor">
+                <a:schemeClr val="lt1"/>
+              </a:fontRef>
+            </p:style>
+            <p:txBody>
+              <a:bodyPr rtlCol="0" anchor="ctr"/>
+              <a:lstStyle/>
+              <a:p>
+                <a:pPr algn="ctr"/>
+                <a:endParaRPr lang="en-US" dirty="0"/>
+              </a:p>
+            </p:txBody>
+          </p:sp>
+          <p:cxnSp>
+            <p:nvCxnSpPr>
+              <p:cNvPr id="117" name="Straight Connector 116"/>
+              <p:cNvCxnSpPr/>
+              <p:nvPr/>
+            </p:nvCxnSpPr>
+            <p:spPr>
+              <a:xfrm flipV="1">
+                <a:off x="5257800" y="2819400"/>
+                <a:ext cx="76200" cy="76200"/>
+              </a:xfrm>
+              <a:prstGeom prst="line">
+                <a:avLst/>
+              </a:prstGeom>
+              <a:ln>
+                <a:solidFill>
+                  <a:schemeClr val="tx1"/>
+                </a:solidFill>
+              </a:ln>
+            </p:spPr>
+            <p:style>
+              <a:lnRef idx="1">
+                <a:schemeClr val="accent1"/>
+              </a:lnRef>
+              <a:fillRef idx="0">
+                <a:schemeClr val="accent1"/>
+              </a:fillRef>
+              <a:effectRef idx="0">
+                <a:schemeClr val="accent1"/>
+              </a:effectRef>
+              <a:fontRef idx="minor">
+                <a:schemeClr val="tx1"/>
+              </a:fontRef>
+            </p:style>
+          </p:cxnSp>
+          <p:cxnSp>
+            <p:nvCxnSpPr>
+              <p:cNvPr id="118" name="Straight Connector 117"/>
+              <p:cNvCxnSpPr/>
+              <p:nvPr/>
+            </p:nvCxnSpPr>
+            <p:spPr>
+              <a:xfrm flipV="1">
+                <a:off x="5257800" y="2895600"/>
+                <a:ext cx="76200" cy="76200"/>
+              </a:xfrm>
+              <a:prstGeom prst="line">
+                <a:avLst/>
+              </a:prstGeom>
+              <a:ln>
+                <a:solidFill>
+                  <a:schemeClr val="tx1"/>
+                </a:solidFill>
+              </a:ln>
+            </p:spPr>
+            <p:style>
+              <a:lnRef idx="1">
+                <a:schemeClr val="accent1"/>
+              </a:lnRef>
+              <a:fillRef idx="0">
+                <a:schemeClr val="accent1"/>
+              </a:fillRef>
+              <a:effectRef idx="0">
+                <a:schemeClr val="accent1"/>
+              </a:effectRef>
+              <a:fontRef idx="minor">
+                <a:schemeClr val="tx1"/>
+              </a:fontRef>
+            </p:style>
+          </p:cxnSp>
+          <p:cxnSp>
+            <p:nvCxnSpPr>
+              <p:cNvPr id="119" name="Straight Connector 118"/>
+              <p:cNvCxnSpPr/>
+              <p:nvPr/>
+            </p:nvCxnSpPr>
+            <p:spPr>
+              <a:xfrm flipV="1">
+                <a:off x="5334000" y="2895600"/>
+                <a:ext cx="76200" cy="76200"/>
+              </a:xfrm>
+              <a:prstGeom prst="line">
+                <a:avLst/>
+              </a:prstGeom>
+              <a:ln>
+                <a:solidFill>
+                  <a:schemeClr val="tx1"/>
+                </a:solidFill>
+              </a:ln>
+            </p:spPr>
+            <p:style>
+              <a:lnRef idx="1">
+                <a:schemeClr val="accent1"/>
+              </a:lnRef>
+              <a:fillRef idx="0">
+                <a:schemeClr val="accent1"/>
+              </a:fillRef>
+              <a:effectRef idx="0">
+                <a:schemeClr val="accent1"/>
+              </a:effectRef>
+              <a:fontRef idx="minor">
+                <a:schemeClr val="tx1"/>
+              </a:fontRef>
+            </p:style>
+          </p:cxnSp>
+          <p:cxnSp>
+            <p:nvCxnSpPr>
+              <p:cNvPr id="120" name="Straight Connector 119"/>
+              <p:cNvCxnSpPr/>
+              <p:nvPr/>
+            </p:nvCxnSpPr>
+            <p:spPr>
+              <a:xfrm flipV="1">
+                <a:off x="5257800" y="2743200"/>
+                <a:ext cx="76200" cy="76200"/>
+              </a:xfrm>
+              <a:prstGeom prst="line">
+                <a:avLst/>
+              </a:prstGeom>
+              <a:ln>
+                <a:solidFill>
+                  <a:schemeClr val="tx1"/>
+                </a:solidFill>
+              </a:ln>
+            </p:spPr>
+            <p:style>
+              <a:lnRef idx="1">
+                <a:schemeClr val="accent1"/>
+              </a:lnRef>
+              <a:fillRef idx="0">
+                <a:schemeClr val="accent1"/>
+              </a:fillRef>
+              <a:effectRef idx="0">
+                <a:schemeClr val="accent1"/>
+              </a:effectRef>
+              <a:fontRef idx="minor">
+                <a:schemeClr val="tx1"/>
+              </a:fontRef>
+            </p:style>
+          </p:cxnSp>
+          <p:cxnSp>
+            <p:nvCxnSpPr>
+              <p:cNvPr id="121" name="Straight Connector 120"/>
+              <p:cNvCxnSpPr/>
+              <p:nvPr/>
+            </p:nvCxnSpPr>
+            <p:spPr>
+              <a:xfrm flipV="1">
+                <a:off x="5410200" y="2895600"/>
+                <a:ext cx="76200" cy="76200"/>
+              </a:xfrm>
+              <a:prstGeom prst="line">
+                <a:avLst/>
+              </a:prstGeom>
+              <a:ln>
+                <a:solidFill>
+                  <a:schemeClr val="tx1"/>
+                </a:solidFill>
+              </a:ln>
+            </p:spPr>
+            <p:style>
+              <a:lnRef idx="1">
+                <a:schemeClr val="accent1"/>
+              </a:lnRef>
+              <a:fillRef idx="0">
+                <a:schemeClr val="accent1"/>
+              </a:fillRef>
+              <a:effectRef idx="0">
+                <a:schemeClr val="accent1"/>
+              </a:effectRef>
+              <a:fontRef idx="minor">
+                <a:schemeClr val="tx1"/>
+              </a:fontRef>
+            </p:style>
+          </p:cxnSp>
+          <p:sp>
+            <p:nvSpPr>
+              <p:cNvPr id="122" name="Rectangle 121"/>
+              <p:cNvSpPr/>
+              <p:nvPr/>
+            </p:nvSpPr>
+            <p:spPr>
+              <a:xfrm>
+                <a:off x="5334000" y="2590800"/>
+                <a:ext cx="152400" cy="304800"/>
+              </a:xfrm>
+              <a:prstGeom prst="rect">
+                <a:avLst/>
+              </a:prstGeom>
+              <a:solidFill>
+                <a:schemeClr val="accent6"/>
+              </a:solidFill>
+              <a:ln>
+                <a:solidFill>
+                  <a:schemeClr val="accent6"/>
+                </a:solidFill>
+              </a:ln>
+            </p:spPr>
+            <p:style>
+              <a:lnRef idx="2">
+                <a:schemeClr val="accent1">
+                  <a:shade val="50000"/>
+                </a:schemeClr>
+              </a:lnRef>
+              <a:fillRef idx="1">
+                <a:schemeClr val="accent1"/>
+              </a:fillRef>
+              <a:effectRef idx="0">
+                <a:schemeClr val="accent1"/>
+              </a:effectRef>
+              <a:fontRef idx="minor">
+                <a:schemeClr val="lt1"/>
+              </a:fontRef>
+            </p:style>
+            <p:txBody>
+              <a:bodyPr rtlCol="0" anchor="ctr"/>
+              <a:lstStyle/>
+              <a:p>
+                <a:pPr algn="ctr"/>
+                <a:endParaRPr lang="en-US"/>
+              </a:p>
+            </p:txBody>
+          </p:sp>
+        </p:grpSp>
+        <p:sp>
+          <p:nvSpPr>
+            <p:cNvPr id="209" name="TextBox 208"/>
+            <p:cNvSpPr txBox="1"/>
+            <p:nvPr/>
+          </p:nvSpPr>
+          <p:spPr>
+            <a:xfrm>
+              <a:off x="914400" y="3124200"/>
+              <a:ext cx="1524000" cy="338554"/>
+            </a:xfrm>
+            <a:prstGeom prst="rect">
+              <a:avLst/>
+            </a:prstGeom>
+            <a:noFill/>
+            <a:ln>
+              <a:noFill/>
+            </a:ln>
+          </p:spPr>
+          <p:txBody>
+            <a:bodyPr wrap="square" rtlCol="0">
+              <a:spAutoFit/>
+            </a:bodyPr>
+            <a:lstStyle/>
+            <a:p>
+              <a:pPr algn="ctr"/>
+              <a:r>
+                <a:rPr lang="en-US" sz="1600" dirty="0" smtClean="0"/>
+                <a:t>Repeat Phase 1 </a:t>
+              </a:r>
+              <a:endParaRPr lang="en-US" sz="1600" dirty="0"/>
+            </a:p>
+          </p:txBody>
+        </p:sp>
+      </p:grpSp>
+      <p:grpSp>
+        <p:nvGrpSpPr>
+          <p:cNvPr id="224" name="Group 223"/>
+          <p:cNvGrpSpPr/>
+          <p:nvPr/>
+        </p:nvGrpSpPr>
+        <p:grpSpPr>
+          <a:xfrm>
+            <a:off x="3048000" y="609600"/>
+            <a:ext cx="1524000" cy="1024354"/>
+            <a:chOff x="2209800" y="990600"/>
+            <a:chExt cx="1524000" cy="1024354"/>
+          </a:xfrm>
+        </p:grpSpPr>
+        <p:grpSp>
+          <p:nvGrpSpPr>
+            <p:cNvPr id="140" name="Group 139"/>
+            <p:cNvGrpSpPr/>
+            <p:nvPr/>
+          </p:nvGrpSpPr>
+          <p:grpSpPr>
+            <a:xfrm>
+              <a:off x="2743200" y="990600"/>
+              <a:ext cx="457200" cy="609600"/>
+              <a:chOff x="2971800" y="2895600"/>
+              <a:chExt cx="457200" cy="609600"/>
+            </a:xfrm>
+          </p:grpSpPr>
+          <p:sp>
+            <p:nvSpPr>
+              <p:cNvPr id="141" name="Arc 140"/>
+              <p:cNvSpPr/>
+              <p:nvPr/>
+            </p:nvSpPr>
+            <p:spPr>
+              <a:xfrm>
+                <a:off x="2971800" y="2971800"/>
+                <a:ext cx="457200" cy="457200"/>
+              </a:xfrm>
+              <a:prstGeom prst="arc">
+                <a:avLst>
+                  <a:gd name="adj1" fmla="val 9532380"/>
+                  <a:gd name="adj2" fmla="val 6294069"/>
+                </a:avLst>
+              </a:prstGeom>
+              <a:ln>
+                <a:solidFill>
+                  <a:schemeClr val="tx1"/>
+                </a:solidFill>
+              </a:ln>
+            </p:spPr>
+            <p:style>
+              <a:lnRef idx="1">
+                <a:schemeClr val="accent1"/>
+              </a:lnRef>
+              <a:fillRef idx="0">
+                <a:schemeClr val="accent1"/>
+              </a:fillRef>
+              <a:effectRef idx="0">
+                <a:schemeClr val="accent1"/>
+              </a:effectRef>
+              <a:fontRef idx="minor">
+                <a:schemeClr val="tx1"/>
+              </a:fontRef>
+            </p:style>
+            <p:txBody>
+              <a:bodyPr rtlCol="0" anchor="ctr"/>
+              <a:lstStyle/>
+              <a:p>
+                <a:pPr algn="ctr"/>
+                <a:endParaRPr lang="en-US"/>
+              </a:p>
+            </p:txBody>
+          </p:sp>
+          <p:sp>
+            <p:nvSpPr>
+              <p:cNvPr id="142" name="Rectangle 141"/>
+              <p:cNvSpPr/>
+              <p:nvPr/>
+            </p:nvSpPr>
+            <p:spPr>
+              <a:xfrm>
+                <a:off x="3048000" y="3200400"/>
+                <a:ext cx="152400" cy="304800"/>
+              </a:xfrm>
+              <a:prstGeom prst="rect">
+                <a:avLst/>
+              </a:prstGeom>
+              <a:solidFill>
+                <a:schemeClr val="accent6"/>
+              </a:solidFill>
+              <a:ln>
+                <a:solidFill>
+                  <a:schemeClr val="accent6"/>
+                </a:solidFill>
+              </a:ln>
+            </p:spPr>
+            <p:style>
+              <a:lnRef idx="2">
+                <a:schemeClr val="accent1">
+                  <a:shade val="50000"/>
+                </a:schemeClr>
+              </a:lnRef>
+              <a:fillRef idx="1">
+                <a:schemeClr val="accent1"/>
+              </a:fillRef>
+              <a:effectRef idx="0">
+                <a:schemeClr val="accent1"/>
+              </a:effectRef>
+              <a:fontRef idx="minor">
+                <a:schemeClr val="lt1"/>
+              </a:fontRef>
+            </p:style>
+            <p:txBody>
+              <a:bodyPr rtlCol="0" anchor="ctr"/>
+              <a:lstStyle/>
+              <a:p>
+                <a:pPr algn="ctr"/>
+                <a:endParaRPr lang="en-US"/>
+              </a:p>
+            </p:txBody>
+          </p:sp>
+          <p:sp>
+            <p:nvSpPr>
+              <p:cNvPr id="143" name="Rectangle 142"/>
+              <p:cNvSpPr/>
+              <p:nvPr/>
+            </p:nvSpPr>
+            <p:spPr>
+              <a:xfrm>
+                <a:off x="3276600" y="2895600"/>
+                <a:ext cx="76200" cy="228600"/>
+              </a:xfrm>
+              <a:prstGeom prst="rect">
+                <a:avLst/>
+              </a:prstGeom>
+              <a:solidFill>
+                <a:schemeClr val="accent4"/>
+              </a:solidFill>
+              <a:ln>
+                <a:solidFill>
+                  <a:schemeClr val="accent4"/>
+                </a:solidFill>
+              </a:ln>
+            </p:spPr>
+            <p:style>
+              <a:lnRef idx="2">
+                <a:schemeClr val="accent1">
+                  <a:shade val="50000"/>
+                </a:schemeClr>
+              </a:lnRef>
+              <a:fillRef idx="1">
+                <a:schemeClr val="accent1"/>
+              </a:fillRef>
+              <a:effectRef idx="0">
+                <a:schemeClr val="accent1"/>
+              </a:effectRef>
+              <a:fontRef idx="minor">
+                <a:schemeClr val="lt1"/>
+              </a:fontRef>
+            </p:style>
+            <p:txBody>
+              <a:bodyPr rtlCol="0" anchor="ctr"/>
+              <a:lstStyle/>
+              <a:p>
+                <a:pPr algn="ctr"/>
+                <a:endParaRPr lang="en-US"/>
+              </a:p>
+            </p:txBody>
+          </p:sp>
+        </p:grpSp>
+        <p:sp>
+          <p:nvSpPr>
+            <p:cNvPr id="210" name="TextBox 209"/>
+            <p:cNvSpPr txBox="1"/>
+            <p:nvPr/>
+          </p:nvSpPr>
+          <p:spPr>
+            <a:xfrm>
+              <a:off x="2209800" y="1676400"/>
+              <a:ext cx="1524000" cy="338554"/>
+            </a:xfrm>
+            <a:prstGeom prst="rect">
+              <a:avLst/>
+            </a:prstGeom>
+            <a:noFill/>
+            <a:ln>
+              <a:noFill/>
+            </a:ln>
+          </p:spPr>
+          <p:txBody>
+            <a:bodyPr wrap="square" rtlCol="0">
+              <a:spAutoFit/>
+            </a:bodyPr>
+            <a:lstStyle/>
+            <a:p>
+              <a:pPr algn="ctr"/>
+              <a:r>
+                <a:rPr lang="en-US" sz="1600" dirty="0" smtClean="0"/>
+                <a:t>ISK</a:t>
+              </a:r>
+              <a:endParaRPr lang="en-US" sz="1600" dirty="0"/>
             </a:p>
           </p:txBody>
         </p:sp>
@@ -11336,6 +12576,108 @@
             </a:p>
           </p:txBody>
         </p:sp>
+      </p:grpSp>
+      <p:grpSp>
+        <p:nvGrpSpPr>
+          <p:cNvPr id="74" name="Group 73"/>
+          <p:cNvGrpSpPr>
+            <a:grpSpLocks noChangeAspect="1"/>
+          </p:cNvGrpSpPr>
+          <p:nvPr/>
+        </p:nvGrpSpPr>
+        <p:grpSpPr>
+          <a:xfrm>
+            <a:off x="4267200" y="1066800"/>
+            <a:ext cx="457200" cy="457200"/>
+            <a:chOff x="4267200" y="1066800"/>
+            <a:chExt cx="457200" cy="457200"/>
+          </a:xfrm>
+        </p:grpSpPr>
+        <p:sp>
+          <p:nvSpPr>
+            <p:cNvPr id="61" name="Arc 60"/>
+            <p:cNvSpPr/>
+            <p:nvPr/>
+          </p:nvSpPr>
+          <p:spPr>
+            <a:xfrm rot="10800000">
+              <a:off x="4267200" y="1066800"/>
+              <a:ext cx="457200" cy="457200"/>
+            </a:xfrm>
+            <a:prstGeom prst="arc">
+              <a:avLst>
+                <a:gd name="adj1" fmla="val 10851371"/>
+                <a:gd name="adj2" fmla="val 6294069"/>
+              </a:avLst>
+            </a:prstGeom>
+            <a:ln>
+              <a:solidFill>
+                <a:schemeClr val="tx1"/>
+              </a:solidFill>
+            </a:ln>
+          </p:spPr>
+          <p:style>
+            <a:lnRef idx="1">
+              <a:schemeClr val="accent1"/>
+            </a:lnRef>
+            <a:fillRef idx="0">
+              <a:schemeClr val="accent1"/>
+            </a:fillRef>
+            <a:effectRef idx="0">
+              <a:schemeClr val="accent1"/>
+            </a:effectRef>
+            <a:fontRef idx="minor">
+              <a:schemeClr val="tx1"/>
+            </a:fontRef>
+          </p:style>
+          <p:txBody>
+            <a:bodyPr rtlCol="0" anchor="ctr"/>
+            <a:lstStyle/>
+            <a:p>
+              <a:pPr algn="ctr"/>
+              <a:endParaRPr lang="en-US"/>
+            </a:p>
+          </p:txBody>
+        </p:sp>
+        <p:cxnSp>
+          <p:nvCxnSpPr>
+            <p:cNvPr id="63" name="Straight Arrow Connector 62"/>
+            <p:cNvCxnSpPr>
+              <a:stCxn id="61" idx="0"/>
+            </p:cNvCxnSpPr>
+            <p:nvPr/>
+          </p:nvCxnSpPr>
+          <p:spPr>
+            <a:xfrm flipV="1">
+              <a:off x="4724374" y="1219200"/>
+              <a:ext cx="26" cy="79616"/>
+            </a:xfrm>
+            <a:prstGeom prst="straightConnector1">
+              <a:avLst/>
+            </a:prstGeom>
+            <a:ln>
+              <a:solidFill>
+                <a:schemeClr val="tx1"/>
+              </a:solidFill>
+              <a:headEnd type="none" w="med" len="med"/>
+              <a:tailEnd type="triangle" w="med" len="med"/>
+            </a:ln>
+          </p:spPr>
+          <p:style>
+            <a:lnRef idx="1">
+              <a:schemeClr val="accent1"/>
+            </a:lnRef>
+            <a:fillRef idx="0">
+              <a:schemeClr val="accent1"/>
+            </a:fillRef>
+            <a:effectRef idx="0">
+              <a:schemeClr val="accent1"/>
+            </a:effectRef>
+            <a:fontRef idx="minor">
+              <a:schemeClr val="tx1"/>
+            </a:fontRef>
+          </p:style>
+        </p:cxnSp>
       </p:grpSp>
     </p:spTree>
   </p:cSld>

--- a/CMQA/ConOps/CONOPS Cases/RASCAL-CONOPS2.pptx
+++ b/CMQA/ConOps/CONOPS Cases/RASCAL-CONOPS2.pptx
@@ -9731,7 +9731,7 @@
         </p:nvGrpSpPr>
         <p:grpSpPr>
           <a:xfrm>
-            <a:off x="1828800" y="1752600"/>
+            <a:off x="1676400" y="1752600"/>
             <a:ext cx="1524000" cy="1100554"/>
             <a:chOff x="914400" y="2362200"/>
             <a:chExt cx="1524000" cy="1100554"/>
